--- a/2022/hercules2022_D_coherence_transport.pptx
+++ b/2022/hercules2022_D_coherence_transport.pptx
@@ -5,17 +5,24 @@
     <p:sldMasterId id="2147483648" r:id="rId1"/>
   </p:sldMasterIdLst>
   <p:notesMasterIdLst>
-    <p:notesMasterId r:id="rId10"/>
+    <p:notesMasterId r:id="rId17"/>
   </p:notesMasterIdLst>
   <p:sldIdLst>
     <p:sldId id="262" r:id="rId2"/>
     <p:sldId id="265" r:id="rId3"/>
     <p:sldId id="263" r:id="rId4"/>
     <p:sldId id="296" r:id="rId5"/>
-    <p:sldId id="297" r:id="rId6"/>
+    <p:sldId id="537" r:id="rId6"/>
     <p:sldId id="534" r:id="rId7"/>
     <p:sldId id="535" r:id="rId8"/>
     <p:sldId id="536" r:id="rId9"/>
+    <p:sldId id="538" r:id="rId10"/>
+    <p:sldId id="297" r:id="rId11"/>
+    <p:sldId id="539" r:id="rId12"/>
+    <p:sldId id="540" r:id="rId13"/>
+    <p:sldId id="541" r:id="rId14"/>
+    <p:sldId id="542" r:id="rId15"/>
+    <p:sldId id="543" r:id="rId16"/>
   </p:sldIdLst>
   <p:sldSz cx="9144000" cy="5715000" type="screen16x10"/>
   <p:notesSz cx="6858000" cy="9144000"/>
@@ -241,7 +248,7 @@
             <a:fld id="{D680E798-53FF-4C51-A981-953463752515}" type="datetimeFigureOut">
               <a:rPr lang="fr-FR" smtClean="0"/>
               <a:pPr/>
-              <a:t>09/03/2022</a:t>
+              <a:t>10/03/2022</a:t>
             </a:fld>
             <a:endParaRPr lang="fr-FR"/>
           </a:p>
@@ -758,7 +765,7 @@
           <a:p>
             <a:r>
               <a:rPr lang="en-US" noProof="0"/>
-              <a:t>OASYS-Power transport | HERCULES2022</a:t>
+              <a:t>OASYS-Coherence transport | HERCULES2022</a:t>
             </a:r>
             <a:endParaRPr lang="en-US" noProof="0" dirty="0"/>
           </a:p>
@@ -1087,7 +1094,7 @@
           <a:p>
             <a:r>
               <a:rPr lang="en-US" noProof="0"/>
-              <a:t>OASYS-Power transport | HERCULES2022</a:t>
+              <a:t>OASYS-Coherence transport | HERCULES2022</a:t>
             </a:r>
           </a:p>
         </p:txBody>
@@ -1274,7 +1281,7 @@
           <a:p>
             <a:r>
               <a:rPr lang="en-US" noProof="0"/>
-              <a:t>OASYS-Power transport | HERCULES2022</a:t>
+              <a:t>OASYS-Coherence transport | HERCULES2022</a:t>
             </a:r>
           </a:p>
         </p:txBody>
@@ -1393,7 +1400,7 @@
           <a:p>
             <a:r>
               <a:rPr lang="en-US" noProof="0"/>
-              <a:t>OASYS-Power transport | HERCULES2022</a:t>
+              <a:t>OASYS-Coherence transport | HERCULES2022</a:t>
             </a:r>
           </a:p>
         </p:txBody>
@@ -1626,7 +1633,7 @@
           <a:p>
             <a:r>
               <a:rPr lang="en-US"/>
-              <a:t>OASYS-Power transport | HERCULES2022</a:t>
+              <a:t>OASYS-Coherence transport | HERCULES2022</a:t>
             </a:r>
             <a:endParaRPr lang="fr-FR" dirty="0"/>
           </a:p>
@@ -2037,6 +2044,4063 @@
 </p:sld>
 </file>
 
+<file path=ppt/slides/slide10.xml><?xml version="1.0" encoding="utf-8"?>
+<p:sld xmlns:a="http://schemas.openxmlformats.org/drawingml/2006/main" xmlns:r="http://schemas.openxmlformats.org/officeDocument/2006/relationships" xmlns:p="http://schemas.openxmlformats.org/presentationml/2006/main">
+  <p:cSld>
+    <p:spTree>
+      <p:nvGrpSpPr>
+        <p:cNvPr id="1" name=""/>
+        <p:cNvGrpSpPr/>
+        <p:nvPr/>
+      </p:nvGrpSpPr>
+      <p:grpSpPr>
+        <a:xfrm>
+          <a:off x="0" y="0"/>
+          <a:ext cx="0" cy="0"/>
+          <a:chOff x="0" y="0"/>
+          <a:chExt cx="0" cy="0"/>
+        </a:xfrm>
+      </p:grpSpPr>
+      <p:sp>
+        <p:nvSpPr>
+          <p:cNvPr id="2" name="Title 1"/>
+          <p:cNvSpPr>
+            <a:spLocks noGrp="1"/>
+          </p:cNvSpPr>
+          <p:nvPr>
+            <p:ph type="title"/>
+          </p:nvPr>
+        </p:nvSpPr>
+        <p:spPr/>
+        <p:txBody>
+          <a:bodyPr/>
+          <a:lstStyle/>
+          <a:p>
+            <a:r>
+              <a:rPr lang="en-US" sz="1800" dirty="0"/>
+              <a:t>Coherent radiation produces interference patterns</a:t>
+            </a:r>
+            <a:endParaRPr lang="en-GB" sz="1800" cap="none" dirty="0"/>
+          </a:p>
+        </p:txBody>
+      </p:sp>
+      <p:sp>
+        <p:nvSpPr>
+          <p:cNvPr id="6" name="Slide Number Placeholder 5"/>
+          <p:cNvSpPr>
+            <a:spLocks noGrp="1"/>
+          </p:cNvSpPr>
+          <p:nvPr>
+            <p:ph type="sldNum" sz="quarter" idx="15"/>
+          </p:nvPr>
+        </p:nvSpPr>
+        <p:spPr/>
+        <p:txBody>
+          <a:bodyPr/>
+          <a:lstStyle/>
+          <a:p>
+            <a:r>
+              <a:rPr lang="en-US" noProof="0"/>
+              <a:t>Page </a:t>
+            </a:r>
+            <a:fld id="{733122C9-A0B9-462F-8757-0847AD287B63}" type="slidenum">
+              <a:rPr lang="en-US" noProof="0" smtClean="0"/>
+              <a:pPr/>
+              <a:t>10</a:t>
+            </a:fld>
+            <a:endParaRPr lang="en-US" noProof="0"/>
+          </a:p>
+        </p:txBody>
+      </p:sp>
+      <p:sp>
+        <p:nvSpPr>
+          <p:cNvPr id="7" name="Footer Placeholder 6"/>
+          <p:cNvSpPr>
+            <a:spLocks noGrp="1"/>
+          </p:cNvSpPr>
+          <p:nvPr>
+            <p:ph type="ftr" sz="quarter" idx="16"/>
+          </p:nvPr>
+        </p:nvSpPr>
+        <p:spPr/>
+        <p:txBody>
+          <a:bodyPr/>
+          <a:lstStyle/>
+          <a:p>
+            <a:r>
+              <a:rPr lang="en-US" noProof="0"/>
+              <a:t>OASYS-Coherence transport | HERCULES2022</a:t>
+            </a:r>
+            <a:endParaRPr lang="en-US" noProof="0" dirty="0"/>
+          </a:p>
+        </p:txBody>
+      </p:sp>
+      <p:pic>
+        <p:nvPicPr>
+          <p:cNvPr id="15" name="Picture 2" descr="http://www.chs.d211.org/science/kulakmp/HWAnswers/13%20LightDifInterf/6%20-%20conglom%20%20homework%20ans_files/image056.gif">
+            <a:extLst>
+              <a:ext uri="{FF2B5EF4-FFF2-40B4-BE49-F238E27FC236}">
+                <a16:creationId xmlns:a16="http://schemas.microsoft.com/office/drawing/2014/main" id="{E7C3DBF9-070D-42CD-8354-384967957601}"/>
+              </a:ext>
+            </a:extLst>
+          </p:cNvPr>
+          <p:cNvPicPr>
+            <a:picLocks noChangeAspect="1" noChangeArrowheads="1"/>
+          </p:cNvPicPr>
+          <p:nvPr/>
+        </p:nvPicPr>
+        <p:blipFill>
+          <a:blip r:embed="rId2" cstate="print"/>
+          <a:srcRect/>
+          <a:stretch>
+            <a:fillRect/>
+          </a:stretch>
+        </p:blipFill>
+        <p:spPr bwMode="auto">
+          <a:xfrm>
+            <a:off x="635000" y="1841500"/>
+            <a:ext cx="3946906" cy="2603500"/>
+          </a:xfrm>
+          <a:prstGeom prst="rect">
+            <a:avLst/>
+          </a:prstGeom>
+          <a:noFill/>
+        </p:spPr>
+      </p:pic>
+      <p:pic>
+        <p:nvPicPr>
+          <p:cNvPr id="18" name="Picture 4" descr="Part a of the figure shows a slit in a vertical bar. To the right of the bar is a graph of intensity versus height. The graph is turned ninety degrees counterclockwise so that the intensity scale increases to the left and the height increases as you go up the page. Just in front of the gap, a strong central peak extends leftward from the graph’s baseline, and many smaller satellite peaks appear above and below this central peak. Part b of the figure shows a drawing of the two-dimensional intensity pattern that is observed from single slit diffraction. The central stripe is quite broad compared to the satellite stripes, and there are dark areas between all the stripes.">
+            <a:extLst>
+              <a:ext uri="{FF2B5EF4-FFF2-40B4-BE49-F238E27FC236}">
+                <a16:creationId xmlns:a16="http://schemas.microsoft.com/office/drawing/2014/main" id="{B434B3E0-7837-4CE8-99A1-12DCA668B510}"/>
+              </a:ext>
+            </a:extLst>
+          </p:cNvPr>
+          <p:cNvPicPr>
+            <a:picLocks noChangeAspect="1" noChangeArrowheads="1"/>
+          </p:cNvPicPr>
+          <p:nvPr/>
+        </p:nvPicPr>
+        <p:blipFill>
+          <a:blip r:embed="rId3" cstate="print"/>
+          <a:srcRect/>
+          <a:stretch>
+            <a:fillRect/>
+          </a:stretch>
+        </p:blipFill>
+        <p:spPr bwMode="auto">
+          <a:xfrm>
+            <a:off x="5653857" y="1651000"/>
+            <a:ext cx="2220143" cy="2476500"/>
+          </a:xfrm>
+          <a:prstGeom prst="rect">
+            <a:avLst/>
+          </a:prstGeom>
+          <a:noFill/>
+        </p:spPr>
+      </p:pic>
+      <p:pic>
+        <p:nvPicPr>
+          <p:cNvPr id="19" name="Picture 6" descr="Both parts of the figure show a schematic of a double slit experiment. Two waves, each of which is emitted from a different slit, propagate from the slits to the screen. In the first schematic, when the waves meet on the screen, one of the waves is at a maximum whereas the other is at a minimum. This schematic is labeled dark (destructive interference). In the second schematic, when the waves meet on the screen, both waves are at a minimum.. This schematic is labeled bright (constructive interference).">
+            <a:extLst>
+              <a:ext uri="{FF2B5EF4-FFF2-40B4-BE49-F238E27FC236}">
+                <a16:creationId xmlns:a16="http://schemas.microsoft.com/office/drawing/2014/main" id="{8E925B7A-062F-42E5-8B08-63E368B6B896}"/>
+              </a:ext>
+            </a:extLst>
+          </p:cNvPr>
+          <p:cNvPicPr>
+            <a:picLocks noChangeAspect="1" noChangeArrowheads="1"/>
+          </p:cNvPicPr>
+          <p:nvPr/>
+        </p:nvPicPr>
+        <p:blipFill>
+          <a:blip r:embed="rId4" cstate="print"/>
+          <a:srcRect/>
+          <a:stretch>
+            <a:fillRect/>
+          </a:stretch>
+        </p:blipFill>
+        <p:spPr bwMode="auto">
+          <a:xfrm>
+            <a:off x="1841500" y="4127500"/>
+            <a:ext cx="1778000" cy="1089153"/>
+          </a:xfrm>
+          <a:prstGeom prst="rect">
+            <a:avLst/>
+          </a:prstGeom>
+          <a:noFill/>
+        </p:spPr>
+      </p:pic>
+      <p:pic>
+        <p:nvPicPr>
+          <p:cNvPr id="21" name="Picture 8" descr="http://cnx.org/resources/6c9b32e6a6df56d4b3a1755583beca00/Figure_28_05_03a.jpg">
+            <a:extLst>
+              <a:ext uri="{FF2B5EF4-FFF2-40B4-BE49-F238E27FC236}">
+                <a16:creationId xmlns:a16="http://schemas.microsoft.com/office/drawing/2014/main" id="{6E3BB5B1-CF92-43B5-A140-5CC388DB3FA3}"/>
+              </a:ext>
+            </a:extLst>
+          </p:cNvPr>
+          <p:cNvPicPr>
+            <a:picLocks noChangeAspect="1" noChangeArrowheads="1"/>
+          </p:cNvPicPr>
+          <p:nvPr/>
+        </p:nvPicPr>
+        <p:blipFill>
+          <a:blip r:embed="rId5" cstate="print"/>
+          <a:srcRect/>
+          <a:stretch>
+            <a:fillRect/>
+          </a:stretch>
+        </p:blipFill>
+        <p:spPr bwMode="auto">
+          <a:xfrm>
+            <a:off x="6096000" y="4127500"/>
+            <a:ext cx="1714500" cy="1303020"/>
+          </a:xfrm>
+          <a:prstGeom prst="rect">
+            <a:avLst/>
+          </a:prstGeom>
+          <a:noFill/>
+        </p:spPr>
+      </p:pic>
+      <p:sp>
+        <p:nvSpPr>
+          <p:cNvPr id="22" name="Rectangle 21">
+            <a:extLst>
+              <a:ext uri="{FF2B5EF4-FFF2-40B4-BE49-F238E27FC236}">
+                <a16:creationId xmlns:a16="http://schemas.microsoft.com/office/drawing/2014/main" id="{9659CA31-3DD9-4093-BE32-2245845A459D}"/>
+              </a:ext>
+            </a:extLst>
+          </p:cNvPr>
+          <p:cNvSpPr/>
+          <p:nvPr/>
+        </p:nvSpPr>
+        <p:spPr>
+          <a:xfrm>
+            <a:off x="762000" y="2032000"/>
+            <a:ext cx="1079500" cy="1778000"/>
+          </a:xfrm>
+          <a:prstGeom prst="rect">
+            <a:avLst/>
+          </a:prstGeom>
+          <a:solidFill>
+            <a:schemeClr val="bg1"/>
+          </a:solidFill>
+          <a:ln>
+            <a:noFill/>
+          </a:ln>
+        </p:spPr>
+        <p:style>
+          <a:lnRef idx="2">
+            <a:schemeClr val="accent1">
+              <a:shade val="50000"/>
+            </a:schemeClr>
+          </a:lnRef>
+          <a:fillRef idx="1">
+            <a:schemeClr val="accent1"/>
+          </a:fillRef>
+          <a:effectRef idx="0">
+            <a:schemeClr val="accent1"/>
+          </a:effectRef>
+          <a:fontRef idx="minor">
+            <a:schemeClr val="lt1"/>
+          </a:fontRef>
+        </p:style>
+        <p:txBody>
+          <a:bodyPr rtlCol="0" anchor="ctr"/>
+          <a:lstStyle/>
+          <a:p>
+            <a:pPr algn="ctr"/>
+            <a:endParaRPr lang="en-US" sz="1500"/>
+          </a:p>
+        </p:txBody>
+      </p:sp>
+      <p:cxnSp>
+        <p:nvCxnSpPr>
+          <p:cNvPr id="23" name="Elbow Connector 8">
+            <a:extLst>
+              <a:ext uri="{FF2B5EF4-FFF2-40B4-BE49-F238E27FC236}">
+                <a16:creationId xmlns:a16="http://schemas.microsoft.com/office/drawing/2014/main" id="{6D0D6DF9-691A-4AE9-B713-21126293120E}"/>
+              </a:ext>
+            </a:extLst>
+          </p:cNvPr>
+          <p:cNvCxnSpPr/>
+          <p:nvPr/>
+        </p:nvCxnSpPr>
+        <p:spPr>
+          <a:xfrm flipV="1">
+            <a:off x="3175000" y="3873500"/>
+            <a:ext cx="762000" cy="190500"/>
+          </a:xfrm>
+          <a:prstGeom prst="bentConnector3">
+            <a:avLst>
+              <a:gd name="adj1" fmla="val 1111"/>
+            </a:avLst>
+          </a:prstGeom>
+          <a:ln>
+            <a:tailEnd type="arrow"/>
+          </a:ln>
+        </p:spPr>
+        <p:style>
+          <a:lnRef idx="1">
+            <a:schemeClr val="accent1"/>
+          </a:lnRef>
+          <a:fillRef idx="0">
+            <a:schemeClr val="accent1"/>
+          </a:fillRef>
+          <a:effectRef idx="0">
+            <a:schemeClr val="accent1"/>
+          </a:effectRef>
+          <a:fontRef idx="minor">
+            <a:schemeClr val="tx1"/>
+          </a:fontRef>
+        </p:style>
+      </p:cxnSp>
+      <p:cxnSp>
+        <p:nvCxnSpPr>
+          <p:cNvPr id="24" name="Elbow Connector 12">
+            <a:extLst>
+              <a:ext uri="{FF2B5EF4-FFF2-40B4-BE49-F238E27FC236}">
+                <a16:creationId xmlns:a16="http://schemas.microsoft.com/office/drawing/2014/main" id="{458EA7CD-EEA5-44B0-BA80-E965077E872F}"/>
+              </a:ext>
+            </a:extLst>
+          </p:cNvPr>
+          <p:cNvCxnSpPr/>
+          <p:nvPr/>
+        </p:nvCxnSpPr>
+        <p:spPr>
+          <a:xfrm flipV="1">
+            <a:off x="2286000" y="3683000"/>
+            <a:ext cx="1778000" cy="381000"/>
+          </a:xfrm>
+          <a:prstGeom prst="bentConnector3">
+            <a:avLst>
+              <a:gd name="adj1" fmla="val -476"/>
+            </a:avLst>
+          </a:prstGeom>
+          <a:ln>
+            <a:tailEnd type="arrow"/>
+          </a:ln>
+        </p:spPr>
+        <p:style>
+          <a:lnRef idx="1">
+            <a:schemeClr val="accent1"/>
+          </a:lnRef>
+          <a:fillRef idx="0">
+            <a:schemeClr val="accent1"/>
+          </a:fillRef>
+          <a:effectRef idx="0">
+            <a:schemeClr val="accent1"/>
+          </a:effectRef>
+          <a:fontRef idx="minor">
+            <a:schemeClr val="tx1"/>
+          </a:fontRef>
+        </p:style>
+      </p:cxnSp>
+      <p:sp>
+        <p:nvSpPr>
+          <p:cNvPr id="32" name="TextBox 31">
+            <a:extLst>
+              <a:ext uri="{FF2B5EF4-FFF2-40B4-BE49-F238E27FC236}">
+                <a16:creationId xmlns:a16="http://schemas.microsoft.com/office/drawing/2014/main" id="{423C5C44-D4BF-4546-AAC9-357BDBA6A8F7}"/>
+              </a:ext>
+            </a:extLst>
+          </p:cNvPr>
+          <p:cNvSpPr txBox="1"/>
+          <p:nvPr/>
+        </p:nvSpPr>
+        <p:spPr>
+          <a:xfrm>
+            <a:off x="654959" y="703359"/>
+            <a:ext cx="7620000" cy="810350"/>
+          </a:xfrm>
+          <a:prstGeom prst="rect">
+            <a:avLst/>
+          </a:prstGeom>
+          <a:noFill/>
+        </p:spPr>
+        <p:txBody>
+          <a:bodyPr wrap="square" rtlCol="0">
+            <a:spAutoFit/>
+          </a:bodyPr>
+          <a:lstStyle/>
+          <a:p>
+            <a:endParaRPr lang="en-US" sz="1333" dirty="0"/>
+          </a:p>
+          <a:p>
+            <a:endParaRPr lang="en-US" sz="1333" dirty="0"/>
+          </a:p>
+          <a:p>
+            <a:r>
+              <a:rPr lang="en-US" sz="1333" dirty="0"/>
+              <a:t>	</a:t>
+            </a:r>
+            <a:r>
+              <a:rPr lang="en-US" sz="2000" b="1" dirty="0">
+                <a:solidFill>
+                  <a:srgbClr val="FF0000"/>
+                </a:solidFill>
+              </a:rPr>
+              <a:t>	</a:t>
+            </a:r>
+            <a:r>
+              <a:rPr lang="en-US" sz="2000" b="1" dirty="0">
+                <a:solidFill>
+                  <a:srgbClr val="0000FF"/>
+                </a:solidFill>
+              </a:rPr>
+              <a:t>INTERFERENCE		DIFFRACTION  </a:t>
+            </a:r>
+            <a:endParaRPr lang="en-US" sz="1333" b="1" dirty="0">
+              <a:solidFill>
+                <a:srgbClr val="0000FF"/>
+              </a:solidFill>
+            </a:endParaRPr>
+          </a:p>
+        </p:txBody>
+      </p:sp>
+    </p:spTree>
+    <p:extLst>
+      <p:ext uri="{BB962C8B-B14F-4D97-AF65-F5344CB8AC3E}">
+        <p14:creationId xmlns:p14="http://schemas.microsoft.com/office/powerpoint/2010/main" val="2142326328"/>
+      </p:ext>
+    </p:extLst>
+  </p:cSld>
+  <p:clrMapOvr>
+    <a:masterClrMapping/>
+  </p:clrMapOvr>
+</p:sld>
+</file>
+
+<file path=ppt/slides/slide11.xml><?xml version="1.0" encoding="utf-8"?>
+<p:sld xmlns:a="http://schemas.openxmlformats.org/drawingml/2006/main" xmlns:r="http://schemas.openxmlformats.org/officeDocument/2006/relationships" xmlns:p="http://schemas.openxmlformats.org/presentationml/2006/main">
+  <p:cSld>
+    <p:spTree>
+      <p:nvGrpSpPr>
+        <p:cNvPr id="1" name=""/>
+        <p:cNvGrpSpPr/>
+        <p:nvPr/>
+      </p:nvGrpSpPr>
+      <p:grpSpPr>
+        <a:xfrm>
+          <a:off x="0" y="0"/>
+          <a:ext cx="0" cy="0"/>
+          <a:chOff x="0" y="0"/>
+          <a:chExt cx="0" cy="0"/>
+        </a:xfrm>
+      </p:grpSpPr>
+      <p:sp>
+        <p:nvSpPr>
+          <p:cNvPr id="2" name="Title 1"/>
+          <p:cNvSpPr>
+            <a:spLocks noGrp="1"/>
+          </p:cNvSpPr>
+          <p:nvPr>
+            <p:ph type="title"/>
+          </p:nvPr>
+        </p:nvSpPr>
+        <p:spPr/>
+        <p:txBody>
+          <a:bodyPr/>
+          <a:lstStyle/>
+          <a:p>
+            <a:r>
+              <a:rPr lang="en-US" sz="2400" cap="none" dirty="0"/>
+              <a:t>Coherence – Longitudinal and transversal</a:t>
+            </a:r>
+            <a:endParaRPr lang="en-GB" sz="2400" cap="none" dirty="0"/>
+          </a:p>
+        </p:txBody>
+      </p:sp>
+      <p:sp>
+        <p:nvSpPr>
+          <p:cNvPr id="6" name="Slide Number Placeholder 5"/>
+          <p:cNvSpPr>
+            <a:spLocks noGrp="1"/>
+          </p:cNvSpPr>
+          <p:nvPr>
+            <p:ph type="sldNum" sz="quarter" idx="15"/>
+          </p:nvPr>
+        </p:nvSpPr>
+        <p:spPr/>
+        <p:txBody>
+          <a:bodyPr/>
+          <a:lstStyle/>
+          <a:p>
+            <a:r>
+              <a:rPr lang="en-US" noProof="0"/>
+              <a:t>Page </a:t>
+            </a:r>
+            <a:fld id="{733122C9-A0B9-462F-8757-0847AD287B63}" type="slidenum">
+              <a:rPr lang="en-US" noProof="0" smtClean="0"/>
+              <a:pPr/>
+              <a:t>11</a:t>
+            </a:fld>
+            <a:endParaRPr lang="en-US" noProof="0"/>
+          </a:p>
+        </p:txBody>
+      </p:sp>
+      <p:sp>
+        <p:nvSpPr>
+          <p:cNvPr id="7" name="Footer Placeholder 6"/>
+          <p:cNvSpPr>
+            <a:spLocks noGrp="1"/>
+          </p:cNvSpPr>
+          <p:nvPr>
+            <p:ph type="ftr" sz="quarter" idx="16"/>
+          </p:nvPr>
+        </p:nvSpPr>
+        <p:spPr/>
+        <p:txBody>
+          <a:bodyPr/>
+          <a:lstStyle/>
+          <a:p>
+            <a:r>
+              <a:rPr lang="en-US" noProof="0"/>
+              <a:t>OASYS-Coherence transport | HERCULES2022</a:t>
+            </a:r>
+            <a:endParaRPr lang="en-US" noProof="0" dirty="0"/>
+          </a:p>
+        </p:txBody>
+      </p:sp>
+      <p:sp>
+        <p:nvSpPr>
+          <p:cNvPr id="16" name="Rectangle 27">
+            <a:extLst>
+              <a:ext uri="{FF2B5EF4-FFF2-40B4-BE49-F238E27FC236}">
+                <a16:creationId xmlns:a16="http://schemas.microsoft.com/office/drawing/2014/main" id="{8D6A3A4A-9FBD-4F82-BC84-1EF743251050}"/>
+              </a:ext>
+            </a:extLst>
+          </p:cNvPr>
+          <p:cNvSpPr>
+            <a:spLocks noChangeArrowheads="1"/>
+          </p:cNvSpPr>
+          <p:nvPr/>
+        </p:nvSpPr>
+        <p:spPr bwMode="auto">
+          <a:xfrm>
+            <a:off x="889000" y="598264"/>
+            <a:ext cx="4635500" cy="4635500"/>
+          </a:xfrm>
+          <a:prstGeom prst="rect">
+            <a:avLst/>
+          </a:prstGeom>
+          <a:noFill/>
+          <a:ln w="9525">
+            <a:noFill/>
+            <a:miter lim="800000"/>
+            <a:headEnd/>
+            <a:tailEnd/>
+          </a:ln>
+        </p:spPr>
+        <p:txBody>
+          <a:bodyPr/>
+          <a:lstStyle/>
+          <a:p>
+            <a:pPr>
+              <a:spcBef>
+                <a:spcPct val="20000"/>
+              </a:spcBef>
+            </a:pPr>
+            <a:r>
+              <a:rPr lang="en-US" sz="1167" b="1" dirty="0">
+                <a:solidFill>
+                  <a:srgbClr val="FF0000"/>
+                </a:solidFill>
+                <a:latin typeface="Helvetica" charset="0"/>
+              </a:rPr>
+              <a:t>Starting with TWO well defined (thus coherent) waves with THE SAME intensity:</a:t>
+            </a:r>
+            <a:r>
+              <a:rPr lang="en-US" sz="1167" b="1" dirty="0">
+                <a:solidFill>
+                  <a:srgbClr val="008000"/>
+                </a:solidFill>
+                <a:latin typeface="Helvetica" charset="0"/>
+              </a:rPr>
+              <a:t> </a:t>
+            </a:r>
+          </a:p>
+          <a:p>
+            <a:pPr>
+              <a:spcBef>
+                <a:spcPct val="20000"/>
+              </a:spcBef>
+            </a:pPr>
+            <a:endParaRPr lang="en-US" sz="1167" b="1" dirty="0">
+              <a:solidFill>
+                <a:srgbClr val="008000"/>
+              </a:solidFill>
+              <a:latin typeface="Helvetica" charset="0"/>
+            </a:endParaRPr>
+          </a:p>
+          <a:p>
+            <a:pPr>
+              <a:spcBef>
+                <a:spcPct val="20000"/>
+              </a:spcBef>
+            </a:pPr>
+            <a:r>
+              <a:rPr lang="en-US" sz="1667" b="1" dirty="0">
+                <a:solidFill>
+                  <a:srgbClr val="008000"/>
+                </a:solidFill>
+                <a:latin typeface="Helvetica" pitchFamily="34" charset="0"/>
+                <a:cs typeface="Helvetica" pitchFamily="34" charset="0"/>
+              </a:rPr>
+              <a:t>LONGITUDINAL (TEMPORAL) COHERENCE LENGTH L</a:t>
+            </a:r>
+            <a:r>
+              <a:rPr lang="en-US" sz="1667" b="1" baseline="-25000" dirty="0">
+                <a:solidFill>
+                  <a:srgbClr val="008000"/>
+                </a:solidFill>
+                <a:latin typeface="Helvetica" pitchFamily="34" charset="0"/>
+                <a:cs typeface="Helvetica" pitchFamily="34" charset="0"/>
+              </a:rPr>
+              <a:t>L</a:t>
+            </a:r>
+          </a:p>
+          <a:p>
+            <a:pPr>
+              <a:spcBef>
+                <a:spcPct val="20000"/>
+              </a:spcBef>
+            </a:pPr>
+            <a:r>
+              <a:rPr lang="en-US" sz="1333" b="1" dirty="0">
+                <a:solidFill>
+                  <a:srgbClr val="008000"/>
+                </a:solidFill>
+                <a:latin typeface="Helvetica" pitchFamily="34" charset="0"/>
+                <a:cs typeface="Helvetica" pitchFamily="34" charset="0"/>
+              </a:rPr>
+              <a:t>Distance over which two waves from the same source point with slightly different wavelengths will completely </a:t>
+            </a:r>
+            <a:r>
+              <a:rPr lang="en-US" sz="1333" b="1" dirty="0" err="1">
+                <a:solidFill>
+                  <a:srgbClr val="008000"/>
+                </a:solidFill>
+                <a:latin typeface="Helvetica" pitchFamily="34" charset="0"/>
+                <a:cs typeface="Helvetica" pitchFamily="34" charset="0"/>
+              </a:rPr>
+              <a:t>dephase</a:t>
+            </a:r>
+            <a:r>
+              <a:rPr lang="en-US" sz="1333" b="1" dirty="0">
+                <a:solidFill>
+                  <a:srgbClr val="008000"/>
+                </a:solidFill>
+                <a:latin typeface="Helvetica" pitchFamily="34" charset="0"/>
+                <a:cs typeface="Helvetica" pitchFamily="34" charset="0"/>
+              </a:rPr>
+              <a:t>.</a:t>
+            </a:r>
+            <a:endParaRPr lang="en-US" sz="1167" b="1" dirty="0">
+              <a:solidFill>
+                <a:srgbClr val="008000"/>
+              </a:solidFill>
+              <a:latin typeface="Helvetica" pitchFamily="34" charset="0"/>
+              <a:cs typeface="Helvetica" pitchFamily="34" charset="0"/>
+            </a:endParaRPr>
+          </a:p>
+          <a:p>
+            <a:pPr>
+              <a:spcBef>
+                <a:spcPct val="20000"/>
+              </a:spcBef>
+            </a:pPr>
+            <a:endParaRPr lang="en-US" sz="1167" b="1" dirty="0">
+              <a:solidFill>
+                <a:srgbClr val="008000"/>
+              </a:solidFill>
+              <a:latin typeface="Helvetica" pitchFamily="34" charset="0"/>
+              <a:cs typeface="Helvetica" pitchFamily="34" charset="0"/>
+            </a:endParaRPr>
+          </a:p>
+          <a:p>
+            <a:pPr>
+              <a:spcBef>
+                <a:spcPct val="20000"/>
+              </a:spcBef>
+            </a:pPr>
+            <a:endParaRPr lang="en-US" sz="1167" b="1" dirty="0">
+              <a:solidFill>
+                <a:srgbClr val="008000"/>
+              </a:solidFill>
+              <a:latin typeface="Helvetica" pitchFamily="34" charset="0"/>
+              <a:cs typeface="Helvetica" pitchFamily="34" charset="0"/>
+            </a:endParaRPr>
+          </a:p>
+          <a:p>
+            <a:pPr>
+              <a:spcBef>
+                <a:spcPct val="20000"/>
+              </a:spcBef>
+            </a:pPr>
+            <a:endParaRPr lang="en-US" sz="1167" b="1" dirty="0">
+              <a:solidFill>
+                <a:srgbClr val="008000"/>
+              </a:solidFill>
+              <a:latin typeface="Helvetica" pitchFamily="34" charset="0"/>
+              <a:cs typeface="Helvetica" pitchFamily="34" charset="0"/>
+            </a:endParaRPr>
+          </a:p>
+          <a:p>
+            <a:pPr>
+              <a:spcBef>
+                <a:spcPct val="20000"/>
+              </a:spcBef>
+            </a:pPr>
+            <a:endParaRPr lang="en-US" sz="1167" b="1" dirty="0">
+              <a:solidFill>
+                <a:srgbClr val="008000"/>
+              </a:solidFill>
+              <a:latin typeface="Helvetica" pitchFamily="34" charset="0"/>
+              <a:cs typeface="Helvetica" pitchFamily="34" charset="0"/>
+            </a:endParaRPr>
+          </a:p>
+          <a:p>
+            <a:pPr>
+              <a:spcBef>
+                <a:spcPct val="20000"/>
+              </a:spcBef>
+            </a:pPr>
+            <a:endParaRPr lang="en-US" sz="1167" b="1" dirty="0">
+              <a:solidFill>
+                <a:srgbClr val="008000"/>
+              </a:solidFill>
+              <a:latin typeface="Helvetica" pitchFamily="34" charset="0"/>
+              <a:cs typeface="Helvetica" pitchFamily="34" charset="0"/>
+            </a:endParaRPr>
+          </a:p>
+          <a:p>
+            <a:pPr>
+              <a:spcBef>
+                <a:spcPct val="20000"/>
+              </a:spcBef>
+            </a:pPr>
+            <a:br>
+              <a:rPr lang="en-US" sz="1000" b="1" dirty="0">
+                <a:solidFill>
+                  <a:srgbClr val="008000"/>
+                </a:solidFill>
+                <a:latin typeface="Helvetica" charset="0"/>
+              </a:rPr>
+            </a:br>
+            <a:r>
+              <a:rPr lang="en-US" sz="1667" b="1" dirty="0">
+                <a:solidFill>
+                  <a:srgbClr val="0070C0"/>
+                </a:solidFill>
+                <a:latin typeface="Helvetica" charset="0"/>
+              </a:rPr>
+              <a:t>TRANSVERSE COHERENCE LENGTH L</a:t>
+            </a:r>
+            <a:r>
+              <a:rPr lang="en-US" sz="1667" b="1" baseline="-25000" dirty="0">
+                <a:solidFill>
+                  <a:srgbClr val="0070C0"/>
+                </a:solidFill>
+                <a:latin typeface="Helvetica" charset="0"/>
+              </a:rPr>
+              <a:t>T</a:t>
+            </a:r>
+            <a:endParaRPr lang="en-US" sz="1667" b="1" dirty="0">
+              <a:solidFill>
+                <a:srgbClr val="0070C0"/>
+              </a:solidFill>
+              <a:latin typeface="Helvetica" charset="0"/>
+            </a:endParaRPr>
+          </a:p>
+          <a:p>
+            <a:pPr>
+              <a:spcBef>
+                <a:spcPct val="20000"/>
+              </a:spcBef>
+            </a:pPr>
+            <a:r>
+              <a:rPr lang="en-US" sz="1333" b="1" dirty="0">
+                <a:solidFill>
+                  <a:srgbClr val="0070C0"/>
+                </a:solidFill>
+                <a:latin typeface="Helvetica" charset="0"/>
+              </a:rPr>
+              <a:t>The lateral distance along a </a:t>
+            </a:r>
+            <a:r>
+              <a:rPr lang="en-US" sz="1333" b="1" dirty="0" err="1">
+                <a:solidFill>
+                  <a:srgbClr val="0070C0"/>
+                </a:solidFill>
+                <a:latin typeface="Helvetica" charset="0"/>
+              </a:rPr>
+              <a:t>wavefront</a:t>
+            </a:r>
+            <a:r>
+              <a:rPr lang="en-US" sz="1333" b="1" dirty="0">
+                <a:solidFill>
+                  <a:srgbClr val="0070C0"/>
+                </a:solidFill>
+                <a:latin typeface="Helvetica" charset="0"/>
+              </a:rPr>
+              <a:t> over which there is a complete </a:t>
+            </a:r>
+            <a:r>
+              <a:rPr lang="en-US" sz="1333" b="1" dirty="0" err="1">
+                <a:solidFill>
+                  <a:srgbClr val="0070C0"/>
+                </a:solidFill>
+                <a:latin typeface="Helvetica" charset="0"/>
+              </a:rPr>
+              <a:t>dephasing</a:t>
+            </a:r>
+            <a:r>
+              <a:rPr lang="en-US" sz="1333" b="1" dirty="0">
+                <a:solidFill>
+                  <a:srgbClr val="0070C0"/>
+                </a:solidFill>
+                <a:latin typeface="Helvetica" charset="0"/>
+              </a:rPr>
+              <a:t> between two waves of the same wavelength, which originate from two separate points in space</a:t>
+            </a:r>
+          </a:p>
+        </p:txBody>
+      </p:sp>
+      <p:pic>
+        <p:nvPicPr>
+          <p:cNvPr id="17" name="Picture 3">
+            <a:extLst>
+              <a:ext uri="{FF2B5EF4-FFF2-40B4-BE49-F238E27FC236}">
+                <a16:creationId xmlns:a16="http://schemas.microsoft.com/office/drawing/2014/main" id="{20EDBAF8-0502-4741-A8EA-B47E70DA892D}"/>
+              </a:ext>
+            </a:extLst>
+          </p:cNvPr>
+          <p:cNvPicPr>
+            <a:picLocks noChangeAspect="1" noChangeArrowheads="1"/>
+          </p:cNvPicPr>
+          <p:nvPr/>
+        </p:nvPicPr>
+        <p:blipFill>
+          <a:blip r:embed="rId2" cstate="print"/>
+          <a:srcRect/>
+          <a:stretch>
+            <a:fillRect/>
+          </a:stretch>
+        </p:blipFill>
+        <p:spPr bwMode="auto">
+          <a:xfrm>
+            <a:off x="6286500" y="1023571"/>
+            <a:ext cx="2286000" cy="2081623"/>
+          </a:xfrm>
+          <a:prstGeom prst="rect">
+            <a:avLst/>
+          </a:prstGeom>
+          <a:noFill/>
+          <a:ln w="9525">
+            <a:noFill/>
+            <a:miter lim="800000"/>
+            <a:headEnd/>
+            <a:tailEnd/>
+          </a:ln>
+        </p:spPr>
+      </p:pic>
+      <p:pic>
+        <p:nvPicPr>
+          <p:cNvPr id="20" name="Picture 5">
+            <a:extLst>
+              <a:ext uri="{FF2B5EF4-FFF2-40B4-BE49-F238E27FC236}">
+                <a16:creationId xmlns:a16="http://schemas.microsoft.com/office/drawing/2014/main" id="{3BC48358-F23D-4FA7-B86B-6E4DF6FF0750}"/>
+              </a:ext>
+            </a:extLst>
+          </p:cNvPr>
+          <p:cNvPicPr>
+            <a:picLocks noChangeAspect="1" noChangeArrowheads="1"/>
+          </p:cNvPicPr>
+          <p:nvPr/>
+        </p:nvPicPr>
+        <p:blipFill>
+          <a:blip r:embed="rId3" cstate="print"/>
+          <a:srcRect/>
+          <a:stretch>
+            <a:fillRect/>
+          </a:stretch>
+        </p:blipFill>
+        <p:spPr bwMode="auto">
+          <a:xfrm>
+            <a:off x="5461001" y="3365500"/>
+            <a:ext cx="2919814" cy="1524000"/>
+          </a:xfrm>
+          <a:prstGeom prst="rect">
+            <a:avLst/>
+          </a:prstGeom>
+          <a:noFill/>
+          <a:ln w="9525">
+            <a:noFill/>
+            <a:miter lim="800000"/>
+            <a:headEnd/>
+            <a:tailEnd/>
+          </a:ln>
+        </p:spPr>
+      </p:pic>
+      <p:pic>
+        <p:nvPicPr>
+          <p:cNvPr id="25" name="Picture 6">
+            <a:extLst>
+              <a:ext uri="{FF2B5EF4-FFF2-40B4-BE49-F238E27FC236}">
+                <a16:creationId xmlns:a16="http://schemas.microsoft.com/office/drawing/2014/main" id="{CD60F8C0-981E-403B-8E55-7F5E908C1F4F}"/>
+              </a:ext>
+            </a:extLst>
+          </p:cNvPr>
+          <p:cNvPicPr>
+            <a:picLocks noChangeAspect="1" noChangeArrowheads="1"/>
+          </p:cNvPicPr>
+          <p:nvPr/>
+        </p:nvPicPr>
+        <p:blipFill>
+          <a:blip r:embed="rId4" cstate="print"/>
+          <a:srcRect/>
+          <a:stretch>
+            <a:fillRect/>
+          </a:stretch>
+        </p:blipFill>
+        <p:spPr bwMode="auto">
+          <a:xfrm>
+            <a:off x="1960405" y="4831928"/>
+            <a:ext cx="3259667" cy="977900"/>
+          </a:xfrm>
+          <a:prstGeom prst="rect">
+            <a:avLst/>
+          </a:prstGeom>
+          <a:noFill/>
+          <a:ln w="9525">
+            <a:noFill/>
+            <a:miter lim="800000"/>
+            <a:headEnd/>
+            <a:tailEnd/>
+          </a:ln>
+        </p:spPr>
+      </p:pic>
+      <p:sp>
+        <p:nvSpPr>
+          <p:cNvPr id="26" name="TextBox 25">
+            <a:extLst>
+              <a:ext uri="{FF2B5EF4-FFF2-40B4-BE49-F238E27FC236}">
+                <a16:creationId xmlns:a16="http://schemas.microsoft.com/office/drawing/2014/main" id="{580B3721-0EAB-4FDC-AD81-48F3279537F6}"/>
+              </a:ext>
+            </a:extLst>
+          </p:cNvPr>
+          <p:cNvSpPr txBox="1"/>
+          <p:nvPr/>
+        </p:nvSpPr>
+        <p:spPr>
+          <a:xfrm>
+            <a:off x="5619750" y="669342"/>
+            <a:ext cx="7048500" cy="451342"/>
+          </a:xfrm>
+          <a:prstGeom prst="rect">
+            <a:avLst/>
+          </a:prstGeom>
+          <a:noFill/>
+        </p:spPr>
+        <p:txBody>
+          <a:bodyPr wrap="square" rtlCol="0">
+            <a:spAutoFit/>
+          </a:bodyPr>
+          <a:lstStyle/>
+          <a:p>
+            <a:r>
+              <a:rPr lang="en-US" sz="1333" dirty="0"/>
+              <a:t>COHERENT LENGTHS - TWO WAVES                                 </a:t>
+            </a:r>
+            <a:r>
+              <a:rPr lang="en-US" sz="1000" dirty="0"/>
+              <a:t>http://www.csrri.iit.edu/~segre/phys570/10F/lecture_04.pdf</a:t>
+            </a:r>
+            <a:endParaRPr lang="en-US" sz="1333" dirty="0"/>
+          </a:p>
+        </p:txBody>
+      </p:sp>
+      <p:pic>
+        <p:nvPicPr>
+          <p:cNvPr id="27" name="Picture 2">
+            <a:extLst>
+              <a:ext uri="{FF2B5EF4-FFF2-40B4-BE49-F238E27FC236}">
+                <a16:creationId xmlns:a16="http://schemas.microsoft.com/office/drawing/2014/main" id="{6A703D3A-3A72-4E83-A3D4-8A1771AA4694}"/>
+              </a:ext>
+            </a:extLst>
+          </p:cNvPr>
+          <p:cNvPicPr>
+            <a:picLocks noChangeAspect="1" noChangeArrowheads="1"/>
+          </p:cNvPicPr>
+          <p:nvPr/>
+        </p:nvPicPr>
+        <p:blipFill>
+          <a:blip r:embed="rId5" cstate="print"/>
+          <a:srcRect/>
+          <a:stretch>
+            <a:fillRect/>
+          </a:stretch>
+        </p:blipFill>
+        <p:spPr bwMode="auto">
+          <a:xfrm>
+            <a:off x="889001" y="2671564"/>
+            <a:ext cx="5327314" cy="762000"/>
+          </a:xfrm>
+          <a:prstGeom prst="rect">
+            <a:avLst/>
+          </a:prstGeom>
+          <a:noFill/>
+          <a:ln w="9525">
+            <a:noFill/>
+            <a:miter lim="800000"/>
+            <a:headEnd/>
+            <a:tailEnd/>
+          </a:ln>
+        </p:spPr>
+      </p:pic>
+      <p:sp>
+        <p:nvSpPr>
+          <p:cNvPr id="28" name="Rectangle 27">
+            <a:extLst>
+              <a:ext uri="{FF2B5EF4-FFF2-40B4-BE49-F238E27FC236}">
+                <a16:creationId xmlns:a16="http://schemas.microsoft.com/office/drawing/2014/main" id="{753FED5A-52FB-4B4F-9EAF-D2F13F95DC0A}"/>
+              </a:ext>
+            </a:extLst>
+          </p:cNvPr>
+          <p:cNvSpPr/>
+          <p:nvPr/>
+        </p:nvSpPr>
+        <p:spPr>
+          <a:xfrm>
+            <a:off x="5334000" y="2951005"/>
+            <a:ext cx="952500" cy="554567"/>
+          </a:xfrm>
+          <a:prstGeom prst="rect">
+            <a:avLst/>
+          </a:prstGeom>
+          <a:noFill/>
+          <a:ln>
+            <a:solidFill>
+              <a:srgbClr val="FF0000"/>
+            </a:solidFill>
+          </a:ln>
+        </p:spPr>
+        <p:style>
+          <a:lnRef idx="2">
+            <a:schemeClr val="accent1">
+              <a:shade val="50000"/>
+            </a:schemeClr>
+          </a:lnRef>
+          <a:fillRef idx="1">
+            <a:schemeClr val="accent1"/>
+          </a:fillRef>
+          <a:effectRef idx="0">
+            <a:schemeClr val="accent1"/>
+          </a:effectRef>
+          <a:fontRef idx="minor">
+            <a:schemeClr val="lt1"/>
+          </a:fontRef>
+        </p:style>
+        <p:txBody>
+          <a:bodyPr rtlCol="0" anchor="ctr"/>
+          <a:lstStyle/>
+          <a:p>
+            <a:pPr algn="ctr"/>
+            <a:endParaRPr lang="en-US" sz="1500"/>
+          </a:p>
+        </p:txBody>
+      </p:sp>
+      <p:sp>
+        <p:nvSpPr>
+          <p:cNvPr id="29" name="Rectangle 28">
+            <a:extLst>
+              <a:ext uri="{FF2B5EF4-FFF2-40B4-BE49-F238E27FC236}">
+                <a16:creationId xmlns:a16="http://schemas.microsoft.com/office/drawing/2014/main" id="{4497B984-7AF8-4DFB-9D1B-1C14983ED783}"/>
+              </a:ext>
+            </a:extLst>
+          </p:cNvPr>
+          <p:cNvSpPr/>
+          <p:nvPr/>
+        </p:nvSpPr>
+        <p:spPr>
+          <a:xfrm>
+            <a:off x="3043436" y="5293320"/>
+            <a:ext cx="952500" cy="444500"/>
+          </a:xfrm>
+          <a:prstGeom prst="rect">
+            <a:avLst/>
+          </a:prstGeom>
+          <a:noFill/>
+          <a:ln>
+            <a:solidFill>
+              <a:srgbClr val="FF0000"/>
+            </a:solidFill>
+          </a:ln>
+        </p:spPr>
+        <p:style>
+          <a:lnRef idx="2">
+            <a:schemeClr val="accent1">
+              <a:shade val="50000"/>
+            </a:schemeClr>
+          </a:lnRef>
+          <a:fillRef idx="1">
+            <a:schemeClr val="accent1"/>
+          </a:fillRef>
+          <a:effectRef idx="0">
+            <a:schemeClr val="accent1"/>
+          </a:effectRef>
+          <a:fontRef idx="minor">
+            <a:schemeClr val="lt1"/>
+          </a:fontRef>
+        </p:style>
+        <p:txBody>
+          <a:bodyPr rtlCol="0" anchor="ctr"/>
+          <a:lstStyle/>
+          <a:p>
+            <a:pPr algn="ctr"/>
+            <a:endParaRPr lang="en-US" sz="1500"/>
+          </a:p>
+        </p:txBody>
+      </p:sp>
+      <p:sp>
+        <p:nvSpPr>
+          <p:cNvPr id="30" name="Rectangle 29">
+            <a:extLst>
+              <a:ext uri="{FF2B5EF4-FFF2-40B4-BE49-F238E27FC236}">
+                <a16:creationId xmlns:a16="http://schemas.microsoft.com/office/drawing/2014/main" id="{842CE804-E645-4A7D-BF0D-59B413A6B2F0}"/>
+              </a:ext>
+            </a:extLst>
+          </p:cNvPr>
+          <p:cNvSpPr/>
+          <p:nvPr/>
+        </p:nvSpPr>
+        <p:spPr>
+          <a:xfrm>
+            <a:off x="2476500" y="2540000"/>
+            <a:ext cx="2413000" cy="317500"/>
+          </a:xfrm>
+          <a:prstGeom prst="rect">
+            <a:avLst/>
+          </a:prstGeom>
+          <a:solidFill>
+            <a:schemeClr val="bg1"/>
+          </a:solidFill>
+          <a:ln>
+            <a:noFill/>
+          </a:ln>
+        </p:spPr>
+        <p:style>
+          <a:lnRef idx="2">
+            <a:schemeClr val="accent1">
+              <a:shade val="50000"/>
+            </a:schemeClr>
+          </a:lnRef>
+          <a:fillRef idx="1">
+            <a:schemeClr val="accent1"/>
+          </a:fillRef>
+          <a:effectRef idx="0">
+            <a:schemeClr val="accent1"/>
+          </a:effectRef>
+          <a:fontRef idx="minor">
+            <a:schemeClr val="lt1"/>
+          </a:fontRef>
+        </p:style>
+        <p:txBody>
+          <a:bodyPr rtlCol="0" anchor="ctr"/>
+          <a:lstStyle/>
+          <a:p>
+            <a:pPr algn="ctr"/>
+            <a:endParaRPr lang="en-US" sz="1500"/>
+          </a:p>
+        </p:txBody>
+      </p:sp>
+      <p:pic>
+        <p:nvPicPr>
+          <p:cNvPr id="31" name="Picture 1">
+            <a:extLst>
+              <a:ext uri="{FF2B5EF4-FFF2-40B4-BE49-F238E27FC236}">
+                <a16:creationId xmlns:a16="http://schemas.microsoft.com/office/drawing/2014/main" id="{D19353D8-F1A5-4603-87B0-7FA8BF466788}"/>
+              </a:ext>
+            </a:extLst>
+          </p:cNvPr>
+          <p:cNvPicPr>
+            <a:picLocks noChangeAspect="1" noChangeArrowheads="1"/>
+          </p:cNvPicPr>
+          <p:nvPr/>
+        </p:nvPicPr>
+        <p:blipFill>
+          <a:blip r:embed="rId6" cstate="print"/>
+          <a:srcRect/>
+          <a:stretch>
+            <a:fillRect/>
+          </a:stretch>
+        </p:blipFill>
+        <p:spPr bwMode="auto">
+          <a:xfrm>
+            <a:off x="2680072" y="2209428"/>
+            <a:ext cx="2540000" cy="712519"/>
+          </a:xfrm>
+          <a:prstGeom prst="rect">
+            <a:avLst/>
+          </a:prstGeom>
+          <a:noFill/>
+          <a:ln w="9525">
+            <a:noFill/>
+            <a:miter lim="800000"/>
+            <a:headEnd/>
+            <a:tailEnd/>
+          </a:ln>
+        </p:spPr>
+      </p:pic>
+    </p:spTree>
+    <p:extLst>
+      <p:ext uri="{BB962C8B-B14F-4D97-AF65-F5344CB8AC3E}">
+        <p14:creationId xmlns:p14="http://schemas.microsoft.com/office/powerpoint/2010/main" val="3767182191"/>
+      </p:ext>
+    </p:extLst>
+  </p:cSld>
+  <p:clrMapOvr>
+    <a:masterClrMapping/>
+  </p:clrMapOvr>
+</p:sld>
+</file>
+
+<file path=ppt/slides/slide12.xml><?xml version="1.0" encoding="utf-8"?>
+<p:sld xmlns:a="http://schemas.openxmlformats.org/drawingml/2006/main" xmlns:r="http://schemas.openxmlformats.org/officeDocument/2006/relationships" xmlns:p="http://schemas.openxmlformats.org/presentationml/2006/main">
+  <p:cSld>
+    <p:spTree>
+      <p:nvGrpSpPr>
+        <p:cNvPr id="1" name=""/>
+        <p:cNvGrpSpPr/>
+        <p:nvPr/>
+      </p:nvGrpSpPr>
+      <p:grpSpPr>
+        <a:xfrm>
+          <a:off x="0" y="0"/>
+          <a:ext cx="0" cy="0"/>
+          <a:chOff x="0" y="0"/>
+          <a:chExt cx="0" cy="0"/>
+        </a:xfrm>
+      </p:grpSpPr>
+      <p:sp>
+        <p:nvSpPr>
+          <p:cNvPr id="2" name="Title 1"/>
+          <p:cNvSpPr>
+            <a:spLocks noGrp="1"/>
+          </p:cNvSpPr>
+          <p:nvPr>
+            <p:ph type="title"/>
+          </p:nvPr>
+        </p:nvSpPr>
+        <p:spPr/>
+        <p:txBody>
+          <a:bodyPr/>
+          <a:lstStyle/>
+          <a:p>
+            <a:r>
+              <a:rPr lang="en-US" sz="1800" dirty="0"/>
+              <a:t>LONGITUDINAL COHERENCE for a typical synchrotron</a:t>
+            </a:r>
+            <a:endParaRPr lang="en-GB" sz="1800" cap="none" dirty="0"/>
+          </a:p>
+        </p:txBody>
+      </p:sp>
+      <p:sp>
+        <p:nvSpPr>
+          <p:cNvPr id="6" name="Slide Number Placeholder 5"/>
+          <p:cNvSpPr>
+            <a:spLocks noGrp="1"/>
+          </p:cNvSpPr>
+          <p:nvPr>
+            <p:ph type="sldNum" sz="quarter" idx="15"/>
+          </p:nvPr>
+        </p:nvSpPr>
+        <p:spPr/>
+        <p:txBody>
+          <a:bodyPr/>
+          <a:lstStyle/>
+          <a:p>
+            <a:r>
+              <a:rPr lang="en-US" noProof="0"/>
+              <a:t>Page </a:t>
+            </a:r>
+            <a:fld id="{733122C9-A0B9-462F-8757-0847AD287B63}" type="slidenum">
+              <a:rPr lang="en-US" noProof="0" smtClean="0"/>
+              <a:pPr/>
+              <a:t>12</a:t>
+            </a:fld>
+            <a:endParaRPr lang="en-US" noProof="0"/>
+          </a:p>
+        </p:txBody>
+      </p:sp>
+      <p:sp>
+        <p:nvSpPr>
+          <p:cNvPr id="7" name="Footer Placeholder 6"/>
+          <p:cNvSpPr>
+            <a:spLocks noGrp="1"/>
+          </p:cNvSpPr>
+          <p:nvPr>
+            <p:ph type="ftr" sz="quarter" idx="16"/>
+          </p:nvPr>
+        </p:nvSpPr>
+        <p:spPr/>
+        <p:txBody>
+          <a:bodyPr/>
+          <a:lstStyle/>
+          <a:p>
+            <a:r>
+              <a:rPr lang="en-US" noProof="0"/>
+              <a:t>OASYS-Coherence transport | HERCULES2022</a:t>
+            </a:r>
+            <a:endParaRPr lang="en-US" noProof="0" dirty="0"/>
+          </a:p>
+        </p:txBody>
+      </p:sp>
+      <p:sp>
+        <p:nvSpPr>
+          <p:cNvPr id="22" name="Rectangle 21">
+            <a:extLst>
+              <a:ext uri="{FF2B5EF4-FFF2-40B4-BE49-F238E27FC236}">
+                <a16:creationId xmlns:a16="http://schemas.microsoft.com/office/drawing/2014/main" id="{9659CA31-3DD9-4093-BE32-2245845A459D}"/>
+              </a:ext>
+            </a:extLst>
+          </p:cNvPr>
+          <p:cNvSpPr/>
+          <p:nvPr/>
+        </p:nvSpPr>
+        <p:spPr>
+          <a:xfrm>
+            <a:off x="762000" y="2032000"/>
+            <a:ext cx="1079500" cy="1778000"/>
+          </a:xfrm>
+          <a:prstGeom prst="rect">
+            <a:avLst/>
+          </a:prstGeom>
+          <a:solidFill>
+            <a:schemeClr val="bg1"/>
+          </a:solidFill>
+          <a:ln>
+            <a:noFill/>
+          </a:ln>
+        </p:spPr>
+        <p:style>
+          <a:lnRef idx="2">
+            <a:schemeClr val="accent1">
+              <a:shade val="50000"/>
+            </a:schemeClr>
+          </a:lnRef>
+          <a:fillRef idx="1">
+            <a:schemeClr val="accent1"/>
+          </a:fillRef>
+          <a:effectRef idx="0">
+            <a:schemeClr val="accent1"/>
+          </a:effectRef>
+          <a:fontRef idx="minor">
+            <a:schemeClr val="lt1"/>
+          </a:fontRef>
+        </p:style>
+        <p:txBody>
+          <a:bodyPr rtlCol="0" anchor="ctr"/>
+          <a:lstStyle/>
+          <a:p>
+            <a:pPr algn="ctr"/>
+            <a:endParaRPr lang="en-US" sz="1500"/>
+          </a:p>
+        </p:txBody>
+      </p:sp>
+      <p:sp>
+        <p:nvSpPr>
+          <p:cNvPr id="17" name="Content Placeholder 2">
+            <a:extLst>
+              <a:ext uri="{FF2B5EF4-FFF2-40B4-BE49-F238E27FC236}">
+                <a16:creationId xmlns:a16="http://schemas.microsoft.com/office/drawing/2014/main" id="{ED148D5C-F59A-4E0E-8857-9E6385384CBE}"/>
+              </a:ext>
+            </a:extLst>
+          </p:cNvPr>
+          <p:cNvSpPr>
+            <a:spLocks noGrp="1"/>
+          </p:cNvSpPr>
+          <p:nvPr>
+            <p:ph idx="1"/>
+          </p:nvPr>
+        </p:nvSpPr>
+        <p:spPr>
+          <a:xfrm>
+            <a:off x="1219200" y="717800"/>
+            <a:ext cx="6705600" cy="1219200"/>
+          </a:xfrm>
+          <a:noFill/>
+        </p:spPr>
+        <p:txBody>
+          <a:bodyPr>
+            <a:normAutofit fontScale="92500" lnSpcReduction="20000"/>
+          </a:bodyPr>
+          <a:lstStyle/>
+          <a:p>
+            <a:r>
+              <a:rPr lang="en-US" sz="2400" dirty="0">
+                <a:solidFill>
+                  <a:srgbClr val="FF0000"/>
+                </a:solidFill>
+              </a:rPr>
+              <a:t>the synchrotron beam </a:t>
+            </a:r>
+            <a:r>
+              <a:rPr lang="en-US" sz="2400" b="1" i="1" dirty="0">
+                <a:solidFill>
+                  <a:srgbClr val="FF0000"/>
+                </a:solidFill>
+              </a:rPr>
+              <a:t>is not </a:t>
+            </a:r>
+            <a:r>
+              <a:rPr lang="en-US" sz="2400" dirty="0">
+                <a:solidFill>
+                  <a:srgbClr val="FF0000"/>
+                </a:solidFill>
+              </a:rPr>
+              <a:t>formed by two single monochromatic plane waves</a:t>
+            </a:r>
+          </a:p>
+          <a:p>
+            <a:r>
+              <a:rPr lang="en-US" sz="2400" dirty="0">
+                <a:solidFill>
+                  <a:srgbClr val="FF0000"/>
+                </a:solidFill>
+              </a:rPr>
+              <a:t>But we give some </a:t>
+            </a:r>
+            <a:r>
+              <a:rPr lang="en-US" sz="2400" b="1" i="1" u="sng" dirty="0">
+                <a:solidFill>
+                  <a:srgbClr val="FF0000"/>
+                </a:solidFill>
+              </a:rPr>
+              <a:t>approximated</a:t>
+            </a:r>
+            <a:r>
+              <a:rPr lang="en-US" sz="2400" dirty="0">
+                <a:solidFill>
+                  <a:srgbClr val="FF0000"/>
+                </a:solidFill>
+              </a:rPr>
+              <a:t> values…</a:t>
+            </a:r>
+          </a:p>
+          <a:p>
+            <a:endParaRPr lang="en-GB" dirty="0"/>
+          </a:p>
+        </p:txBody>
+      </p:sp>
+      <p:sp>
+        <p:nvSpPr>
+          <p:cNvPr id="20" name="TextBox 19">
+            <a:extLst>
+              <a:ext uri="{FF2B5EF4-FFF2-40B4-BE49-F238E27FC236}">
+                <a16:creationId xmlns:a16="http://schemas.microsoft.com/office/drawing/2014/main" id="{4675F57D-F7CD-43C6-864D-562236653608}"/>
+              </a:ext>
+            </a:extLst>
+          </p:cNvPr>
+          <p:cNvSpPr txBox="1"/>
+          <p:nvPr/>
+        </p:nvSpPr>
+        <p:spPr>
+          <a:xfrm>
+            <a:off x="76200" y="1941110"/>
+            <a:ext cx="9067800" cy="3219343"/>
+          </a:xfrm>
+          <a:prstGeom prst="rect">
+            <a:avLst/>
+          </a:prstGeom>
+          <a:noFill/>
+        </p:spPr>
+        <p:txBody>
+          <a:bodyPr wrap="square" rtlCol="0">
+            <a:spAutoFit/>
+          </a:bodyPr>
+          <a:lstStyle/>
+          <a:p>
+            <a:endParaRPr lang="en-US" dirty="0"/>
+          </a:p>
+          <a:p>
+            <a:r>
+              <a:rPr lang="en-US" dirty="0"/>
+              <a:t>Imagine that a typical </a:t>
+            </a:r>
+            <a:r>
+              <a:rPr lang="en-US" dirty="0" err="1">
+                <a:solidFill>
+                  <a:srgbClr val="FF0000"/>
+                </a:solidFill>
+              </a:rPr>
+              <a:t>monochromator</a:t>
+            </a:r>
+            <a:r>
+              <a:rPr lang="en-US" dirty="0"/>
+              <a:t>:</a:t>
+            </a:r>
+          </a:p>
+          <a:p>
+            <a:endParaRPr lang="en-US" dirty="0"/>
+          </a:p>
+          <a:p>
+            <a:pPr lvl="1">
+              <a:lnSpc>
+                <a:spcPct val="90000"/>
+              </a:lnSpc>
+              <a:buFont typeface="Arial" pitchFamily="34" charset="0"/>
+              <a:buChar char="•"/>
+            </a:pPr>
+            <a:r>
+              <a:rPr lang="en-US" dirty="0"/>
+              <a:t>Produces a typical of </a:t>
+            </a:r>
+            <a:r>
+              <a:rPr lang="en-US" dirty="0">
+                <a:solidFill>
+                  <a:srgbClr val="FF0000"/>
+                </a:solidFill>
+              </a:rPr>
+              <a:t>∆λ/λ = 10</a:t>
+            </a:r>
+            <a:r>
+              <a:rPr lang="en-US" baseline="30000" dirty="0">
+                <a:solidFill>
+                  <a:srgbClr val="FF0000"/>
+                </a:solidFill>
+              </a:rPr>
+              <a:t>−4</a:t>
+            </a:r>
+            <a:r>
+              <a:rPr lang="en-US" dirty="0">
+                <a:solidFill>
+                  <a:srgbClr val="FF0000"/>
+                </a:solidFill>
+              </a:rPr>
+              <a:t>  </a:t>
+            </a:r>
+            <a:r>
+              <a:rPr lang="en-US" dirty="0"/>
+              <a:t>(Si 111)  peak distribution (Gaussian)</a:t>
+            </a:r>
+          </a:p>
+          <a:p>
+            <a:pPr>
+              <a:lnSpc>
+                <a:spcPct val="90000"/>
+              </a:lnSpc>
+            </a:pPr>
+            <a:endParaRPr lang="en-US" dirty="0"/>
+          </a:p>
+          <a:p>
+            <a:pPr lvl="1">
+              <a:lnSpc>
+                <a:spcPct val="90000"/>
+              </a:lnSpc>
+              <a:buFont typeface="Arial" pitchFamily="34" charset="0"/>
+              <a:buChar char="•"/>
+            </a:pPr>
+            <a:r>
+              <a:rPr lang="en-US" dirty="0"/>
+              <a:t>For main wavelength of </a:t>
+            </a:r>
+            <a:r>
+              <a:rPr lang="en-US" dirty="0">
+                <a:solidFill>
+                  <a:srgbClr val="FF0000"/>
+                </a:solidFill>
+              </a:rPr>
+              <a:t>λ = 1Å </a:t>
+            </a:r>
+            <a:r>
+              <a:rPr lang="en-US" dirty="0"/>
+              <a:t>we select </a:t>
+            </a:r>
+            <a:r>
+              <a:rPr lang="en-US" dirty="0">
+                <a:solidFill>
+                  <a:srgbClr val="FF0000"/>
+                </a:solidFill>
+              </a:rPr>
+              <a:t>two lines </a:t>
+            </a:r>
+            <a:r>
+              <a:rPr lang="en-US" dirty="0"/>
+              <a:t>thus separated its width ∆λ = 10</a:t>
+            </a:r>
+            <a:r>
+              <a:rPr lang="en-US" baseline="30000" dirty="0"/>
+              <a:t>−4</a:t>
+            </a:r>
+            <a:r>
+              <a:rPr lang="en-US" dirty="0"/>
+              <a:t> </a:t>
+            </a:r>
+            <a:r>
+              <a:rPr lang="en-US" dirty="0" err="1"/>
+              <a:t>Å</a:t>
+            </a:r>
+            <a:br>
+              <a:rPr lang="en-US" dirty="0"/>
+            </a:br>
+            <a:endParaRPr lang="en-US" dirty="0"/>
+          </a:p>
+          <a:p>
+            <a:pPr lvl="1">
+              <a:lnSpc>
+                <a:spcPct val="90000"/>
+              </a:lnSpc>
+              <a:buFont typeface="Arial" pitchFamily="34" charset="0"/>
+              <a:buChar char="•"/>
+            </a:pPr>
+            <a:r>
+              <a:rPr lang="en-US" dirty="0"/>
+              <a:t>The </a:t>
+            </a:r>
+            <a:r>
+              <a:rPr lang="en-US" dirty="0" err="1">
+                <a:solidFill>
+                  <a:srgbClr val="FF0000"/>
+                </a:solidFill>
+              </a:rPr>
+              <a:t>wavefronts</a:t>
+            </a:r>
+            <a:r>
+              <a:rPr lang="en-US" dirty="0">
+                <a:solidFill>
+                  <a:srgbClr val="FF0000"/>
+                </a:solidFill>
+              </a:rPr>
+              <a:t> </a:t>
+            </a:r>
+            <a:r>
+              <a:rPr lang="en-US" dirty="0"/>
+              <a:t>of these two monochromatic waves </a:t>
+            </a:r>
+            <a:r>
+              <a:rPr lang="en-US" dirty="0">
+                <a:solidFill>
+                  <a:srgbClr val="FF0000"/>
+                </a:solidFill>
+              </a:rPr>
+              <a:t>are plane and identical </a:t>
+            </a:r>
+            <a:endParaRPr lang="en-US" dirty="0"/>
+          </a:p>
+          <a:p>
+            <a:endParaRPr lang="en-US" dirty="0">
+              <a:solidFill>
+                <a:srgbClr val="FF0000"/>
+              </a:solidFill>
+            </a:endParaRPr>
+          </a:p>
+          <a:p>
+            <a:r>
+              <a:rPr lang="en-US" sz="1600" dirty="0">
+                <a:solidFill>
+                  <a:srgbClr val="FF0000"/>
+                </a:solidFill>
+              </a:rPr>
+              <a:t>STATIONARY: This correlation time is much smaller than “bunch time” ~ 15 10</a:t>
+            </a:r>
+            <a:r>
+              <a:rPr lang="en-US" sz="1600" baseline="30000" dirty="0">
+                <a:solidFill>
+                  <a:srgbClr val="FF0000"/>
+                </a:solidFill>
+              </a:rPr>
+              <a:t>-3</a:t>
+            </a:r>
+            <a:r>
+              <a:rPr lang="en-US" sz="1600" dirty="0">
+                <a:solidFill>
+                  <a:srgbClr val="FF0000"/>
+                </a:solidFill>
+              </a:rPr>
+              <a:t> / c ~10</a:t>
+            </a:r>
+            <a:r>
+              <a:rPr lang="en-US" sz="1600" baseline="30000" dirty="0">
+                <a:solidFill>
+                  <a:srgbClr val="FF0000"/>
+                </a:solidFill>
+              </a:rPr>
+              <a:t>-12</a:t>
+            </a:r>
+            <a:r>
+              <a:rPr lang="en-US" sz="1600" dirty="0">
+                <a:solidFill>
+                  <a:srgbClr val="FF0000"/>
+                </a:solidFill>
+              </a:rPr>
+              <a:t> s~ </a:t>
+            </a:r>
+            <a:r>
+              <a:rPr lang="en-US" sz="1600" dirty="0" err="1">
+                <a:solidFill>
+                  <a:srgbClr val="FF0000"/>
+                </a:solidFill>
+              </a:rPr>
+              <a:t>ps</a:t>
+            </a:r>
+            <a:endParaRPr lang="en-US" sz="1600" dirty="0">
+              <a:solidFill>
+                <a:srgbClr val="FF0000"/>
+              </a:solidFill>
+            </a:endParaRPr>
+          </a:p>
+          <a:p>
+            <a:endParaRPr lang="en-US" dirty="0"/>
+          </a:p>
+        </p:txBody>
+      </p:sp>
+    </p:spTree>
+    <p:extLst>
+      <p:ext uri="{BB962C8B-B14F-4D97-AF65-F5344CB8AC3E}">
+        <p14:creationId xmlns:p14="http://schemas.microsoft.com/office/powerpoint/2010/main" val="1340768744"/>
+      </p:ext>
+    </p:extLst>
+  </p:cSld>
+  <p:clrMapOvr>
+    <a:masterClrMapping/>
+  </p:clrMapOvr>
+</p:sld>
+</file>
+
+<file path=ppt/slides/slide13.xml><?xml version="1.0" encoding="utf-8"?>
+<p:sld xmlns:a="http://schemas.openxmlformats.org/drawingml/2006/main" xmlns:r="http://schemas.openxmlformats.org/officeDocument/2006/relationships" xmlns:p="http://schemas.openxmlformats.org/presentationml/2006/main">
+  <p:cSld>
+    <p:spTree>
+      <p:nvGrpSpPr>
+        <p:cNvPr id="1" name=""/>
+        <p:cNvGrpSpPr/>
+        <p:nvPr/>
+      </p:nvGrpSpPr>
+      <p:grpSpPr>
+        <a:xfrm>
+          <a:off x="0" y="0"/>
+          <a:ext cx="0" cy="0"/>
+          <a:chOff x="0" y="0"/>
+          <a:chExt cx="0" cy="0"/>
+        </a:xfrm>
+      </p:grpSpPr>
+      <p:sp>
+        <p:nvSpPr>
+          <p:cNvPr id="2" name="Title 1"/>
+          <p:cNvSpPr>
+            <a:spLocks noGrp="1"/>
+          </p:cNvSpPr>
+          <p:nvPr>
+            <p:ph type="title"/>
+          </p:nvPr>
+        </p:nvSpPr>
+        <p:spPr/>
+        <p:txBody>
+          <a:bodyPr/>
+          <a:lstStyle/>
+          <a:p>
+            <a:r>
+              <a:rPr lang="en-US" sz="1800" dirty="0"/>
+              <a:t>LONGITUDINAL COHERENCE for a typical synchrotron</a:t>
+            </a:r>
+            <a:endParaRPr lang="en-GB" sz="1800" cap="none" dirty="0"/>
+          </a:p>
+        </p:txBody>
+      </p:sp>
+      <p:sp>
+        <p:nvSpPr>
+          <p:cNvPr id="6" name="Slide Number Placeholder 5"/>
+          <p:cNvSpPr>
+            <a:spLocks noGrp="1"/>
+          </p:cNvSpPr>
+          <p:nvPr>
+            <p:ph type="sldNum" sz="quarter" idx="15"/>
+          </p:nvPr>
+        </p:nvSpPr>
+        <p:spPr/>
+        <p:txBody>
+          <a:bodyPr/>
+          <a:lstStyle/>
+          <a:p>
+            <a:r>
+              <a:rPr lang="en-US" noProof="0"/>
+              <a:t>Page </a:t>
+            </a:r>
+            <a:fld id="{733122C9-A0B9-462F-8757-0847AD287B63}" type="slidenum">
+              <a:rPr lang="en-US" noProof="0" smtClean="0"/>
+              <a:pPr/>
+              <a:t>13</a:t>
+            </a:fld>
+            <a:endParaRPr lang="en-US" noProof="0"/>
+          </a:p>
+        </p:txBody>
+      </p:sp>
+      <p:sp>
+        <p:nvSpPr>
+          <p:cNvPr id="7" name="Footer Placeholder 6"/>
+          <p:cNvSpPr>
+            <a:spLocks noGrp="1"/>
+          </p:cNvSpPr>
+          <p:nvPr>
+            <p:ph type="ftr" sz="quarter" idx="16"/>
+          </p:nvPr>
+        </p:nvSpPr>
+        <p:spPr/>
+        <p:txBody>
+          <a:bodyPr/>
+          <a:lstStyle/>
+          <a:p>
+            <a:r>
+              <a:rPr lang="en-US" noProof="0" dirty="0"/>
+              <a:t>OASYS-Coherence transport | HERCULES2022</a:t>
+            </a:r>
+          </a:p>
+        </p:txBody>
+      </p:sp>
+      <p:sp>
+        <p:nvSpPr>
+          <p:cNvPr id="22" name="Rectangle 21">
+            <a:extLst>
+              <a:ext uri="{FF2B5EF4-FFF2-40B4-BE49-F238E27FC236}">
+                <a16:creationId xmlns:a16="http://schemas.microsoft.com/office/drawing/2014/main" id="{9659CA31-3DD9-4093-BE32-2245845A459D}"/>
+              </a:ext>
+            </a:extLst>
+          </p:cNvPr>
+          <p:cNvSpPr/>
+          <p:nvPr/>
+        </p:nvSpPr>
+        <p:spPr>
+          <a:xfrm>
+            <a:off x="762000" y="2032000"/>
+            <a:ext cx="1079500" cy="1778000"/>
+          </a:xfrm>
+          <a:prstGeom prst="rect">
+            <a:avLst/>
+          </a:prstGeom>
+          <a:solidFill>
+            <a:schemeClr val="bg1"/>
+          </a:solidFill>
+          <a:ln>
+            <a:noFill/>
+          </a:ln>
+        </p:spPr>
+        <p:style>
+          <a:lnRef idx="2">
+            <a:schemeClr val="accent1">
+              <a:shade val="50000"/>
+            </a:schemeClr>
+          </a:lnRef>
+          <a:fillRef idx="1">
+            <a:schemeClr val="accent1"/>
+          </a:fillRef>
+          <a:effectRef idx="0">
+            <a:schemeClr val="accent1"/>
+          </a:effectRef>
+          <a:fontRef idx="minor">
+            <a:schemeClr val="lt1"/>
+          </a:fontRef>
+        </p:style>
+        <p:txBody>
+          <a:bodyPr rtlCol="0" anchor="ctr"/>
+          <a:lstStyle/>
+          <a:p>
+            <a:pPr algn="ctr"/>
+            <a:endParaRPr lang="en-US" sz="1500"/>
+          </a:p>
+        </p:txBody>
+      </p:sp>
+      <p:sp>
+        <p:nvSpPr>
+          <p:cNvPr id="8" name="TextBox 7">
+            <a:extLst>
+              <a:ext uri="{FF2B5EF4-FFF2-40B4-BE49-F238E27FC236}">
+                <a16:creationId xmlns:a16="http://schemas.microsoft.com/office/drawing/2014/main" id="{D2D3ABDC-12E2-4C1C-93CC-6331EA38A4AA}"/>
+              </a:ext>
+            </a:extLst>
+          </p:cNvPr>
+          <p:cNvSpPr txBox="1"/>
+          <p:nvPr/>
+        </p:nvSpPr>
+        <p:spPr>
+          <a:xfrm>
+            <a:off x="457200" y="670679"/>
+            <a:ext cx="8229600" cy="1631216"/>
+          </a:xfrm>
+          <a:prstGeom prst="rect">
+            <a:avLst/>
+          </a:prstGeom>
+          <a:noFill/>
+        </p:spPr>
+        <p:txBody>
+          <a:bodyPr wrap="square" rtlCol="0">
+            <a:spAutoFit/>
+          </a:bodyPr>
+          <a:lstStyle/>
+          <a:p>
+            <a:r>
+              <a:rPr lang="en-US" sz="1600" dirty="0"/>
+              <a:t>An experiment takes place typically at  </a:t>
+            </a:r>
+            <a:r>
+              <a:rPr lang="en-US" sz="1600" dirty="0">
+                <a:solidFill>
+                  <a:srgbClr val="FF0000"/>
+                </a:solidFill>
+              </a:rPr>
+              <a:t>R = 30 m </a:t>
+            </a:r>
+            <a:r>
+              <a:rPr lang="en-US" sz="1600" dirty="0"/>
+              <a:t>from the source</a:t>
+            </a:r>
+          </a:p>
+          <a:p>
+            <a:endParaRPr lang="en-US" sz="1600" dirty="0"/>
+          </a:p>
+          <a:p>
+            <a:r>
+              <a:rPr lang="en-US" sz="1600" dirty="0"/>
+              <a:t>For the transversal coherence length we need some </a:t>
+            </a:r>
+            <a:r>
+              <a:rPr lang="en-US" sz="1600" dirty="0">
+                <a:solidFill>
+                  <a:srgbClr val="FF0000"/>
+                </a:solidFill>
+              </a:rPr>
+              <a:t>“source  size”</a:t>
+            </a:r>
+            <a:r>
+              <a:rPr lang="en-US" sz="1600" dirty="0"/>
+              <a:t>. We suppose two point sources separated  by D=</a:t>
+            </a:r>
+            <a:r>
+              <a:rPr lang="en-US" sz="1600" dirty="0">
+                <a:solidFill>
+                  <a:srgbClr val="FF0000"/>
+                </a:solidFill>
+              </a:rPr>
+              <a:t>FWHM</a:t>
+            </a:r>
+            <a:r>
+              <a:rPr lang="en-US" sz="1600" dirty="0"/>
+              <a:t> and R&gt;&gt;D in such a way that </a:t>
+            </a:r>
+            <a:r>
+              <a:rPr lang="en-US" sz="1600" dirty="0" err="1"/>
+              <a:t>wavefronts</a:t>
+            </a:r>
+            <a:r>
+              <a:rPr lang="en-US" sz="1600" dirty="0"/>
+              <a:t> from these two points are plane waves</a:t>
+            </a:r>
+            <a:r>
+              <a:rPr lang="en-US" dirty="0"/>
+              <a:t>					                              </a:t>
+            </a:r>
+          </a:p>
+          <a:p>
+            <a:r>
+              <a:rPr lang="en-US" dirty="0">
+                <a:solidFill>
+                  <a:srgbClr val="0070C0"/>
+                </a:solidFill>
+              </a:rPr>
+              <a:t>						L</a:t>
+            </a:r>
+            <a:r>
+              <a:rPr lang="en-US" baseline="-25000" dirty="0">
+                <a:solidFill>
+                  <a:srgbClr val="0070C0"/>
+                </a:solidFill>
+              </a:rPr>
+              <a:t>T</a:t>
+            </a:r>
+            <a:r>
+              <a:rPr lang="en-US" dirty="0">
+                <a:solidFill>
+                  <a:srgbClr val="0070C0"/>
+                </a:solidFill>
+              </a:rPr>
+              <a:t> =</a:t>
+            </a:r>
+            <a:r>
+              <a:rPr lang="en-US" dirty="0">
+                <a:solidFill>
+                  <a:srgbClr val="0070C0"/>
+                </a:solidFill>
+                <a:latin typeface="Symbol" pitchFamily="18" charset="2"/>
+              </a:rPr>
+              <a:t>l</a:t>
+            </a:r>
+            <a:r>
+              <a:rPr lang="en-US" dirty="0">
+                <a:solidFill>
+                  <a:srgbClr val="0070C0"/>
+                </a:solidFill>
+              </a:rPr>
+              <a:t> R / (2D) </a:t>
+            </a:r>
+          </a:p>
+        </p:txBody>
+      </p:sp>
+      <p:graphicFrame>
+        <p:nvGraphicFramePr>
+          <p:cNvPr id="9" name="Table 8">
+            <a:extLst>
+              <a:ext uri="{FF2B5EF4-FFF2-40B4-BE49-F238E27FC236}">
+                <a16:creationId xmlns:a16="http://schemas.microsoft.com/office/drawing/2014/main" id="{B242A331-E58A-420F-84AA-A11038D2B939}"/>
+              </a:ext>
+            </a:extLst>
+          </p:cNvPr>
+          <p:cNvGraphicFramePr>
+            <a:graphicFrameLocks noGrp="1"/>
+          </p:cNvGraphicFramePr>
+          <p:nvPr>
+            <p:extLst>
+              <p:ext uri="{D42A27DB-BD31-4B8C-83A1-F6EECF244321}">
+                <p14:modId xmlns:p14="http://schemas.microsoft.com/office/powerpoint/2010/main" val="1435586913"/>
+              </p:ext>
+            </p:extLst>
+          </p:nvPr>
+        </p:nvGraphicFramePr>
+        <p:xfrm>
+          <a:off x="4299829" y="2569468"/>
+          <a:ext cx="3886201" cy="1981202"/>
+        </p:xfrm>
+        <a:graphic>
+          <a:graphicData uri="http://schemas.openxmlformats.org/drawingml/2006/table">
+            <a:tbl>
+              <a:tblPr/>
+              <a:tblGrid>
+                <a:gridCol w="942549">
+                  <a:extLst>
+                    <a:ext uri="{9D8B030D-6E8A-4147-A177-3AD203B41FA5}">
+                      <a16:colId xmlns:a16="http://schemas.microsoft.com/office/drawing/2014/main" val="20000"/>
+                    </a:ext>
+                  </a:extLst>
+                </a:gridCol>
+                <a:gridCol w="942549">
+                  <a:extLst>
+                    <a:ext uri="{9D8B030D-6E8A-4147-A177-3AD203B41FA5}">
+                      <a16:colId xmlns:a16="http://schemas.microsoft.com/office/drawing/2014/main" val="20001"/>
+                    </a:ext>
+                  </a:extLst>
+                </a:gridCol>
+                <a:gridCol w="942549">
+                  <a:extLst>
+                    <a:ext uri="{9D8B030D-6E8A-4147-A177-3AD203B41FA5}">
+                      <a16:colId xmlns:a16="http://schemas.microsoft.com/office/drawing/2014/main" val="20002"/>
+                    </a:ext>
+                  </a:extLst>
+                </a:gridCol>
+                <a:gridCol w="1058554">
+                  <a:extLst>
+                    <a:ext uri="{9D8B030D-6E8A-4147-A177-3AD203B41FA5}">
+                      <a16:colId xmlns:a16="http://schemas.microsoft.com/office/drawing/2014/main" val="20003"/>
+                    </a:ext>
+                  </a:extLst>
+                </a:gridCol>
+              </a:tblGrid>
+              <a:tr h="483140">
+                <a:tc>
+                  <a:txBody>
+                    <a:bodyPr/>
+                    <a:lstStyle/>
+                    <a:p>
+                      <a:pPr algn="l" fontAlgn="b"/>
+                      <a:endParaRPr lang="en-US" sz="1200" b="0" i="0" u="none" strike="noStrike" dirty="0">
+                        <a:solidFill>
+                          <a:srgbClr val="000000"/>
+                        </a:solidFill>
+                        <a:effectLst/>
+                        <a:latin typeface="Calibri"/>
+                      </a:endParaRPr>
+                    </a:p>
+                  </a:txBody>
+                  <a:tcPr marL="12700" marR="12700" marT="12700" marB="0" anchor="b">
+                    <a:lnL>
+                      <a:noFill/>
+                    </a:lnL>
+                    <a:lnR>
+                      <a:noFill/>
+                    </a:lnR>
+                    <a:lnT>
+                      <a:noFill/>
+                    </a:lnT>
+                    <a:lnB>
+                      <a:noFill/>
+                    </a:lnB>
+                  </a:tcPr>
+                </a:tc>
+                <a:tc>
+                  <a:txBody>
+                    <a:bodyPr/>
+                    <a:lstStyle/>
+                    <a:p>
+                      <a:pPr algn="r" fontAlgn="b"/>
+                      <a:r>
+                        <a:rPr lang="en-US" sz="1200" b="0" i="0" u="none" strike="noStrike" dirty="0">
+                          <a:solidFill>
+                            <a:srgbClr val="000000"/>
+                          </a:solidFill>
+                          <a:effectLst/>
+                          <a:latin typeface="Calibri"/>
+                        </a:rPr>
+                        <a:t>sigma um</a:t>
+                      </a:r>
+                    </a:p>
+                  </a:txBody>
+                  <a:tcPr marL="12700" marR="12700" marT="12700" marB="0" anchor="b">
+                    <a:lnL>
+                      <a:noFill/>
+                    </a:lnL>
+                    <a:lnR>
+                      <a:noFill/>
+                    </a:lnR>
+                    <a:lnT>
+                      <a:noFill/>
+                    </a:lnT>
+                    <a:lnB>
+                      <a:noFill/>
+                    </a:lnB>
+                  </a:tcPr>
+                </a:tc>
+                <a:tc>
+                  <a:txBody>
+                    <a:bodyPr/>
+                    <a:lstStyle/>
+                    <a:p>
+                      <a:pPr algn="r" fontAlgn="b"/>
+                      <a:r>
+                        <a:rPr lang="en-US" sz="1200" b="0" i="0" u="none" strike="noStrike" dirty="0">
+                          <a:solidFill>
+                            <a:srgbClr val="000000"/>
+                          </a:solidFill>
+                          <a:effectLst/>
+                          <a:latin typeface="Calibri"/>
+                        </a:rPr>
+                        <a:t>FWHM um</a:t>
+                      </a:r>
+                    </a:p>
+                  </a:txBody>
+                  <a:tcPr marL="12700" marR="12700" marT="12700" marB="0" anchor="b">
+                    <a:lnL>
+                      <a:noFill/>
+                    </a:lnL>
+                    <a:lnR>
+                      <a:noFill/>
+                    </a:lnR>
+                    <a:lnT>
+                      <a:noFill/>
+                    </a:lnT>
+                    <a:lnB>
+                      <a:noFill/>
+                    </a:lnB>
+                  </a:tcPr>
+                </a:tc>
+                <a:tc>
+                  <a:txBody>
+                    <a:bodyPr/>
+                    <a:lstStyle/>
+                    <a:p>
+                      <a:pPr algn="r" fontAlgn="b"/>
+                      <a:r>
+                        <a:rPr lang="en-US" sz="1200" b="0" i="0" u="none" strike="noStrike" dirty="0">
+                          <a:solidFill>
+                            <a:srgbClr val="000000"/>
+                          </a:solidFill>
+                          <a:effectLst/>
+                          <a:latin typeface="Calibri"/>
+                        </a:rPr>
+                        <a:t>LT um</a:t>
+                      </a:r>
+                    </a:p>
+                  </a:txBody>
+                  <a:tcPr marL="12700" marR="12700" marT="12700" marB="0" anchor="b">
+                    <a:lnL>
+                      <a:noFill/>
+                    </a:lnL>
+                    <a:lnR>
+                      <a:noFill/>
+                    </a:lnR>
+                    <a:lnT>
+                      <a:noFill/>
+                    </a:lnT>
+                    <a:lnB>
+                      <a:noFill/>
+                    </a:lnB>
+                  </a:tcPr>
+                </a:tc>
+                <a:extLst>
+                  <a:ext uri="{0D108BD9-81ED-4DB2-BD59-A6C34878D82A}">
+                    <a16:rowId xmlns:a16="http://schemas.microsoft.com/office/drawing/2014/main" val="10000"/>
+                  </a:ext>
+                </a:extLst>
+              </a:tr>
+              <a:tr h="249677">
+                <a:tc>
+                  <a:txBody>
+                    <a:bodyPr/>
+                    <a:lstStyle/>
+                    <a:p>
+                      <a:pPr algn="l" fontAlgn="b"/>
+                      <a:r>
+                        <a:rPr lang="en-US" sz="1200" b="0" i="0" u="none" strike="noStrike">
+                          <a:solidFill>
+                            <a:srgbClr val="000000"/>
+                          </a:solidFill>
+                          <a:effectLst/>
+                          <a:latin typeface="Calibri"/>
+                        </a:rPr>
+                        <a:t>V Hbeta</a:t>
+                      </a:r>
+                    </a:p>
+                  </a:txBody>
+                  <a:tcPr marL="12700" marR="12700" marT="12700" marB="0" anchor="b">
+                    <a:lnL>
+                      <a:noFill/>
+                    </a:lnL>
+                    <a:lnR>
+                      <a:noFill/>
+                    </a:lnR>
+                    <a:lnT>
+                      <a:noFill/>
+                    </a:lnT>
+                    <a:lnB>
+                      <a:noFill/>
+                    </a:lnB>
+                  </a:tcPr>
+                </a:tc>
+                <a:tc>
+                  <a:txBody>
+                    <a:bodyPr/>
+                    <a:lstStyle/>
+                    <a:p>
+                      <a:pPr algn="r" fontAlgn="b"/>
+                      <a:r>
+                        <a:rPr lang="en-US" sz="1200" b="0" i="0" u="none" strike="noStrike">
+                          <a:solidFill>
+                            <a:srgbClr val="000000"/>
+                          </a:solidFill>
+                          <a:effectLst/>
+                          <a:latin typeface="Calibri"/>
+                        </a:rPr>
+                        <a:t>3.5</a:t>
+                      </a:r>
+                    </a:p>
+                  </a:txBody>
+                  <a:tcPr marL="12700" marR="12700" marT="12700" marB="0" anchor="b">
+                    <a:lnL>
+                      <a:noFill/>
+                    </a:lnL>
+                    <a:lnR>
+                      <a:noFill/>
+                    </a:lnR>
+                    <a:lnT>
+                      <a:noFill/>
+                    </a:lnT>
+                    <a:lnB>
+                      <a:noFill/>
+                    </a:lnB>
+                  </a:tcPr>
+                </a:tc>
+                <a:tc>
+                  <a:txBody>
+                    <a:bodyPr/>
+                    <a:lstStyle/>
+                    <a:p>
+                      <a:pPr algn="r" fontAlgn="b"/>
+                      <a:r>
+                        <a:rPr lang="en-US" sz="1200" b="0" i="0" u="none" strike="noStrike" dirty="0">
+                          <a:solidFill>
+                            <a:srgbClr val="000000"/>
+                          </a:solidFill>
+                          <a:effectLst/>
+                          <a:latin typeface="Calibri"/>
+                        </a:rPr>
+                        <a:t>8.2</a:t>
+                      </a:r>
+                    </a:p>
+                  </a:txBody>
+                  <a:tcPr marL="12700" marR="12700" marT="12700" marB="0" anchor="b">
+                    <a:lnL>
+                      <a:noFill/>
+                    </a:lnL>
+                    <a:lnR>
+                      <a:noFill/>
+                    </a:lnR>
+                    <a:lnT>
+                      <a:noFill/>
+                    </a:lnT>
+                    <a:lnB>
+                      <a:noFill/>
+                    </a:lnB>
+                  </a:tcPr>
+                </a:tc>
+                <a:tc>
+                  <a:txBody>
+                    <a:bodyPr/>
+                    <a:lstStyle/>
+                    <a:p>
+                      <a:pPr algn="r" fontAlgn="b"/>
+                      <a:r>
+                        <a:rPr lang="en-US" sz="1200" b="0" i="0" u="none" strike="noStrike">
+                          <a:solidFill>
+                            <a:srgbClr val="000000"/>
+                          </a:solidFill>
+                          <a:effectLst/>
+                          <a:latin typeface="Calibri"/>
+                        </a:rPr>
+                        <a:t>182.4</a:t>
+                      </a:r>
+                    </a:p>
+                  </a:txBody>
+                  <a:tcPr marL="12700" marR="12700" marT="12700" marB="0" anchor="b">
+                    <a:lnL>
+                      <a:noFill/>
+                    </a:lnL>
+                    <a:lnR>
+                      <a:noFill/>
+                    </a:lnR>
+                    <a:lnT>
+                      <a:noFill/>
+                    </a:lnT>
+                    <a:lnB>
+                      <a:noFill/>
+                    </a:lnB>
+                  </a:tcPr>
+                </a:tc>
+                <a:extLst>
+                  <a:ext uri="{0D108BD9-81ED-4DB2-BD59-A6C34878D82A}">
+                    <a16:rowId xmlns:a16="http://schemas.microsoft.com/office/drawing/2014/main" val="10001"/>
+                  </a:ext>
+                </a:extLst>
+              </a:tr>
+              <a:tr h="249677">
+                <a:tc>
+                  <a:txBody>
+                    <a:bodyPr/>
+                    <a:lstStyle/>
+                    <a:p>
+                      <a:pPr algn="l" fontAlgn="b"/>
+                      <a:r>
+                        <a:rPr lang="en-US" sz="1200" b="0" i="0" u="none" strike="noStrike">
+                          <a:solidFill>
+                            <a:srgbClr val="000000"/>
+                          </a:solidFill>
+                          <a:effectLst/>
+                          <a:latin typeface="Calibri"/>
+                        </a:rPr>
+                        <a:t>V Lbeta</a:t>
+                      </a:r>
+                    </a:p>
+                  </a:txBody>
+                  <a:tcPr marL="12700" marR="12700" marT="12700" marB="0" anchor="b">
+                    <a:lnL>
+                      <a:noFill/>
+                    </a:lnL>
+                    <a:lnR>
+                      <a:noFill/>
+                    </a:lnR>
+                    <a:lnT>
+                      <a:noFill/>
+                    </a:lnT>
+                    <a:lnB>
+                      <a:noFill/>
+                    </a:lnB>
+                  </a:tcPr>
+                </a:tc>
+                <a:tc>
+                  <a:txBody>
+                    <a:bodyPr/>
+                    <a:lstStyle/>
+                    <a:p>
+                      <a:pPr algn="r" fontAlgn="b"/>
+                      <a:r>
+                        <a:rPr lang="en-US" sz="1200" b="0" i="0" u="none" strike="noStrike">
+                          <a:solidFill>
+                            <a:srgbClr val="000000"/>
+                          </a:solidFill>
+                          <a:effectLst/>
+                          <a:latin typeface="Calibri"/>
+                        </a:rPr>
+                        <a:t>3.5</a:t>
+                      </a:r>
+                    </a:p>
+                  </a:txBody>
+                  <a:tcPr marL="12700" marR="12700" marT="12700" marB="0" anchor="b">
+                    <a:lnL>
+                      <a:noFill/>
+                    </a:lnL>
+                    <a:lnR>
+                      <a:noFill/>
+                    </a:lnR>
+                    <a:lnT>
+                      <a:noFill/>
+                    </a:lnT>
+                    <a:lnB>
+                      <a:noFill/>
+                    </a:lnB>
+                  </a:tcPr>
+                </a:tc>
+                <a:tc>
+                  <a:txBody>
+                    <a:bodyPr/>
+                    <a:lstStyle/>
+                    <a:p>
+                      <a:pPr algn="r" fontAlgn="b"/>
+                      <a:r>
+                        <a:rPr lang="en-US" sz="1200" b="0" i="0" u="none" strike="noStrike">
+                          <a:solidFill>
+                            <a:srgbClr val="000000"/>
+                          </a:solidFill>
+                          <a:effectLst/>
+                          <a:latin typeface="Calibri"/>
+                        </a:rPr>
+                        <a:t>8.2</a:t>
+                      </a:r>
+                    </a:p>
+                  </a:txBody>
+                  <a:tcPr marL="12700" marR="12700" marT="12700" marB="0" anchor="b">
+                    <a:lnL>
+                      <a:noFill/>
+                    </a:lnL>
+                    <a:lnR>
+                      <a:noFill/>
+                    </a:lnR>
+                    <a:lnT>
+                      <a:noFill/>
+                    </a:lnT>
+                    <a:lnB>
+                      <a:noFill/>
+                    </a:lnB>
+                  </a:tcPr>
+                </a:tc>
+                <a:tc>
+                  <a:txBody>
+                    <a:bodyPr/>
+                    <a:lstStyle/>
+                    <a:p>
+                      <a:pPr algn="r" fontAlgn="b"/>
+                      <a:r>
+                        <a:rPr lang="en-US" sz="1200" b="0" i="0" u="none" strike="noStrike">
+                          <a:solidFill>
+                            <a:srgbClr val="000000"/>
+                          </a:solidFill>
+                          <a:effectLst/>
+                          <a:latin typeface="Calibri"/>
+                        </a:rPr>
+                        <a:t>182.4</a:t>
+                      </a:r>
+                    </a:p>
+                  </a:txBody>
+                  <a:tcPr marL="12700" marR="12700" marT="12700" marB="0" anchor="b">
+                    <a:lnL>
+                      <a:noFill/>
+                    </a:lnL>
+                    <a:lnR>
+                      <a:noFill/>
+                    </a:lnR>
+                    <a:lnT>
+                      <a:noFill/>
+                    </a:lnT>
+                    <a:lnB>
+                      <a:noFill/>
+                    </a:lnB>
+                  </a:tcPr>
+                </a:tc>
+                <a:extLst>
+                  <a:ext uri="{0D108BD9-81ED-4DB2-BD59-A6C34878D82A}">
+                    <a16:rowId xmlns:a16="http://schemas.microsoft.com/office/drawing/2014/main" val="10002"/>
+                  </a:ext>
+                </a:extLst>
+              </a:tr>
+              <a:tr h="249677">
+                <a:tc>
+                  <a:txBody>
+                    <a:bodyPr/>
+                    <a:lstStyle/>
+                    <a:p>
+                      <a:pPr algn="l" fontAlgn="b"/>
+                      <a:r>
+                        <a:rPr lang="en-US" sz="1200" b="0" i="0" u="none" strike="noStrike">
+                          <a:solidFill>
+                            <a:srgbClr val="000000"/>
+                          </a:solidFill>
+                          <a:effectLst/>
+                          <a:latin typeface="Calibri"/>
+                        </a:rPr>
+                        <a:t>V EBS</a:t>
+                      </a:r>
+                    </a:p>
+                  </a:txBody>
+                  <a:tcPr marL="12700" marR="12700" marT="12700" marB="0" anchor="b">
+                    <a:lnL>
+                      <a:noFill/>
+                    </a:lnL>
+                    <a:lnR>
+                      <a:noFill/>
+                    </a:lnR>
+                    <a:lnT>
+                      <a:noFill/>
+                    </a:lnT>
+                    <a:lnB>
+                      <a:noFill/>
+                    </a:lnB>
+                  </a:tcPr>
+                </a:tc>
+                <a:tc>
+                  <a:txBody>
+                    <a:bodyPr/>
+                    <a:lstStyle/>
+                    <a:p>
+                      <a:pPr algn="r" fontAlgn="b"/>
+                      <a:r>
+                        <a:rPr lang="en-US" sz="1200" b="0" i="0" u="none" strike="noStrike">
+                          <a:solidFill>
+                            <a:srgbClr val="000000"/>
+                          </a:solidFill>
+                          <a:effectLst/>
+                          <a:latin typeface="Calibri"/>
+                        </a:rPr>
+                        <a:t>3.4</a:t>
+                      </a:r>
+                    </a:p>
+                  </a:txBody>
+                  <a:tcPr marL="12700" marR="12700" marT="12700" marB="0" anchor="b">
+                    <a:lnL>
+                      <a:noFill/>
+                    </a:lnL>
+                    <a:lnR>
+                      <a:noFill/>
+                    </a:lnR>
+                    <a:lnT>
+                      <a:noFill/>
+                    </a:lnT>
+                    <a:lnB>
+                      <a:noFill/>
+                    </a:lnB>
+                  </a:tcPr>
+                </a:tc>
+                <a:tc>
+                  <a:txBody>
+                    <a:bodyPr/>
+                    <a:lstStyle/>
+                    <a:p>
+                      <a:pPr algn="r" fontAlgn="b"/>
+                      <a:r>
+                        <a:rPr lang="en-US" sz="1200" b="0" i="0" u="none" strike="noStrike" dirty="0">
+                          <a:solidFill>
+                            <a:srgbClr val="000000"/>
+                          </a:solidFill>
+                          <a:effectLst/>
+                          <a:latin typeface="Calibri"/>
+                        </a:rPr>
+                        <a:t>8.0</a:t>
+                      </a:r>
+                    </a:p>
+                  </a:txBody>
+                  <a:tcPr marL="12700" marR="12700" marT="12700" marB="0" anchor="b">
+                    <a:lnL>
+                      <a:noFill/>
+                    </a:lnL>
+                    <a:lnR>
+                      <a:noFill/>
+                    </a:lnR>
+                    <a:lnT>
+                      <a:noFill/>
+                    </a:lnT>
+                    <a:lnB>
+                      <a:noFill/>
+                    </a:lnB>
+                  </a:tcPr>
+                </a:tc>
+                <a:tc>
+                  <a:txBody>
+                    <a:bodyPr/>
+                    <a:lstStyle/>
+                    <a:p>
+                      <a:pPr algn="r" fontAlgn="b"/>
+                      <a:r>
+                        <a:rPr lang="en-US" sz="1200" b="0" i="0" u="none" strike="noStrike" dirty="0">
+                          <a:solidFill>
+                            <a:srgbClr val="FF0000"/>
+                          </a:solidFill>
+                          <a:effectLst/>
+                          <a:latin typeface="Calibri"/>
+                        </a:rPr>
+                        <a:t>187.7</a:t>
+                      </a:r>
+                    </a:p>
+                  </a:txBody>
+                  <a:tcPr marL="12700" marR="12700" marT="12700" marB="0" anchor="b">
+                    <a:lnL>
+                      <a:noFill/>
+                    </a:lnL>
+                    <a:lnR>
+                      <a:noFill/>
+                    </a:lnR>
+                    <a:lnT>
+                      <a:noFill/>
+                    </a:lnT>
+                    <a:lnB>
+                      <a:noFill/>
+                    </a:lnB>
+                  </a:tcPr>
+                </a:tc>
+                <a:extLst>
+                  <a:ext uri="{0D108BD9-81ED-4DB2-BD59-A6C34878D82A}">
+                    <a16:rowId xmlns:a16="http://schemas.microsoft.com/office/drawing/2014/main" val="10003"/>
+                  </a:ext>
+                </a:extLst>
+              </a:tr>
+              <a:tr h="249677">
+                <a:tc>
+                  <a:txBody>
+                    <a:bodyPr/>
+                    <a:lstStyle/>
+                    <a:p>
+                      <a:pPr algn="l" fontAlgn="b"/>
+                      <a:r>
+                        <a:rPr lang="en-US" sz="1200" b="0" i="0" u="none" strike="noStrike">
+                          <a:solidFill>
+                            <a:srgbClr val="000000"/>
+                          </a:solidFill>
+                          <a:effectLst/>
+                          <a:latin typeface="Calibri"/>
+                        </a:rPr>
+                        <a:t>H Hbeta</a:t>
+                      </a:r>
+                    </a:p>
+                  </a:txBody>
+                  <a:tcPr marL="12700" marR="12700" marT="12700" marB="0" anchor="b">
+                    <a:lnL>
+                      <a:noFill/>
+                    </a:lnL>
+                    <a:lnR>
+                      <a:noFill/>
+                    </a:lnR>
+                    <a:lnT>
+                      <a:noFill/>
+                    </a:lnT>
+                    <a:lnB>
+                      <a:noFill/>
+                    </a:lnB>
+                  </a:tcPr>
+                </a:tc>
+                <a:tc>
+                  <a:txBody>
+                    <a:bodyPr/>
+                    <a:lstStyle/>
+                    <a:p>
+                      <a:pPr algn="r" fontAlgn="b"/>
+                      <a:r>
+                        <a:rPr lang="en-US" sz="1200" b="0" i="0" u="none" strike="noStrike">
+                          <a:solidFill>
+                            <a:srgbClr val="000000"/>
+                          </a:solidFill>
+                          <a:effectLst/>
+                          <a:latin typeface="Calibri"/>
+                        </a:rPr>
+                        <a:t>388</a:t>
+                      </a:r>
+                    </a:p>
+                  </a:txBody>
+                  <a:tcPr marL="12700" marR="12700" marT="12700" marB="0" anchor="b">
+                    <a:lnL>
+                      <a:noFill/>
+                    </a:lnL>
+                    <a:lnR>
+                      <a:noFill/>
+                    </a:lnR>
+                    <a:lnT>
+                      <a:noFill/>
+                    </a:lnT>
+                    <a:lnB>
+                      <a:noFill/>
+                    </a:lnB>
+                  </a:tcPr>
+                </a:tc>
+                <a:tc>
+                  <a:txBody>
+                    <a:bodyPr/>
+                    <a:lstStyle/>
+                    <a:p>
+                      <a:pPr algn="r" fontAlgn="b"/>
+                      <a:r>
+                        <a:rPr lang="en-US" sz="1200" b="0" i="0" u="none" strike="noStrike">
+                          <a:solidFill>
+                            <a:srgbClr val="000000"/>
+                          </a:solidFill>
+                          <a:effectLst/>
+                          <a:latin typeface="Calibri"/>
+                        </a:rPr>
+                        <a:t>911.8</a:t>
+                      </a:r>
+                    </a:p>
+                  </a:txBody>
+                  <a:tcPr marL="12700" marR="12700" marT="12700" marB="0" anchor="b">
+                    <a:lnL>
+                      <a:noFill/>
+                    </a:lnL>
+                    <a:lnR>
+                      <a:noFill/>
+                    </a:lnR>
+                    <a:lnT>
+                      <a:noFill/>
+                    </a:lnT>
+                    <a:lnB>
+                      <a:noFill/>
+                    </a:lnB>
+                  </a:tcPr>
+                </a:tc>
+                <a:tc>
+                  <a:txBody>
+                    <a:bodyPr/>
+                    <a:lstStyle/>
+                    <a:p>
+                      <a:pPr algn="r" fontAlgn="b"/>
+                      <a:r>
+                        <a:rPr lang="en-US" sz="1200" b="0" i="0" u="none" strike="noStrike" dirty="0">
+                          <a:solidFill>
+                            <a:srgbClr val="FF0000"/>
+                          </a:solidFill>
+                          <a:effectLst/>
+                          <a:latin typeface="Calibri"/>
+                        </a:rPr>
+                        <a:t>1.6</a:t>
+                      </a:r>
+                    </a:p>
+                  </a:txBody>
+                  <a:tcPr marL="12700" marR="12700" marT="12700" marB="0" anchor="b">
+                    <a:lnL>
+                      <a:noFill/>
+                    </a:lnL>
+                    <a:lnR>
+                      <a:noFill/>
+                    </a:lnR>
+                    <a:lnT>
+                      <a:noFill/>
+                    </a:lnT>
+                    <a:lnB>
+                      <a:noFill/>
+                    </a:lnB>
+                  </a:tcPr>
+                </a:tc>
+                <a:extLst>
+                  <a:ext uri="{0D108BD9-81ED-4DB2-BD59-A6C34878D82A}">
+                    <a16:rowId xmlns:a16="http://schemas.microsoft.com/office/drawing/2014/main" val="10004"/>
+                  </a:ext>
+                </a:extLst>
+              </a:tr>
+              <a:tr h="249677">
+                <a:tc>
+                  <a:txBody>
+                    <a:bodyPr/>
+                    <a:lstStyle/>
+                    <a:p>
+                      <a:pPr algn="l" fontAlgn="b"/>
+                      <a:r>
+                        <a:rPr lang="en-US" sz="1200" b="0" i="0" u="none" strike="noStrike">
+                          <a:solidFill>
+                            <a:srgbClr val="000000"/>
+                          </a:solidFill>
+                          <a:effectLst/>
+                          <a:latin typeface="Calibri"/>
+                        </a:rPr>
+                        <a:t>H Lbeta</a:t>
+                      </a:r>
+                    </a:p>
+                  </a:txBody>
+                  <a:tcPr marL="12700" marR="12700" marT="12700" marB="0" anchor="b">
+                    <a:lnL>
+                      <a:noFill/>
+                    </a:lnL>
+                    <a:lnR>
+                      <a:noFill/>
+                    </a:lnR>
+                    <a:lnT>
+                      <a:noFill/>
+                    </a:lnT>
+                    <a:lnB>
+                      <a:noFill/>
+                    </a:lnB>
+                  </a:tcPr>
+                </a:tc>
+                <a:tc>
+                  <a:txBody>
+                    <a:bodyPr/>
+                    <a:lstStyle/>
+                    <a:p>
+                      <a:pPr algn="r" fontAlgn="b"/>
+                      <a:r>
+                        <a:rPr lang="en-US" sz="1200" b="0" i="0" u="none" strike="noStrike">
+                          <a:solidFill>
+                            <a:srgbClr val="000000"/>
+                          </a:solidFill>
+                          <a:effectLst/>
+                          <a:latin typeface="Calibri"/>
+                        </a:rPr>
+                        <a:t>37</a:t>
+                      </a:r>
+                    </a:p>
+                  </a:txBody>
+                  <a:tcPr marL="12700" marR="12700" marT="12700" marB="0" anchor="b">
+                    <a:lnL>
+                      <a:noFill/>
+                    </a:lnL>
+                    <a:lnR>
+                      <a:noFill/>
+                    </a:lnR>
+                    <a:lnT>
+                      <a:noFill/>
+                    </a:lnT>
+                    <a:lnB>
+                      <a:noFill/>
+                    </a:lnB>
+                  </a:tcPr>
+                </a:tc>
+                <a:tc>
+                  <a:txBody>
+                    <a:bodyPr/>
+                    <a:lstStyle/>
+                    <a:p>
+                      <a:pPr algn="r" fontAlgn="b"/>
+                      <a:r>
+                        <a:rPr lang="en-US" sz="1200" b="0" i="0" u="none" strike="noStrike" dirty="0">
+                          <a:solidFill>
+                            <a:srgbClr val="000000"/>
+                          </a:solidFill>
+                          <a:effectLst/>
+                          <a:latin typeface="Calibri"/>
+                        </a:rPr>
+                        <a:t>87.0</a:t>
+                      </a:r>
+                    </a:p>
+                  </a:txBody>
+                  <a:tcPr marL="12700" marR="12700" marT="12700" marB="0" anchor="b">
+                    <a:lnL>
+                      <a:noFill/>
+                    </a:lnL>
+                    <a:lnR>
+                      <a:noFill/>
+                    </a:lnR>
+                    <a:lnT>
+                      <a:noFill/>
+                    </a:lnT>
+                    <a:lnB>
+                      <a:noFill/>
+                    </a:lnB>
+                  </a:tcPr>
+                </a:tc>
+                <a:tc>
+                  <a:txBody>
+                    <a:bodyPr/>
+                    <a:lstStyle/>
+                    <a:p>
+                      <a:pPr algn="r" fontAlgn="b"/>
+                      <a:r>
+                        <a:rPr lang="en-US" sz="1200" b="0" i="0" u="none" strike="noStrike" dirty="0">
+                          <a:solidFill>
+                            <a:srgbClr val="FF0000"/>
+                          </a:solidFill>
+                          <a:effectLst/>
+                          <a:latin typeface="Calibri"/>
+                        </a:rPr>
+                        <a:t>17.3</a:t>
+                      </a:r>
+                    </a:p>
+                  </a:txBody>
+                  <a:tcPr marL="12700" marR="12700" marT="12700" marB="0" anchor="b">
+                    <a:lnL>
+                      <a:noFill/>
+                    </a:lnL>
+                    <a:lnR>
+                      <a:noFill/>
+                    </a:lnR>
+                    <a:lnT>
+                      <a:noFill/>
+                    </a:lnT>
+                    <a:lnB>
+                      <a:noFill/>
+                    </a:lnB>
+                  </a:tcPr>
+                </a:tc>
+                <a:extLst>
+                  <a:ext uri="{0D108BD9-81ED-4DB2-BD59-A6C34878D82A}">
+                    <a16:rowId xmlns:a16="http://schemas.microsoft.com/office/drawing/2014/main" val="10005"/>
+                  </a:ext>
+                </a:extLst>
+              </a:tr>
+              <a:tr h="249677">
+                <a:tc>
+                  <a:txBody>
+                    <a:bodyPr/>
+                    <a:lstStyle/>
+                    <a:p>
+                      <a:pPr algn="l" fontAlgn="b"/>
+                      <a:r>
+                        <a:rPr lang="en-US" sz="1200" b="0" i="0" u="none" strike="noStrike">
+                          <a:solidFill>
+                            <a:srgbClr val="000000"/>
+                          </a:solidFill>
+                          <a:effectLst/>
+                          <a:latin typeface="Calibri"/>
+                        </a:rPr>
+                        <a:t>H EBS</a:t>
+                      </a:r>
+                    </a:p>
+                  </a:txBody>
+                  <a:tcPr marL="12700" marR="12700" marT="12700" marB="0" anchor="b">
+                    <a:lnL>
+                      <a:noFill/>
+                    </a:lnL>
+                    <a:lnR>
+                      <a:noFill/>
+                    </a:lnR>
+                    <a:lnT>
+                      <a:noFill/>
+                    </a:lnT>
+                    <a:lnB>
+                      <a:noFill/>
+                    </a:lnB>
+                  </a:tcPr>
+                </a:tc>
+                <a:tc>
+                  <a:txBody>
+                    <a:bodyPr/>
+                    <a:lstStyle/>
+                    <a:p>
+                      <a:pPr algn="r" fontAlgn="b"/>
+                      <a:r>
+                        <a:rPr lang="en-US" sz="1200" b="0" i="0" u="none" strike="noStrike">
+                          <a:solidFill>
+                            <a:srgbClr val="000000"/>
+                          </a:solidFill>
+                          <a:effectLst/>
+                          <a:latin typeface="Calibri"/>
+                        </a:rPr>
+                        <a:t>27</a:t>
+                      </a:r>
+                    </a:p>
+                  </a:txBody>
+                  <a:tcPr marL="12700" marR="12700" marT="12700" marB="0" anchor="b">
+                    <a:lnL>
+                      <a:noFill/>
+                    </a:lnL>
+                    <a:lnR>
+                      <a:noFill/>
+                    </a:lnR>
+                    <a:lnT>
+                      <a:noFill/>
+                    </a:lnT>
+                    <a:lnB>
+                      <a:noFill/>
+                    </a:lnB>
+                  </a:tcPr>
+                </a:tc>
+                <a:tc>
+                  <a:txBody>
+                    <a:bodyPr/>
+                    <a:lstStyle/>
+                    <a:p>
+                      <a:pPr algn="r" fontAlgn="b"/>
+                      <a:r>
+                        <a:rPr lang="en-US" sz="1200" b="0" i="0" u="none" strike="noStrike">
+                          <a:solidFill>
+                            <a:srgbClr val="000000"/>
+                          </a:solidFill>
+                          <a:effectLst/>
+                          <a:latin typeface="Calibri"/>
+                        </a:rPr>
+                        <a:t>63.5</a:t>
+                      </a:r>
+                    </a:p>
+                  </a:txBody>
+                  <a:tcPr marL="12700" marR="12700" marT="12700" marB="0" anchor="b">
+                    <a:lnL>
+                      <a:noFill/>
+                    </a:lnL>
+                    <a:lnR>
+                      <a:noFill/>
+                    </a:lnR>
+                    <a:lnT>
+                      <a:noFill/>
+                    </a:lnT>
+                    <a:lnB>
+                      <a:noFill/>
+                    </a:lnB>
+                  </a:tcPr>
+                </a:tc>
+                <a:tc>
+                  <a:txBody>
+                    <a:bodyPr/>
+                    <a:lstStyle/>
+                    <a:p>
+                      <a:pPr algn="r" fontAlgn="b"/>
+                      <a:r>
+                        <a:rPr lang="en-US" sz="1200" b="0" i="0" u="none" strike="noStrike" dirty="0">
+                          <a:solidFill>
+                            <a:srgbClr val="FF0000"/>
+                          </a:solidFill>
+                          <a:effectLst/>
+                          <a:latin typeface="Calibri"/>
+                        </a:rPr>
+                        <a:t>23.6</a:t>
+                      </a:r>
+                    </a:p>
+                  </a:txBody>
+                  <a:tcPr marL="12700" marR="12700" marT="12700" marB="0" anchor="b">
+                    <a:lnL>
+                      <a:noFill/>
+                    </a:lnL>
+                    <a:lnR>
+                      <a:noFill/>
+                    </a:lnR>
+                    <a:lnT>
+                      <a:noFill/>
+                    </a:lnT>
+                    <a:lnB>
+                      <a:noFill/>
+                    </a:lnB>
+                  </a:tcPr>
+                </a:tc>
+                <a:extLst>
+                  <a:ext uri="{0D108BD9-81ED-4DB2-BD59-A6C34878D82A}">
+                    <a16:rowId xmlns:a16="http://schemas.microsoft.com/office/drawing/2014/main" val="10006"/>
+                  </a:ext>
+                </a:extLst>
+              </a:tr>
+            </a:tbl>
+          </a:graphicData>
+        </a:graphic>
+      </p:graphicFrame>
+      <p:grpSp>
+        <p:nvGrpSpPr>
+          <p:cNvPr id="10" name="Group 9">
+            <a:extLst>
+              <a:ext uri="{FF2B5EF4-FFF2-40B4-BE49-F238E27FC236}">
+                <a16:creationId xmlns:a16="http://schemas.microsoft.com/office/drawing/2014/main" id="{328AF120-006E-42CC-91F8-884D6B2B7947}"/>
+              </a:ext>
+            </a:extLst>
+          </p:cNvPr>
+          <p:cNvGrpSpPr/>
+          <p:nvPr/>
+        </p:nvGrpSpPr>
+        <p:grpSpPr>
+          <a:xfrm>
+            <a:off x="1050138" y="1948189"/>
+            <a:ext cx="2063750" cy="3588744"/>
+            <a:chOff x="381000" y="2971800"/>
+            <a:chExt cx="2063750" cy="3588744"/>
+          </a:xfrm>
+        </p:grpSpPr>
+        <p:pic>
+          <p:nvPicPr>
+            <p:cNvPr id="11" name="Picture 10">
+              <a:extLst>
+                <a:ext uri="{FF2B5EF4-FFF2-40B4-BE49-F238E27FC236}">
+                  <a16:creationId xmlns:a16="http://schemas.microsoft.com/office/drawing/2014/main" id="{11BC78C0-A9C1-4E6A-9D7C-B1281D3D2F12}"/>
+                </a:ext>
+              </a:extLst>
+            </p:cNvPr>
+            <p:cNvPicPr>
+              <a:picLocks noChangeAspect="1"/>
+            </p:cNvPicPr>
+            <p:nvPr/>
+          </p:nvPicPr>
+          <p:blipFill>
+            <a:blip r:embed="rId2" cstate="print"/>
+            <a:stretch>
+              <a:fillRect/>
+            </a:stretch>
+          </p:blipFill>
+          <p:spPr>
+            <a:xfrm>
+              <a:off x="381000" y="4495800"/>
+              <a:ext cx="2057400" cy="1096156"/>
+            </a:xfrm>
+            <a:prstGeom prst="rect">
+              <a:avLst/>
+            </a:prstGeom>
+          </p:spPr>
+        </p:pic>
+        <p:pic>
+          <p:nvPicPr>
+            <p:cNvPr id="12" name="Picture 11">
+              <a:extLst>
+                <a:ext uri="{FF2B5EF4-FFF2-40B4-BE49-F238E27FC236}">
+                  <a16:creationId xmlns:a16="http://schemas.microsoft.com/office/drawing/2014/main" id="{A90027D7-9DA1-4B66-A167-89B3475768E7}"/>
+                </a:ext>
+              </a:extLst>
+            </p:cNvPr>
+            <p:cNvPicPr>
+              <a:picLocks noChangeAspect="1"/>
+            </p:cNvPicPr>
+            <p:nvPr/>
+          </p:nvPicPr>
+          <p:blipFill>
+            <a:blip r:embed="rId3" cstate="print"/>
+            <a:stretch>
+              <a:fillRect/>
+            </a:stretch>
+          </p:blipFill>
+          <p:spPr>
+            <a:xfrm>
+              <a:off x="381000" y="3429000"/>
+              <a:ext cx="2063750" cy="1095051"/>
+            </a:xfrm>
+            <a:prstGeom prst="rect">
+              <a:avLst/>
+            </a:prstGeom>
+          </p:spPr>
+        </p:pic>
+        <p:pic>
+          <p:nvPicPr>
+            <p:cNvPr id="13" name="Picture 12">
+              <a:extLst>
+                <a:ext uri="{FF2B5EF4-FFF2-40B4-BE49-F238E27FC236}">
+                  <a16:creationId xmlns:a16="http://schemas.microsoft.com/office/drawing/2014/main" id="{99E49AE2-CDD0-4F60-8C01-C3233F90E81E}"/>
+                </a:ext>
+              </a:extLst>
+            </p:cNvPr>
+            <p:cNvPicPr>
+              <a:picLocks noChangeAspect="1"/>
+            </p:cNvPicPr>
+            <p:nvPr/>
+          </p:nvPicPr>
+          <p:blipFill>
+            <a:blip r:embed="rId4" cstate="print"/>
+            <a:stretch>
+              <a:fillRect/>
+            </a:stretch>
+          </p:blipFill>
+          <p:spPr>
+            <a:xfrm>
+              <a:off x="381000" y="5486399"/>
+              <a:ext cx="2057400" cy="1074145"/>
+            </a:xfrm>
+            <a:prstGeom prst="rect">
+              <a:avLst/>
+            </a:prstGeom>
+          </p:spPr>
+        </p:pic>
+        <p:cxnSp>
+          <p:nvCxnSpPr>
+            <p:cNvPr id="14" name="Straight Arrow Connector 13">
+              <a:extLst>
+                <a:ext uri="{FF2B5EF4-FFF2-40B4-BE49-F238E27FC236}">
+                  <a16:creationId xmlns:a16="http://schemas.microsoft.com/office/drawing/2014/main" id="{0AEB3FFC-E688-4A4E-B78E-7EF8363CB3A3}"/>
+                </a:ext>
+              </a:extLst>
+            </p:cNvPr>
+            <p:cNvCxnSpPr/>
+            <p:nvPr/>
+          </p:nvCxnSpPr>
+          <p:spPr>
+            <a:xfrm>
+              <a:off x="914400" y="3276600"/>
+              <a:ext cx="914400" cy="0"/>
+            </a:xfrm>
+            <a:prstGeom prst="straightConnector1">
+              <a:avLst/>
+            </a:prstGeom>
+            <a:ln>
+              <a:headEnd type="arrow"/>
+              <a:tailEnd type="arrow"/>
+            </a:ln>
+          </p:spPr>
+          <p:style>
+            <a:lnRef idx="1">
+              <a:schemeClr val="accent1"/>
+            </a:lnRef>
+            <a:fillRef idx="0">
+              <a:schemeClr val="accent1"/>
+            </a:fillRef>
+            <a:effectRef idx="0">
+              <a:schemeClr val="accent1"/>
+            </a:effectRef>
+            <a:fontRef idx="minor">
+              <a:schemeClr val="tx1"/>
+            </a:fontRef>
+          </p:style>
+        </p:cxnSp>
+        <p:sp>
+          <p:nvSpPr>
+            <p:cNvPr id="15" name="TextBox 14">
+              <a:extLst>
+                <a:ext uri="{FF2B5EF4-FFF2-40B4-BE49-F238E27FC236}">
+                  <a16:creationId xmlns:a16="http://schemas.microsoft.com/office/drawing/2014/main" id="{9587218A-0E8E-40CA-BC58-0334CE997AFE}"/>
+                </a:ext>
+              </a:extLst>
+            </p:cNvPr>
+            <p:cNvSpPr txBox="1"/>
+            <p:nvPr/>
+          </p:nvSpPr>
+          <p:spPr>
+            <a:xfrm>
+              <a:off x="1066800" y="2971800"/>
+              <a:ext cx="723275" cy="369332"/>
+            </a:xfrm>
+            <a:prstGeom prst="rect">
+              <a:avLst/>
+            </a:prstGeom>
+            <a:noFill/>
+          </p:spPr>
+          <p:txBody>
+            <a:bodyPr wrap="none" rtlCol="0">
+              <a:spAutoFit/>
+            </a:bodyPr>
+            <a:lstStyle/>
+            <a:p>
+              <a:r>
+                <a:rPr lang="en-US" dirty="0">
+                  <a:solidFill>
+                    <a:srgbClr val="0070C0"/>
+                  </a:solidFill>
+                </a:rPr>
+                <a:t>1 mm</a:t>
+              </a:r>
+              <a:endParaRPr lang="en-GB" dirty="0">
+                <a:solidFill>
+                  <a:srgbClr val="0070C0"/>
+                </a:solidFill>
+              </a:endParaRPr>
+            </a:p>
+          </p:txBody>
+        </p:sp>
+        <p:sp>
+          <p:nvSpPr>
+            <p:cNvPr id="16" name="TextBox 15">
+              <a:extLst>
+                <a:ext uri="{FF2B5EF4-FFF2-40B4-BE49-F238E27FC236}">
+                  <a16:creationId xmlns:a16="http://schemas.microsoft.com/office/drawing/2014/main" id="{26DC196B-7F85-47AE-92CD-F3D59402C76D}"/>
+                </a:ext>
+              </a:extLst>
+            </p:cNvPr>
+            <p:cNvSpPr txBox="1"/>
+            <p:nvPr/>
+          </p:nvSpPr>
+          <p:spPr>
+            <a:xfrm>
+              <a:off x="1905000" y="3505200"/>
+              <a:ext cx="455574" cy="369332"/>
+            </a:xfrm>
+            <a:prstGeom prst="rect">
+              <a:avLst/>
+            </a:prstGeom>
+            <a:noFill/>
+          </p:spPr>
+          <p:txBody>
+            <a:bodyPr wrap="none" rtlCol="0">
+              <a:spAutoFit/>
+            </a:bodyPr>
+            <a:lstStyle/>
+            <a:p>
+              <a:r>
+                <a:rPr lang="en-US" dirty="0" err="1">
+                  <a:solidFill>
+                    <a:srgbClr val="FFFFFF"/>
+                  </a:solidFill>
+                </a:rPr>
+                <a:t>H</a:t>
+              </a:r>
+              <a:r>
+                <a:rPr lang="en-US" dirty="0" err="1">
+                  <a:solidFill>
+                    <a:srgbClr val="FFFFFF"/>
+                  </a:solidFill>
+                  <a:latin typeface="Symbol" pitchFamily="18" charset="2"/>
+                </a:rPr>
+                <a:t>b</a:t>
+              </a:r>
+              <a:endParaRPr lang="en-GB" dirty="0">
+                <a:solidFill>
+                  <a:srgbClr val="FFFFFF"/>
+                </a:solidFill>
+                <a:latin typeface="Symbol" pitchFamily="18" charset="2"/>
+              </a:endParaRPr>
+            </a:p>
+          </p:txBody>
+        </p:sp>
+        <p:sp>
+          <p:nvSpPr>
+            <p:cNvPr id="17" name="TextBox 16">
+              <a:extLst>
+                <a:ext uri="{FF2B5EF4-FFF2-40B4-BE49-F238E27FC236}">
+                  <a16:creationId xmlns:a16="http://schemas.microsoft.com/office/drawing/2014/main" id="{97B34F08-F8B2-4A81-A3EB-287D4673560B}"/>
+                </a:ext>
+              </a:extLst>
+            </p:cNvPr>
+            <p:cNvSpPr txBox="1"/>
+            <p:nvPr/>
+          </p:nvSpPr>
+          <p:spPr>
+            <a:xfrm>
+              <a:off x="1905000" y="4572000"/>
+              <a:ext cx="409086" cy="369332"/>
+            </a:xfrm>
+            <a:prstGeom prst="rect">
+              <a:avLst/>
+            </a:prstGeom>
+            <a:noFill/>
+          </p:spPr>
+          <p:txBody>
+            <a:bodyPr wrap="none" rtlCol="0">
+              <a:spAutoFit/>
+            </a:bodyPr>
+            <a:lstStyle/>
+            <a:p>
+              <a:r>
+                <a:rPr lang="en-US" dirty="0">
+                  <a:solidFill>
+                    <a:srgbClr val="FFFFFF"/>
+                  </a:solidFill>
+                </a:rPr>
+                <a:t>L</a:t>
+              </a:r>
+              <a:r>
+                <a:rPr lang="en-US" dirty="0">
+                  <a:solidFill>
+                    <a:srgbClr val="FFFFFF"/>
+                  </a:solidFill>
+                  <a:latin typeface="Symbol" pitchFamily="18" charset="2"/>
+                </a:rPr>
+                <a:t>b</a:t>
+              </a:r>
+              <a:endParaRPr lang="en-GB" dirty="0">
+                <a:solidFill>
+                  <a:srgbClr val="FFFFFF"/>
+                </a:solidFill>
+                <a:latin typeface="Symbol" pitchFamily="18" charset="2"/>
+              </a:endParaRPr>
+            </a:p>
+          </p:txBody>
+        </p:sp>
+        <p:sp>
+          <p:nvSpPr>
+            <p:cNvPr id="18" name="TextBox 17">
+              <a:extLst>
+                <a:ext uri="{FF2B5EF4-FFF2-40B4-BE49-F238E27FC236}">
+                  <a16:creationId xmlns:a16="http://schemas.microsoft.com/office/drawing/2014/main" id="{CF839AEA-F86A-4599-A890-4504E139F38E}"/>
+                </a:ext>
+              </a:extLst>
+            </p:cNvPr>
+            <p:cNvSpPr txBox="1"/>
+            <p:nvPr/>
+          </p:nvSpPr>
+          <p:spPr>
+            <a:xfrm>
+              <a:off x="1828800" y="5638800"/>
+              <a:ext cx="527709" cy="369332"/>
+            </a:xfrm>
+            <a:prstGeom prst="rect">
+              <a:avLst/>
+            </a:prstGeom>
+            <a:noFill/>
+          </p:spPr>
+          <p:txBody>
+            <a:bodyPr wrap="none" rtlCol="0">
+              <a:spAutoFit/>
+            </a:bodyPr>
+            <a:lstStyle/>
+            <a:p>
+              <a:r>
+                <a:rPr lang="en-US" dirty="0">
+                  <a:solidFill>
+                    <a:srgbClr val="FFFFFF"/>
+                  </a:solidFill>
+                </a:rPr>
+                <a:t>EBS</a:t>
+              </a:r>
+              <a:endParaRPr lang="en-GB" dirty="0">
+                <a:solidFill>
+                  <a:srgbClr val="FFFFFF"/>
+                </a:solidFill>
+                <a:latin typeface="Symbol" pitchFamily="18" charset="2"/>
+              </a:endParaRPr>
+            </a:p>
+          </p:txBody>
+        </p:sp>
+      </p:grpSp>
+    </p:spTree>
+    <p:extLst>
+      <p:ext uri="{BB962C8B-B14F-4D97-AF65-F5344CB8AC3E}">
+        <p14:creationId xmlns:p14="http://schemas.microsoft.com/office/powerpoint/2010/main" val="508874767"/>
+      </p:ext>
+    </p:extLst>
+  </p:cSld>
+  <p:clrMapOvr>
+    <a:masterClrMapping/>
+  </p:clrMapOvr>
+</p:sld>
+</file>
+
+<file path=ppt/slides/slide14.xml><?xml version="1.0" encoding="utf-8"?>
+<p:sld xmlns:a="http://schemas.openxmlformats.org/drawingml/2006/main" xmlns:r="http://schemas.openxmlformats.org/officeDocument/2006/relationships" xmlns:p="http://schemas.openxmlformats.org/presentationml/2006/main">
+  <p:cSld>
+    <p:spTree>
+      <p:nvGrpSpPr>
+        <p:cNvPr id="1" name=""/>
+        <p:cNvGrpSpPr/>
+        <p:nvPr/>
+      </p:nvGrpSpPr>
+      <p:grpSpPr>
+        <a:xfrm>
+          <a:off x="0" y="0"/>
+          <a:ext cx="0" cy="0"/>
+          <a:chOff x="0" y="0"/>
+          <a:chExt cx="0" cy="0"/>
+        </a:xfrm>
+      </p:grpSpPr>
+      <p:sp>
+        <p:nvSpPr>
+          <p:cNvPr id="2" name="Title 1"/>
+          <p:cNvSpPr>
+            <a:spLocks noGrp="1"/>
+          </p:cNvSpPr>
+          <p:nvPr>
+            <p:ph type="title"/>
+          </p:nvPr>
+        </p:nvSpPr>
+        <p:spPr/>
+        <p:txBody>
+          <a:bodyPr/>
+          <a:lstStyle/>
+          <a:p>
+            <a:r>
+              <a:rPr lang="en-US" sz="1800" dirty="0"/>
+              <a:t>FRESNEL DIFFRACTION</a:t>
+            </a:r>
+            <a:endParaRPr lang="en-GB" sz="1800" cap="none" dirty="0"/>
+          </a:p>
+        </p:txBody>
+      </p:sp>
+      <p:sp>
+        <p:nvSpPr>
+          <p:cNvPr id="6" name="Slide Number Placeholder 5"/>
+          <p:cNvSpPr>
+            <a:spLocks noGrp="1"/>
+          </p:cNvSpPr>
+          <p:nvPr>
+            <p:ph type="sldNum" sz="quarter" idx="15"/>
+          </p:nvPr>
+        </p:nvSpPr>
+        <p:spPr/>
+        <p:txBody>
+          <a:bodyPr/>
+          <a:lstStyle/>
+          <a:p>
+            <a:r>
+              <a:rPr lang="en-US" noProof="0"/>
+              <a:t>Page </a:t>
+            </a:r>
+            <a:fld id="{733122C9-A0B9-462F-8757-0847AD287B63}" type="slidenum">
+              <a:rPr lang="en-US" noProof="0" smtClean="0"/>
+              <a:pPr/>
+              <a:t>14</a:t>
+            </a:fld>
+            <a:endParaRPr lang="en-US" noProof="0"/>
+          </a:p>
+        </p:txBody>
+      </p:sp>
+      <p:sp>
+        <p:nvSpPr>
+          <p:cNvPr id="7" name="Footer Placeholder 6"/>
+          <p:cNvSpPr>
+            <a:spLocks noGrp="1"/>
+          </p:cNvSpPr>
+          <p:nvPr>
+            <p:ph type="ftr" sz="quarter" idx="16"/>
+          </p:nvPr>
+        </p:nvSpPr>
+        <p:spPr/>
+        <p:txBody>
+          <a:bodyPr/>
+          <a:lstStyle/>
+          <a:p>
+            <a:r>
+              <a:rPr lang="en-US" noProof="0"/>
+              <a:t>OASYS-Coherence transport | HERCULES2022</a:t>
+            </a:r>
+            <a:endParaRPr lang="en-US" noProof="0" dirty="0"/>
+          </a:p>
+        </p:txBody>
+      </p:sp>
+      <p:sp>
+        <p:nvSpPr>
+          <p:cNvPr id="22" name="Rectangle 21">
+            <a:extLst>
+              <a:ext uri="{FF2B5EF4-FFF2-40B4-BE49-F238E27FC236}">
+                <a16:creationId xmlns:a16="http://schemas.microsoft.com/office/drawing/2014/main" id="{9659CA31-3DD9-4093-BE32-2245845A459D}"/>
+              </a:ext>
+            </a:extLst>
+          </p:cNvPr>
+          <p:cNvSpPr/>
+          <p:nvPr/>
+        </p:nvSpPr>
+        <p:spPr>
+          <a:xfrm>
+            <a:off x="762000" y="2032000"/>
+            <a:ext cx="1079500" cy="1778000"/>
+          </a:xfrm>
+          <a:prstGeom prst="rect">
+            <a:avLst/>
+          </a:prstGeom>
+          <a:solidFill>
+            <a:schemeClr val="bg1"/>
+          </a:solidFill>
+          <a:ln>
+            <a:noFill/>
+          </a:ln>
+        </p:spPr>
+        <p:style>
+          <a:lnRef idx="2">
+            <a:schemeClr val="accent1">
+              <a:shade val="50000"/>
+            </a:schemeClr>
+          </a:lnRef>
+          <a:fillRef idx="1">
+            <a:schemeClr val="accent1"/>
+          </a:fillRef>
+          <a:effectRef idx="0">
+            <a:schemeClr val="accent1"/>
+          </a:effectRef>
+          <a:fontRef idx="minor">
+            <a:schemeClr val="lt1"/>
+          </a:fontRef>
+        </p:style>
+        <p:txBody>
+          <a:bodyPr rtlCol="0" anchor="ctr"/>
+          <a:lstStyle/>
+          <a:p>
+            <a:pPr algn="ctr"/>
+            <a:endParaRPr lang="en-US" sz="1500"/>
+          </a:p>
+        </p:txBody>
+      </p:sp>
+      <p:pic>
+        <p:nvPicPr>
+          <p:cNvPr id="8" name="Picture 2" descr="http://upload.wikimedia.org/wikipedia/commons/thumb/a/a2/Diffraction_geometry.svg/350px-Diffraction_geometry.svg.png">
+            <a:extLst>
+              <a:ext uri="{FF2B5EF4-FFF2-40B4-BE49-F238E27FC236}">
+                <a16:creationId xmlns:a16="http://schemas.microsoft.com/office/drawing/2014/main" id="{2A29B348-6DFB-4FB5-AE20-44419375DE51}"/>
+              </a:ext>
+            </a:extLst>
+          </p:cNvPr>
+          <p:cNvPicPr>
+            <a:picLocks noChangeAspect="1" noChangeArrowheads="1"/>
+          </p:cNvPicPr>
+          <p:nvPr/>
+        </p:nvPicPr>
+        <p:blipFill>
+          <a:blip r:embed="rId2" cstate="print"/>
+          <a:srcRect/>
+          <a:stretch>
+            <a:fillRect/>
+          </a:stretch>
+        </p:blipFill>
+        <p:spPr bwMode="auto">
+          <a:xfrm>
+            <a:off x="685800" y="899312"/>
+            <a:ext cx="3026472" cy="1980178"/>
+          </a:xfrm>
+          <a:prstGeom prst="rect">
+            <a:avLst/>
+          </a:prstGeom>
+          <a:noFill/>
+        </p:spPr>
+      </p:pic>
+      <p:pic>
+        <p:nvPicPr>
+          <p:cNvPr id="10" name="Picture 1">
+            <a:extLst>
+              <a:ext uri="{FF2B5EF4-FFF2-40B4-BE49-F238E27FC236}">
+                <a16:creationId xmlns:a16="http://schemas.microsoft.com/office/drawing/2014/main" id="{E7F50CCC-BF69-4C7A-A92A-81406E2BC792}"/>
+              </a:ext>
+            </a:extLst>
+          </p:cNvPr>
+          <p:cNvPicPr>
+            <a:picLocks noChangeAspect="1" noChangeArrowheads="1"/>
+          </p:cNvPicPr>
+          <p:nvPr/>
+        </p:nvPicPr>
+        <p:blipFill>
+          <a:blip r:embed="rId3" cstate="print"/>
+          <a:srcRect/>
+          <a:stretch>
+            <a:fillRect/>
+          </a:stretch>
+        </p:blipFill>
+        <p:spPr bwMode="auto">
+          <a:xfrm>
+            <a:off x="3768090" y="827823"/>
+            <a:ext cx="2460094" cy="870830"/>
+          </a:xfrm>
+          <a:prstGeom prst="rect">
+            <a:avLst/>
+          </a:prstGeom>
+          <a:noFill/>
+          <a:ln w="9525">
+            <a:noFill/>
+            <a:miter lim="800000"/>
+            <a:headEnd/>
+            <a:tailEnd/>
+          </a:ln>
+        </p:spPr>
+      </p:pic>
+      <p:pic>
+        <p:nvPicPr>
+          <p:cNvPr id="11" name="Picture 2">
+            <a:extLst>
+              <a:ext uri="{FF2B5EF4-FFF2-40B4-BE49-F238E27FC236}">
+                <a16:creationId xmlns:a16="http://schemas.microsoft.com/office/drawing/2014/main" id="{FCCE4DE1-F1F3-426D-AED8-770C42B4694E}"/>
+              </a:ext>
+            </a:extLst>
+          </p:cNvPr>
+          <p:cNvPicPr>
+            <a:picLocks noChangeAspect="1" noChangeArrowheads="1"/>
+          </p:cNvPicPr>
+          <p:nvPr/>
+        </p:nvPicPr>
+        <p:blipFill>
+          <a:blip r:embed="rId4" cstate="print"/>
+          <a:srcRect/>
+          <a:stretch>
+            <a:fillRect/>
+          </a:stretch>
+        </p:blipFill>
+        <p:spPr bwMode="auto">
+          <a:xfrm>
+            <a:off x="3923928" y="1998923"/>
+            <a:ext cx="2216325" cy="759883"/>
+          </a:xfrm>
+          <a:prstGeom prst="rect">
+            <a:avLst/>
+          </a:prstGeom>
+          <a:noFill/>
+          <a:ln w="9525">
+            <a:noFill/>
+            <a:miter lim="800000"/>
+            <a:headEnd/>
+            <a:tailEnd/>
+          </a:ln>
+        </p:spPr>
+      </p:pic>
+      <p:pic>
+        <p:nvPicPr>
+          <p:cNvPr id="12" name="Picture 3">
+            <a:extLst>
+              <a:ext uri="{FF2B5EF4-FFF2-40B4-BE49-F238E27FC236}">
+                <a16:creationId xmlns:a16="http://schemas.microsoft.com/office/drawing/2014/main" id="{338C18A8-D40E-4DB2-99B6-D4ECE89464E8}"/>
+              </a:ext>
+            </a:extLst>
+          </p:cNvPr>
+          <p:cNvPicPr>
+            <a:picLocks noChangeAspect="1" noChangeArrowheads="1"/>
+          </p:cNvPicPr>
+          <p:nvPr/>
+        </p:nvPicPr>
+        <p:blipFill>
+          <a:blip r:embed="rId5" cstate="print"/>
+          <a:srcRect/>
+          <a:stretch>
+            <a:fillRect/>
+          </a:stretch>
+        </p:blipFill>
+        <p:spPr bwMode="auto">
+          <a:xfrm>
+            <a:off x="1322647" y="3146750"/>
+            <a:ext cx="6529536" cy="759882"/>
+          </a:xfrm>
+          <a:prstGeom prst="rect">
+            <a:avLst/>
+          </a:prstGeom>
+          <a:noFill/>
+          <a:ln w="9525">
+            <a:noFill/>
+            <a:miter lim="800000"/>
+            <a:headEnd/>
+            <a:tailEnd/>
+          </a:ln>
+        </p:spPr>
+      </p:pic>
+      <p:pic>
+        <p:nvPicPr>
+          <p:cNvPr id="13" name="Picture 4">
+            <a:extLst>
+              <a:ext uri="{FF2B5EF4-FFF2-40B4-BE49-F238E27FC236}">
+                <a16:creationId xmlns:a16="http://schemas.microsoft.com/office/drawing/2014/main" id="{B4E25A65-4ED2-4635-B746-67AF0989E44D}"/>
+              </a:ext>
+            </a:extLst>
+          </p:cNvPr>
+          <p:cNvPicPr>
+            <a:picLocks noChangeAspect="1" noChangeArrowheads="1"/>
+          </p:cNvPicPr>
+          <p:nvPr/>
+        </p:nvPicPr>
+        <p:blipFill>
+          <a:blip r:embed="rId6" cstate="print"/>
+          <a:srcRect/>
+          <a:stretch>
+            <a:fillRect/>
+          </a:stretch>
+        </p:blipFill>
+        <p:spPr bwMode="auto">
+          <a:xfrm>
+            <a:off x="970746" y="4275060"/>
+            <a:ext cx="7202507" cy="1313940"/>
+          </a:xfrm>
+          <a:prstGeom prst="rect">
+            <a:avLst/>
+          </a:prstGeom>
+          <a:noFill/>
+          <a:ln w="9525">
+            <a:noFill/>
+            <a:miter lim="800000"/>
+            <a:headEnd/>
+            <a:tailEnd/>
+          </a:ln>
+        </p:spPr>
+      </p:pic>
+      <p:sp>
+        <p:nvSpPr>
+          <p:cNvPr id="14" name="TextBox 13">
+            <a:extLst>
+              <a:ext uri="{FF2B5EF4-FFF2-40B4-BE49-F238E27FC236}">
+                <a16:creationId xmlns:a16="http://schemas.microsoft.com/office/drawing/2014/main" id="{D207E44B-EFC9-44D1-ACBB-512271C6BBEB}"/>
+              </a:ext>
+            </a:extLst>
+          </p:cNvPr>
+          <p:cNvSpPr txBox="1"/>
+          <p:nvPr/>
+        </p:nvSpPr>
+        <p:spPr>
+          <a:xfrm>
+            <a:off x="152400" y="3962400"/>
+            <a:ext cx="4663456" cy="307777"/>
+          </a:xfrm>
+          <a:prstGeom prst="rect">
+            <a:avLst/>
+          </a:prstGeom>
+          <a:noFill/>
+        </p:spPr>
+        <p:txBody>
+          <a:bodyPr wrap="none" rtlCol="0">
+            <a:spAutoFit/>
+          </a:bodyPr>
+          <a:lstStyle/>
+          <a:p>
+            <a:r>
+              <a:rPr lang="en-US" sz="1400" dirty="0"/>
+              <a:t>Numeric calculation: convolution with a </a:t>
+            </a:r>
+            <a:r>
+              <a:rPr lang="en-US" sz="1400" dirty="0">
+                <a:solidFill>
+                  <a:srgbClr val="3366FF"/>
+                </a:solidFill>
+              </a:rPr>
+              <a:t>Gaussian kernel </a:t>
+            </a:r>
+          </a:p>
+        </p:txBody>
+      </p:sp>
+      <p:sp>
+        <p:nvSpPr>
+          <p:cNvPr id="15" name="Rectangle 14">
+            <a:extLst>
+              <a:ext uri="{FF2B5EF4-FFF2-40B4-BE49-F238E27FC236}">
+                <a16:creationId xmlns:a16="http://schemas.microsoft.com/office/drawing/2014/main" id="{95D13E5A-7A20-4C9B-B1C6-2AA356C5F0F3}"/>
+              </a:ext>
+            </a:extLst>
+          </p:cNvPr>
+          <p:cNvSpPr/>
+          <p:nvPr/>
+        </p:nvSpPr>
+        <p:spPr>
+          <a:xfrm>
+            <a:off x="198001" y="4340558"/>
+            <a:ext cx="1688283" cy="338554"/>
+          </a:xfrm>
+          <a:prstGeom prst="rect">
+            <a:avLst/>
+          </a:prstGeom>
+        </p:spPr>
+        <p:txBody>
+          <a:bodyPr wrap="none">
+            <a:spAutoFit/>
+          </a:bodyPr>
+          <a:lstStyle/>
+          <a:p>
+            <a:pPr lvl="0"/>
+            <a:r>
+              <a:rPr lang="en-US" sz="1600" dirty="0">
+                <a:solidFill>
+                  <a:prstClr val="black"/>
+                </a:solidFill>
+              </a:rPr>
+              <a:t>CONVOLUTION</a:t>
+            </a:r>
+          </a:p>
+        </p:txBody>
+      </p:sp>
+      <p:pic>
+        <p:nvPicPr>
+          <p:cNvPr id="16" name="Picture 1">
+            <a:extLst>
+              <a:ext uri="{FF2B5EF4-FFF2-40B4-BE49-F238E27FC236}">
+                <a16:creationId xmlns:a16="http://schemas.microsoft.com/office/drawing/2014/main" id="{5689C95A-F385-4901-AC70-2270F918F369}"/>
+              </a:ext>
+            </a:extLst>
+          </p:cNvPr>
+          <p:cNvPicPr>
+            <a:picLocks noChangeAspect="1" noChangeArrowheads="1"/>
+          </p:cNvPicPr>
+          <p:nvPr/>
+        </p:nvPicPr>
+        <p:blipFill>
+          <a:blip r:embed="rId7" cstate="print"/>
+          <a:srcRect/>
+          <a:stretch>
+            <a:fillRect/>
+          </a:stretch>
+        </p:blipFill>
+        <p:spPr bwMode="auto">
+          <a:xfrm>
+            <a:off x="6371311" y="888118"/>
+            <a:ext cx="2355295" cy="1890700"/>
+          </a:xfrm>
+          <a:prstGeom prst="rect">
+            <a:avLst/>
+          </a:prstGeom>
+          <a:noFill/>
+          <a:ln w="9525">
+            <a:noFill/>
+            <a:miter lim="800000"/>
+            <a:headEnd/>
+            <a:tailEnd/>
+          </a:ln>
+        </p:spPr>
+      </p:pic>
+      <p:sp>
+        <p:nvSpPr>
+          <p:cNvPr id="17" name="Rectangle 16">
+            <a:extLst>
+              <a:ext uri="{FF2B5EF4-FFF2-40B4-BE49-F238E27FC236}">
+                <a16:creationId xmlns:a16="http://schemas.microsoft.com/office/drawing/2014/main" id="{9496954F-2902-43E6-83D5-E5540572C898}"/>
+              </a:ext>
+            </a:extLst>
+          </p:cNvPr>
+          <p:cNvSpPr/>
+          <p:nvPr/>
+        </p:nvSpPr>
+        <p:spPr>
+          <a:xfrm>
+            <a:off x="4271392" y="3200401"/>
+            <a:ext cx="2604864" cy="661328"/>
+          </a:xfrm>
+          <a:prstGeom prst="rect">
+            <a:avLst/>
+          </a:prstGeom>
+          <a:noFill/>
+        </p:spPr>
+        <p:style>
+          <a:lnRef idx="1">
+            <a:schemeClr val="accent1"/>
+          </a:lnRef>
+          <a:fillRef idx="3">
+            <a:schemeClr val="accent1"/>
+          </a:fillRef>
+          <a:effectRef idx="2">
+            <a:schemeClr val="accent1"/>
+          </a:effectRef>
+          <a:fontRef idx="minor">
+            <a:schemeClr val="lt1"/>
+          </a:fontRef>
+        </p:style>
+        <p:txBody>
+          <a:bodyPr rtlCol="0" anchor="ctr"/>
+          <a:lstStyle/>
+          <a:p>
+            <a:pPr algn="ctr"/>
+            <a:endParaRPr lang="en-US"/>
+          </a:p>
+        </p:txBody>
+      </p:sp>
+    </p:spTree>
+    <p:extLst>
+      <p:ext uri="{BB962C8B-B14F-4D97-AF65-F5344CB8AC3E}">
+        <p14:creationId xmlns:p14="http://schemas.microsoft.com/office/powerpoint/2010/main" val="2596588576"/>
+      </p:ext>
+    </p:extLst>
+  </p:cSld>
+  <p:clrMapOvr>
+    <a:masterClrMapping/>
+  </p:clrMapOvr>
+</p:sld>
+</file>
+
+<file path=ppt/slides/slide15.xml><?xml version="1.0" encoding="utf-8"?>
+<p:sld xmlns:a="http://schemas.openxmlformats.org/drawingml/2006/main" xmlns:r="http://schemas.openxmlformats.org/officeDocument/2006/relationships" xmlns:p="http://schemas.openxmlformats.org/presentationml/2006/main">
+  <p:cSld>
+    <p:spTree>
+      <p:nvGrpSpPr>
+        <p:cNvPr id="1" name=""/>
+        <p:cNvGrpSpPr/>
+        <p:nvPr/>
+      </p:nvGrpSpPr>
+      <p:grpSpPr>
+        <a:xfrm>
+          <a:off x="0" y="0"/>
+          <a:ext cx="0" cy="0"/>
+          <a:chOff x="0" y="0"/>
+          <a:chExt cx="0" cy="0"/>
+        </a:xfrm>
+      </p:grpSpPr>
+      <p:sp>
+        <p:nvSpPr>
+          <p:cNvPr id="2" name="Title 1"/>
+          <p:cNvSpPr>
+            <a:spLocks noGrp="1"/>
+          </p:cNvSpPr>
+          <p:nvPr>
+            <p:ph type="title"/>
+          </p:nvPr>
+        </p:nvSpPr>
+        <p:spPr/>
+        <p:txBody>
+          <a:bodyPr/>
+          <a:lstStyle/>
+          <a:p>
+            <a:r>
+              <a:rPr lang="en-US" sz="1800" dirty="0"/>
+              <a:t>TITLE</a:t>
+            </a:r>
+            <a:endParaRPr lang="en-GB" sz="1800" cap="none" dirty="0"/>
+          </a:p>
+        </p:txBody>
+      </p:sp>
+      <p:sp>
+        <p:nvSpPr>
+          <p:cNvPr id="6" name="Slide Number Placeholder 5"/>
+          <p:cNvSpPr>
+            <a:spLocks noGrp="1"/>
+          </p:cNvSpPr>
+          <p:nvPr>
+            <p:ph type="sldNum" sz="quarter" idx="15"/>
+          </p:nvPr>
+        </p:nvSpPr>
+        <p:spPr/>
+        <p:txBody>
+          <a:bodyPr/>
+          <a:lstStyle/>
+          <a:p>
+            <a:r>
+              <a:rPr lang="en-US" noProof="0"/>
+              <a:t>Page </a:t>
+            </a:r>
+            <a:fld id="{733122C9-A0B9-462F-8757-0847AD287B63}" type="slidenum">
+              <a:rPr lang="en-US" noProof="0" smtClean="0"/>
+              <a:pPr/>
+              <a:t>15</a:t>
+            </a:fld>
+            <a:endParaRPr lang="en-US" noProof="0"/>
+          </a:p>
+        </p:txBody>
+      </p:sp>
+      <p:sp>
+        <p:nvSpPr>
+          <p:cNvPr id="7" name="Footer Placeholder 6"/>
+          <p:cNvSpPr>
+            <a:spLocks noGrp="1"/>
+          </p:cNvSpPr>
+          <p:nvPr>
+            <p:ph type="ftr" sz="quarter" idx="16"/>
+          </p:nvPr>
+        </p:nvSpPr>
+        <p:spPr/>
+        <p:txBody>
+          <a:bodyPr/>
+          <a:lstStyle/>
+          <a:p>
+            <a:r>
+              <a:rPr lang="en-US" noProof="0"/>
+              <a:t>OASYS-Coherence transport | HERCULES2022</a:t>
+            </a:r>
+            <a:endParaRPr lang="en-US" noProof="0" dirty="0"/>
+          </a:p>
+        </p:txBody>
+      </p:sp>
+      <p:sp>
+        <p:nvSpPr>
+          <p:cNvPr id="22" name="Rectangle 21">
+            <a:extLst>
+              <a:ext uri="{FF2B5EF4-FFF2-40B4-BE49-F238E27FC236}">
+                <a16:creationId xmlns:a16="http://schemas.microsoft.com/office/drawing/2014/main" id="{9659CA31-3DD9-4093-BE32-2245845A459D}"/>
+              </a:ext>
+            </a:extLst>
+          </p:cNvPr>
+          <p:cNvSpPr/>
+          <p:nvPr/>
+        </p:nvSpPr>
+        <p:spPr>
+          <a:xfrm>
+            <a:off x="762000" y="2032000"/>
+            <a:ext cx="1079500" cy="1778000"/>
+          </a:xfrm>
+          <a:prstGeom prst="rect">
+            <a:avLst/>
+          </a:prstGeom>
+          <a:solidFill>
+            <a:schemeClr val="bg1"/>
+          </a:solidFill>
+          <a:ln>
+            <a:noFill/>
+          </a:ln>
+        </p:spPr>
+        <p:style>
+          <a:lnRef idx="2">
+            <a:schemeClr val="accent1">
+              <a:shade val="50000"/>
+            </a:schemeClr>
+          </a:lnRef>
+          <a:fillRef idx="1">
+            <a:schemeClr val="accent1"/>
+          </a:fillRef>
+          <a:effectRef idx="0">
+            <a:schemeClr val="accent1"/>
+          </a:effectRef>
+          <a:fontRef idx="minor">
+            <a:schemeClr val="lt1"/>
+          </a:fontRef>
+        </p:style>
+        <p:txBody>
+          <a:bodyPr rtlCol="0" anchor="ctr"/>
+          <a:lstStyle/>
+          <a:p>
+            <a:pPr algn="ctr"/>
+            <a:endParaRPr lang="en-US" sz="1500"/>
+          </a:p>
+        </p:txBody>
+      </p:sp>
+    </p:spTree>
+    <p:extLst>
+      <p:ext uri="{BB962C8B-B14F-4D97-AF65-F5344CB8AC3E}">
+        <p14:creationId xmlns:p14="http://schemas.microsoft.com/office/powerpoint/2010/main" val="4209754338"/>
+      </p:ext>
+    </p:extLst>
+  </p:cSld>
+  <p:clrMapOvr>
+    <a:masterClrMapping/>
+  </p:clrMapOvr>
+</p:sld>
+</file>
+
 <file path=ppt/slides/slide2.xml><?xml version="1.0" encoding="utf-8"?>
 <p:sld xmlns:a="http://schemas.openxmlformats.org/drawingml/2006/main" xmlns:r="http://schemas.openxmlformats.org/officeDocument/2006/relationships" xmlns:p="http://schemas.openxmlformats.org/presentationml/2006/main">
   <p:cSld>
@@ -2270,7 +6334,7 @@
           <a:p>
             <a:r>
               <a:rPr lang="en-GB" sz="833"/>
-              <a:t>OASYS-Power transport | HERCULES2022</a:t>
+              <a:t>OASYS-Coherence transport | HERCULES2022</a:t>
             </a:r>
             <a:endParaRPr lang="fr-FR" sz="833" dirty="0"/>
           </a:p>
@@ -2571,7 +6635,7 @@
           <a:p>
             <a:r>
               <a:rPr lang="en-US" noProof="0"/>
-              <a:t>OASYS-Power transport | HERCULES2022</a:t>
+              <a:t>OASYS-Coherence transport | HERCULES2022</a:t>
             </a:r>
           </a:p>
         </p:txBody>
@@ -2964,7 +7028,7 @@
           <a:p>
             <a:r>
               <a:rPr lang="en-US" noProof="0"/>
-              <a:t>OASYS-Power transport | HERCULES2022</a:t>
+              <a:t>OASYS-Coherence transport | HERCULES2022</a:t>
             </a:r>
           </a:p>
         </p:txBody>
@@ -3610,6 +7674,124 @@
               <a:t>Ray tracing</a:t>
             </a:r>
             <a:endParaRPr lang="en-GB" dirty="0"/>
+          </a:p>
+        </p:txBody>
+      </p:sp>
+      <p:cxnSp>
+        <p:nvCxnSpPr>
+          <p:cNvPr id="8" name="Straight Arrow Connector 7">
+            <a:extLst>
+              <a:ext uri="{FF2B5EF4-FFF2-40B4-BE49-F238E27FC236}">
+                <a16:creationId xmlns:a16="http://schemas.microsoft.com/office/drawing/2014/main" id="{5BCD09E3-D160-4AF0-BCDE-243652EFBFC2}"/>
+              </a:ext>
+            </a:extLst>
+          </p:cNvPr>
+          <p:cNvCxnSpPr>
+            <a:cxnSpLocks/>
+          </p:cNvCxnSpPr>
+          <p:nvPr/>
+        </p:nvCxnSpPr>
+        <p:spPr>
+          <a:xfrm>
+            <a:off x="35496" y="1273324"/>
+            <a:ext cx="323880" cy="0"/>
+          </a:xfrm>
+          <a:prstGeom prst="straightConnector1">
+            <a:avLst/>
+          </a:prstGeom>
+          <a:ln>
+            <a:tailEnd type="triangle"/>
+          </a:ln>
+        </p:spPr>
+        <p:style>
+          <a:lnRef idx="1">
+            <a:schemeClr val="accent1"/>
+          </a:lnRef>
+          <a:fillRef idx="0">
+            <a:schemeClr val="accent1"/>
+          </a:fillRef>
+          <a:effectRef idx="0">
+            <a:schemeClr val="accent1"/>
+          </a:effectRef>
+          <a:fontRef idx="minor">
+            <a:schemeClr val="tx1"/>
+          </a:fontRef>
+        </p:style>
+      </p:cxnSp>
+      <p:cxnSp>
+        <p:nvCxnSpPr>
+          <p:cNvPr id="27" name="Straight Arrow Connector 26">
+            <a:extLst>
+              <a:ext uri="{FF2B5EF4-FFF2-40B4-BE49-F238E27FC236}">
+                <a16:creationId xmlns:a16="http://schemas.microsoft.com/office/drawing/2014/main" id="{B71FE4DD-7C14-4E98-9E7E-5AA97414588C}"/>
+              </a:ext>
+            </a:extLst>
+          </p:cNvPr>
+          <p:cNvCxnSpPr>
+            <a:cxnSpLocks/>
+          </p:cNvCxnSpPr>
+          <p:nvPr/>
+        </p:nvCxnSpPr>
+        <p:spPr>
+          <a:xfrm>
+            <a:off x="28088" y="1659214"/>
+            <a:ext cx="323880" cy="0"/>
+          </a:xfrm>
+          <a:prstGeom prst="straightConnector1">
+            <a:avLst/>
+          </a:prstGeom>
+          <a:ln>
+            <a:tailEnd type="triangle"/>
+          </a:ln>
+        </p:spPr>
+        <p:style>
+          <a:lnRef idx="1">
+            <a:schemeClr val="accent1"/>
+          </a:lnRef>
+          <a:fillRef idx="0">
+            <a:schemeClr val="accent1"/>
+          </a:fillRef>
+          <a:effectRef idx="0">
+            <a:schemeClr val="accent1"/>
+          </a:effectRef>
+          <a:fontRef idx="minor">
+            <a:schemeClr val="tx1"/>
+          </a:fontRef>
+        </p:style>
+      </p:cxnSp>
+      <p:sp>
+        <p:nvSpPr>
+          <p:cNvPr id="11" name="TextBox 10">
+            <a:extLst>
+              <a:ext uri="{FF2B5EF4-FFF2-40B4-BE49-F238E27FC236}">
+                <a16:creationId xmlns:a16="http://schemas.microsoft.com/office/drawing/2014/main" id="{1002DE93-9076-4284-9A38-0BB72CFEB9FC}"/>
+              </a:ext>
+            </a:extLst>
+          </p:cNvPr>
+          <p:cNvSpPr txBox="1"/>
+          <p:nvPr/>
+        </p:nvSpPr>
+        <p:spPr>
+          <a:xfrm>
+            <a:off x="35496" y="2913824"/>
+            <a:ext cx="803425" cy="261610"/>
+          </a:xfrm>
+          <a:prstGeom prst="rect">
+            <a:avLst/>
+          </a:prstGeom>
+          <a:noFill/>
+        </p:spPr>
+        <p:txBody>
+          <a:bodyPr wrap="none" rtlCol="0">
+            <a:spAutoFit/>
+          </a:bodyPr>
+          <a:lstStyle/>
+          <a:p>
+            <a:r>
+              <a:rPr lang="en-US" sz="1100" dirty="0"/>
+              <a:t>MODEL 1</a:t>
+            </a:r>
+            <a:endParaRPr lang="en-GB" sz="1100" dirty="0"/>
           </a:p>
         </p:txBody>
       </p:sp>
@@ -3710,323 +7892,71 @@
           <a:lstStyle/>
           <a:p>
             <a:r>
-              <a:rPr lang="en-US" noProof="0" dirty="0"/>
-              <a:t>OASYS-Power transport | HERCULES2022</a:t>
-            </a:r>
-          </a:p>
-        </p:txBody>
-      </p:sp>
-      <p:sp>
-        <p:nvSpPr>
-          <p:cNvPr id="16" name="Rectangle 27">
-            <a:extLst>
-              <a:ext uri="{FF2B5EF4-FFF2-40B4-BE49-F238E27FC236}">
-                <a16:creationId xmlns:a16="http://schemas.microsoft.com/office/drawing/2014/main" id="{8D6A3A4A-9FBD-4F82-BC84-1EF743251050}"/>
-              </a:ext>
-            </a:extLst>
-          </p:cNvPr>
-          <p:cNvSpPr>
-            <a:spLocks noChangeArrowheads="1"/>
-          </p:cNvSpPr>
-          <p:nvPr/>
-        </p:nvSpPr>
-        <p:spPr bwMode="auto">
-          <a:xfrm>
-            <a:off x="889000" y="598264"/>
-            <a:ext cx="4635500" cy="4635500"/>
+              <a:rPr lang="en-US" noProof="0"/>
+              <a:t>OASYS-Coherence transport | HERCULES2022</a:t>
+            </a:r>
+            <a:endParaRPr lang="en-US" noProof="0" dirty="0"/>
+          </a:p>
+        </p:txBody>
+      </p:sp>
+      <p:sp>
+        <p:nvSpPr>
+          <p:cNvPr id="30" name="Rectangle 29">
+            <a:extLst>
+              <a:ext uri="{FF2B5EF4-FFF2-40B4-BE49-F238E27FC236}">
+                <a16:creationId xmlns:a16="http://schemas.microsoft.com/office/drawing/2014/main" id="{842CE804-E645-4A7D-BF0D-59B413A6B2F0}"/>
+              </a:ext>
+            </a:extLst>
+          </p:cNvPr>
+          <p:cNvSpPr/>
+          <p:nvPr/>
+        </p:nvSpPr>
+        <p:spPr>
+          <a:xfrm>
+            <a:off x="2476500" y="2540000"/>
+            <a:ext cx="2413000" cy="317500"/>
           </a:xfrm>
           <a:prstGeom prst="rect">
             <a:avLst/>
           </a:prstGeom>
-          <a:noFill/>
-          <a:ln w="9525">
+          <a:solidFill>
+            <a:schemeClr val="bg1"/>
+          </a:solidFill>
+          <a:ln>
             <a:noFill/>
-            <a:miter lim="800000"/>
-            <a:headEnd/>
-            <a:tailEnd/>
           </a:ln>
         </p:spPr>
-        <p:txBody>
-          <a:bodyPr/>
-          <a:lstStyle/>
-          <a:p>
-            <a:pPr>
-              <a:spcBef>
-                <a:spcPct val="20000"/>
-              </a:spcBef>
-            </a:pPr>
-            <a:r>
-              <a:rPr lang="en-US" sz="1167" b="1" dirty="0">
-                <a:solidFill>
-                  <a:srgbClr val="FF0000"/>
-                </a:solidFill>
-                <a:latin typeface="Helvetica" charset="0"/>
-              </a:rPr>
-              <a:t>Starting with TWO well defined (thus coherent) waves with THE SAME intensity:</a:t>
-            </a:r>
-            <a:r>
-              <a:rPr lang="en-US" sz="1167" b="1" dirty="0">
-                <a:solidFill>
-                  <a:srgbClr val="008000"/>
-                </a:solidFill>
-                <a:latin typeface="Helvetica" charset="0"/>
-              </a:rPr>
-              <a:t> </a:t>
-            </a:r>
-          </a:p>
-          <a:p>
-            <a:pPr>
-              <a:spcBef>
-                <a:spcPct val="20000"/>
-              </a:spcBef>
-            </a:pPr>
-            <a:endParaRPr lang="en-US" sz="1167" b="1" dirty="0">
-              <a:solidFill>
-                <a:srgbClr val="008000"/>
-              </a:solidFill>
-              <a:latin typeface="Helvetica" charset="0"/>
-            </a:endParaRPr>
-          </a:p>
-          <a:p>
-            <a:pPr>
-              <a:spcBef>
-                <a:spcPct val="20000"/>
-              </a:spcBef>
-            </a:pPr>
-            <a:r>
-              <a:rPr lang="en-US" sz="1667" b="1" dirty="0">
-                <a:solidFill>
-                  <a:srgbClr val="008000"/>
-                </a:solidFill>
-                <a:latin typeface="Helvetica" pitchFamily="34" charset="0"/>
-                <a:cs typeface="Helvetica" pitchFamily="34" charset="0"/>
-              </a:rPr>
-              <a:t>LONGITUDINAL (TEMPORAL) COHERENCE LENGTH L</a:t>
-            </a:r>
-            <a:r>
-              <a:rPr lang="en-US" sz="1667" b="1" baseline="-25000" dirty="0">
-                <a:solidFill>
-                  <a:srgbClr val="008000"/>
-                </a:solidFill>
-                <a:latin typeface="Helvetica" pitchFamily="34" charset="0"/>
-                <a:cs typeface="Helvetica" pitchFamily="34" charset="0"/>
-              </a:rPr>
-              <a:t>L</a:t>
-            </a:r>
-          </a:p>
-          <a:p>
-            <a:pPr>
-              <a:spcBef>
-                <a:spcPct val="20000"/>
-              </a:spcBef>
-            </a:pPr>
-            <a:r>
-              <a:rPr lang="en-US" sz="1333" b="1" dirty="0">
-                <a:solidFill>
-                  <a:srgbClr val="008000"/>
-                </a:solidFill>
-                <a:latin typeface="Helvetica" pitchFamily="34" charset="0"/>
-                <a:cs typeface="Helvetica" pitchFamily="34" charset="0"/>
-              </a:rPr>
-              <a:t>Distance over which two waves from the same source point with slightly different wavelengths will completely </a:t>
-            </a:r>
-            <a:r>
-              <a:rPr lang="en-US" sz="1333" b="1" dirty="0" err="1">
-                <a:solidFill>
-                  <a:srgbClr val="008000"/>
-                </a:solidFill>
-                <a:latin typeface="Helvetica" pitchFamily="34" charset="0"/>
-                <a:cs typeface="Helvetica" pitchFamily="34" charset="0"/>
-              </a:rPr>
-              <a:t>dephase</a:t>
-            </a:r>
-            <a:r>
-              <a:rPr lang="en-US" sz="1333" b="1" dirty="0">
-                <a:solidFill>
-                  <a:srgbClr val="008000"/>
-                </a:solidFill>
-                <a:latin typeface="Helvetica" pitchFamily="34" charset="0"/>
-                <a:cs typeface="Helvetica" pitchFamily="34" charset="0"/>
-              </a:rPr>
-              <a:t>.</a:t>
-            </a:r>
-            <a:endParaRPr lang="en-US" sz="1167" b="1" dirty="0">
-              <a:solidFill>
-                <a:srgbClr val="008000"/>
-              </a:solidFill>
-              <a:latin typeface="Helvetica" pitchFamily="34" charset="0"/>
-              <a:cs typeface="Helvetica" pitchFamily="34" charset="0"/>
-            </a:endParaRPr>
-          </a:p>
-          <a:p>
-            <a:pPr>
-              <a:spcBef>
-                <a:spcPct val="20000"/>
-              </a:spcBef>
-            </a:pPr>
-            <a:endParaRPr lang="en-US" sz="1167" b="1" dirty="0">
-              <a:solidFill>
-                <a:srgbClr val="008000"/>
-              </a:solidFill>
-              <a:latin typeface="Helvetica" pitchFamily="34" charset="0"/>
-              <a:cs typeface="Helvetica" pitchFamily="34" charset="0"/>
-            </a:endParaRPr>
-          </a:p>
-          <a:p>
-            <a:pPr>
-              <a:spcBef>
-                <a:spcPct val="20000"/>
-              </a:spcBef>
-            </a:pPr>
-            <a:endParaRPr lang="en-US" sz="1167" b="1" dirty="0">
-              <a:solidFill>
-                <a:srgbClr val="008000"/>
-              </a:solidFill>
-              <a:latin typeface="Helvetica" pitchFamily="34" charset="0"/>
-              <a:cs typeface="Helvetica" pitchFamily="34" charset="0"/>
-            </a:endParaRPr>
-          </a:p>
-          <a:p>
-            <a:pPr>
-              <a:spcBef>
-                <a:spcPct val="20000"/>
-              </a:spcBef>
-            </a:pPr>
-            <a:endParaRPr lang="en-US" sz="1167" b="1" dirty="0">
-              <a:solidFill>
-                <a:srgbClr val="008000"/>
-              </a:solidFill>
-              <a:latin typeface="Helvetica" pitchFamily="34" charset="0"/>
-              <a:cs typeface="Helvetica" pitchFamily="34" charset="0"/>
-            </a:endParaRPr>
-          </a:p>
-          <a:p>
-            <a:pPr>
-              <a:spcBef>
-                <a:spcPct val="20000"/>
-              </a:spcBef>
-            </a:pPr>
-            <a:endParaRPr lang="en-US" sz="1167" b="1" dirty="0">
-              <a:solidFill>
-                <a:srgbClr val="008000"/>
-              </a:solidFill>
-              <a:latin typeface="Helvetica" pitchFamily="34" charset="0"/>
-              <a:cs typeface="Helvetica" pitchFamily="34" charset="0"/>
-            </a:endParaRPr>
-          </a:p>
-          <a:p>
-            <a:pPr>
-              <a:spcBef>
-                <a:spcPct val="20000"/>
-              </a:spcBef>
-            </a:pPr>
-            <a:endParaRPr lang="en-US" sz="1167" b="1" dirty="0">
-              <a:solidFill>
-                <a:srgbClr val="008000"/>
-              </a:solidFill>
-              <a:latin typeface="Helvetica" pitchFamily="34" charset="0"/>
-              <a:cs typeface="Helvetica" pitchFamily="34" charset="0"/>
-            </a:endParaRPr>
-          </a:p>
-          <a:p>
-            <a:pPr>
-              <a:spcBef>
-                <a:spcPct val="20000"/>
-              </a:spcBef>
-            </a:pPr>
-            <a:br>
-              <a:rPr lang="en-US" sz="1000" b="1" dirty="0">
-                <a:solidFill>
-                  <a:srgbClr val="008000"/>
-                </a:solidFill>
-                <a:latin typeface="Helvetica" charset="0"/>
-              </a:rPr>
-            </a:br>
-            <a:r>
-              <a:rPr lang="en-US" sz="1667" b="1" dirty="0">
-                <a:solidFill>
-                  <a:srgbClr val="0070C0"/>
-                </a:solidFill>
-                <a:latin typeface="Helvetica" charset="0"/>
-              </a:rPr>
-              <a:t>TRANSVERSE COHERENCE LENGTH L</a:t>
-            </a:r>
-            <a:r>
-              <a:rPr lang="en-US" sz="1667" b="1" baseline="-25000" dirty="0">
-                <a:solidFill>
-                  <a:srgbClr val="0070C0"/>
-                </a:solidFill>
-                <a:latin typeface="Helvetica" charset="0"/>
-              </a:rPr>
-              <a:t>T</a:t>
-            </a:r>
-            <a:endParaRPr lang="en-US" sz="1667" b="1" dirty="0">
-              <a:solidFill>
-                <a:srgbClr val="0070C0"/>
-              </a:solidFill>
-              <a:latin typeface="Helvetica" charset="0"/>
-            </a:endParaRPr>
-          </a:p>
-          <a:p>
-            <a:pPr>
-              <a:spcBef>
-                <a:spcPct val="20000"/>
-              </a:spcBef>
-            </a:pPr>
-            <a:r>
-              <a:rPr lang="en-US" sz="1333" b="1" dirty="0">
-                <a:solidFill>
-                  <a:srgbClr val="0070C0"/>
-                </a:solidFill>
-                <a:latin typeface="Helvetica" charset="0"/>
-              </a:rPr>
-              <a:t>The lateral distance along a </a:t>
-            </a:r>
-            <a:r>
-              <a:rPr lang="en-US" sz="1333" b="1" dirty="0" err="1">
-                <a:solidFill>
-                  <a:srgbClr val="0070C0"/>
-                </a:solidFill>
-                <a:latin typeface="Helvetica" charset="0"/>
-              </a:rPr>
-              <a:t>wavefront</a:t>
-            </a:r>
-            <a:r>
-              <a:rPr lang="en-US" sz="1333" b="1" dirty="0">
-                <a:solidFill>
-                  <a:srgbClr val="0070C0"/>
-                </a:solidFill>
-                <a:latin typeface="Helvetica" charset="0"/>
-              </a:rPr>
-              <a:t> over which there is a complete </a:t>
-            </a:r>
-            <a:r>
-              <a:rPr lang="en-US" sz="1333" b="1" dirty="0" err="1">
-                <a:solidFill>
-                  <a:srgbClr val="0070C0"/>
-                </a:solidFill>
-                <a:latin typeface="Helvetica" charset="0"/>
-              </a:rPr>
-              <a:t>dephasing</a:t>
-            </a:r>
-            <a:r>
-              <a:rPr lang="en-US" sz="1333" b="1" dirty="0">
-                <a:solidFill>
-                  <a:srgbClr val="0070C0"/>
-                </a:solidFill>
-                <a:latin typeface="Helvetica" charset="0"/>
-              </a:rPr>
-              <a:t> between two waves of the same wavelength, which originate from two separate points in space</a:t>
-            </a:r>
+        <p:style>
+          <a:lnRef idx="2">
+            <a:schemeClr val="accent1">
+              <a:shade val="50000"/>
+            </a:schemeClr>
+          </a:lnRef>
+          <a:fillRef idx="1">
+            <a:schemeClr val="accent1"/>
+          </a:fillRef>
+          <a:effectRef idx="0">
+            <a:schemeClr val="accent1"/>
+          </a:effectRef>
+          <a:fontRef idx="minor">
+            <a:schemeClr val="lt1"/>
+          </a:fontRef>
+        </p:style>
+        <p:txBody>
+          <a:bodyPr rtlCol="0" anchor="ctr"/>
+          <a:lstStyle/>
+          <a:p>
+            <a:pPr algn="ctr"/>
+            <a:endParaRPr lang="en-US" sz="1500"/>
           </a:p>
         </p:txBody>
       </p:sp>
       <p:pic>
         <p:nvPicPr>
-          <p:cNvPr id="17" name="Picture 3">
-            <a:extLst>
-              <a:ext uri="{FF2B5EF4-FFF2-40B4-BE49-F238E27FC236}">
-                <a16:creationId xmlns:a16="http://schemas.microsoft.com/office/drawing/2014/main" id="{20EDBAF8-0502-4741-A8EA-B47E70DA892D}"/>
+          <p:cNvPr id="8" name="Picture 3">
+            <a:extLst>
+              <a:ext uri="{FF2B5EF4-FFF2-40B4-BE49-F238E27FC236}">
+                <a16:creationId xmlns:a16="http://schemas.microsoft.com/office/drawing/2014/main" id="{54B2F0D2-6BA5-4DDC-8A4F-D592CB127AC9}"/>
               </a:ext>
             </a:extLst>
           </p:cNvPr>
@@ -4044,7 +7974,7 @@
         </p:blipFill>
         <p:spPr bwMode="auto">
           <a:xfrm>
-            <a:off x="6286500" y="1023571"/>
+            <a:off x="5747981" y="1034593"/>
             <a:ext cx="2286000" cy="2081623"/>
           </a:xfrm>
           <a:prstGeom prst="rect">
@@ -4059,88 +7989,12 @@
           </a:ln>
         </p:spPr>
       </p:pic>
-      <p:pic>
-        <p:nvPicPr>
-          <p:cNvPr id="20" name="Picture 5">
-            <a:extLst>
-              <a:ext uri="{FF2B5EF4-FFF2-40B4-BE49-F238E27FC236}">
-                <a16:creationId xmlns:a16="http://schemas.microsoft.com/office/drawing/2014/main" id="{3BC48358-F23D-4FA7-B86B-6E4DF6FF0750}"/>
-              </a:ext>
-            </a:extLst>
-          </p:cNvPr>
-          <p:cNvPicPr>
-            <a:picLocks noChangeAspect="1" noChangeArrowheads="1"/>
-          </p:cNvPicPr>
-          <p:nvPr/>
-        </p:nvPicPr>
-        <p:blipFill>
-          <a:blip r:embed="rId3" cstate="print"/>
-          <a:srcRect/>
-          <a:stretch>
-            <a:fillRect/>
-          </a:stretch>
-        </p:blipFill>
-        <p:spPr bwMode="auto">
-          <a:xfrm>
-            <a:off x="5461001" y="3365500"/>
-            <a:ext cx="2919814" cy="1524000"/>
-          </a:xfrm>
-          <a:prstGeom prst="rect">
-            <a:avLst/>
-          </a:prstGeom>
-          <a:noFill/>
-          <a:ln w="9525">
-            <a:noFill/>
-            <a:miter lim="800000"/>
-            <a:headEnd/>
-            <a:tailEnd/>
-          </a:ln>
-        </p:spPr>
-      </p:pic>
-      <p:pic>
-        <p:nvPicPr>
-          <p:cNvPr id="25" name="Picture 6">
-            <a:extLst>
-              <a:ext uri="{FF2B5EF4-FFF2-40B4-BE49-F238E27FC236}">
-                <a16:creationId xmlns:a16="http://schemas.microsoft.com/office/drawing/2014/main" id="{CD60F8C0-981E-403B-8E55-7F5E908C1F4F}"/>
-              </a:ext>
-            </a:extLst>
-          </p:cNvPr>
-          <p:cNvPicPr>
-            <a:picLocks noChangeAspect="1" noChangeArrowheads="1"/>
-          </p:cNvPicPr>
-          <p:nvPr/>
-        </p:nvPicPr>
-        <p:blipFill>
-          <a:blip r:embed="rId4" cstate="print"/>
-          <a:srcRect/>
-          <a:stretch>
-            <a:fillRect/>
-          </a:stretch>
-        </p:blipFill>
-        <p:spPr bwMode="auto">
-          <a:xfrm>
-            <a:off x="1960405" y="4831928"/>
-            <a:ext cx="3259667" cy="977900"/>
-          </a:xfrm>
-          <a:prstGeom prst="rect">
-            <a:avLst/>
-          </a:prstGeom>
-          <a:noFill/>
-          <a:ln w="9525">
-            <a:noFill/>
-            <a:miter lim="800000"/>
-            <a:headEnd/>
-            <a:tailEnd/>
-          </a:ln>
-        </p:spPr>
-      </p:pic>
-      <p:sp>
-        <p:nvSpPr>
-          <p:cNvPr id="26" name="TextBox 25">
-            <a:extLst>
-              <a:ext uri="{FF2B5EF4-FFF2-40B4-BE49-F238E27FC236}">
-                <a16:creationId xmlns:a16="http://schemas.microsoft.com/office/drawing/2014/main" id="{580B3721-0EAB-4FDC-AD81-48F3279537F6}"/>
+      <p:sp>
+        <p:nvSpPr>
+          <p:cNvPr id="9" name="TextBox 8">
+            <a:extLst>
+              <a:ext uri="{FF2B5EF4-FFF2-40B4-BE49-F238E27FC236}">
+                <a16:creationId xmlns:a16="http://schemas.microsoft.com/office/drawing/2014/main" id="{9B67AFB9-6C90-4626-817C-6FA8648D1B91}"/>
               </a:ext>
             </a:extLst>
           </p:cNvPr>
@@ -4149,8 +8003,8 @@
         </p:nvSpPr>
         <p:spPr>
           <a:xfrm>
-            <a:off x="5619750" y="669342"/>
-            <a:ext cx="7048500" cy="451342"/>
+            <a:off x="611561" y="913284"/>
+            <a:ext cx="4824536" cy="4524315"/>
           </a:xfrm>
           <a:prstGeom prst="rect">
             <a:avLst/>
@@ -4163,254 +8017,338 @@
           </a:bodyPr>
           <a:lstStyle/>
           <a:p>
-            <a:r>
-              <a:rPr lang="en-US" sz="1333" dirty="0"/>
-              <a:t>COHERENT LENGTHS - TWO WAVES                                 </a:t>
-            </a:r>
-            <a:r>
-              <a:rPr lang="en-US" sz="1000" dirty="0"/>
-              <a:t>http://www.csrri.iit.edu/~segre/phys570/10F/lecture_04.pdf</a:t>
-            </a:r>
-            <a:endParaRPr lang="en-US" sz="1333" dirty="0"/>
-          </a:p>
-        </p:txBody>
-      </p:sp>
-      <p:pic>
-        <p:nvPicPr>
-          <p:cNvPr id="27" name="Picture 2">
-            <a:extLst>
-              <a:ext uri="{FF2B5EF4-FFF2-40B4-BE49-F238E27FC236}">
-                <a16:creationId xmlns:a16="http://schemas.microsoft.com/office/drawing/2014/main" id="{6A703D3A-3A72-4E83-A3D4-8A1771AA4694}"/>
-              </a:ext>
-            </a:extLst>
-          </p:cNvPr>
-          <p:cNvPicPr>
-            <a:picLocks noChangeAspect="1" noChangeArrowheads="1"/>
-          </p:cNvPicPr>
-          <p:nvPr/>
-        </p:nvPicPr>
-        <p:blipFill>
-          <a:blip r:embed="rId5" cstate="print"/>
-          <a:srcRect/>
-          <a:stretch>
-            <a:fillRect/>
-          </a:stretch>
-        </p:blipFill>
-        <p:spPr bwMode="auto">
-          <a:xfrm>
-            <a:off x="889001" y="2671564"/>
-            <a:ext cx="5327314" cy="762000"/>
+            <a:endParaRPr lang="en-US" dirty="0">
+              <a:solidFill>
+                <a:srgbClr val="002692"/>
+              </a:solidFill>
+            </a:endParaRPr>
+          </a:p>
+          <a:p>
+            <a:r>
+              <a:rPr lang="en-US" dirty="0">
+                <a:solidFill>
+                  <a:srgbClr val="002692"/>
+                </a:solidFill>
+              </a:rPr>
+              <a:t>Longitudinal or Temporal Coherence: depends on the monochromaticity of the source (describes the correlation or predictable relationship between waves observed at different moments in time) </a:t>
+            </a:r>
+          </a:p>
+          <a:p>
+            <a:endParaRPr lang="en-US" dirty="0">
+              <a:solidFill>
+                <a:srgbClr val="002692"/>
+              </a:solidFill>
+            </a:endParaRPr>
+          </a:p>
+          <a:p>
+            <a:endParaRPr lang="en-US" dirty="0">
+              <a:solidFill>
+                <a:srgbClr val="002692"/>
+              </a:solidFill>
+            </a:endParaRPr>
+          </a:p>
+          <a:p>
+            <a:endParaRPr lang="en-US" dirty="0">
+              <a:solidFill>
+                <a:srgbClr val="002692"/>
+              </a:solidFill>
+            </a:endParaRPr>
+          </a:p>
+          <a:p>
+            <a:r>
+              <a:rPr lang="en-US" dirty="0">
+                <a:solidFill>
+                  <a:srgbClr val="002692"/>
+                </a:solidFill>
+              </a:rPr>
+              <a:t>Transversal Coherence: Depends on the source geometry (correlation between waves at different points in space)</a:t>
+            </a:r>
+          </a:p>
+          <a:p>
+            <a:endParaRPr lang="en-US" dirty="0">
+              <a:solidFill>
+                <a:srgbClr val="002692"/>
+              </a:solidFill>
+            </a:endParaRPr>
+          </a:p>
+          <a:p>
+            <a:r>
+              <a:rPr lang="en-US" dirty="0">
+                <a:solidFill>
+                  <a:srgbClr val="002692"/>
+                </a:solidFill>
+              </a:rPr>
+              <a:t> </a:t>
+            </a:r>
+          </a:p>
+          <a:p>
+            <a:endParaRPr lang="en-US" dirty="0">
+              <a:solidFill>
+                <a:srgbClr val="002692"/>
+              </a:solidFill>
+            </a:endParaRPr>
+          </a:p>
+          <a:p>
+            <a:endParaRPr lang="en-US" dirty="0">
+              <a:solidFill>
+                <a:srgbClr val="002692"/>
+              </a:solidFill>
+            </a:endParaRPr>
+          </a:p>
+        </p:txBody>
+      </p:sp>
+      <p:grpSp>
+        <p:nvGrpSpPr>
+          <p:cNvPr id="4" name="Group 3">
+            <a:extLst>
+              <a:ext uri="{FF2B5EF4-FFF2-40B4-BE49-F238E27FC236}">
+                <a16:creationId xmlns:a16="http://schemas.microsoft.com/office/drawing/2014/main" id="{3EB57A7E-995B-45DC-9E17-083EB0F85C7B}"/>
+              </a:ext>
+            </a:extLst>
+          </p:cNvPr>
+          <p:cNvGrpSpPr/>
+          <p:nvPr/>
+        </p:nvGrpSpPr>
+        <p:grpSpPr>
+          <a:xfrm>
+            <a:off x="5436096" y="3374756"/>
+            <a:ext cx="2919814" cy="1524000"/>
+            <a:chOff x="4211960" y="1034676"/>
+            <a:chExt cx="2919814" cy="1524000"/>
+          </a:xfrm>
+        </p:grpSpPr>
+        <p:pic>
+          <p:nvPicPr>
+            <p:cNvPr id="10" name="Picture 5">
+              <a:extLst>
+                <a:ext uri="{FF2B5EF4-FFF2-40B4-BE49-F238E27FC236}">
+                  <a16:creationId xmlns:a16="http://schemas.microsoft.com/office/drawing/2014/main" id="{7EFBDC0E-B8C8-4817-8D26-8FB22D9034E1}"/>
+                </a:ext>
+              </a:extLst>
+            </p:cNvPr>
+            <p:cNvPicPr>
+              <a:picLocks noChangeAspect="1" noChangeArrowheads="1"/>
+            </p:cNvPicPr>
+            <p:nvPr/>
+          </p:nvPicPr>
+          <p:blipFill>
+            <a:blip r:embed="rId3" cstate="print"/>
+            <a:srcRect/>
+            <a:stretch>
+              <a:fillRect/>
+            </a:stretch>
+          </p:blipFill>
+          <p:spPr bwMode="auto">
+            <a:xfrm>
+              <a:off x="4211960" y="1034676"/>
+              <a:ext cx="2919814" cy="1524000"/>
+            </a:xfrm>
+            <a:prstGeom prst="rect">
+              <a:avLst/>
+            </a:prstGeom>
+            <a:noFill/>
+            <a:ln w="9525">
+              <a:noFill/>
+              <a:miter lim="800000"/>
+              <a:headEnd/>
+              <a:tailEnd/>
+            </a:ln>
+          </p:spPr>
+        </p:pic>
+        <p:sp>
+          <p:nvSpPr>
+            <p:cNvPr id="3" name="Oval 2">
+              <a:extLst>
+                <a:ext uri="{FF2B5EF4-FFF2-40B4-BE49-F238E27FC236}">
+                  <a16:creationId xmlns:a16="http://schemas.microsoft.com/office/drawing/2014/main" id="{395AD430-F4D3-4B1E-BC40-D1CDAD61264E}"/>
+                </a:ext>
+              </a:extLst>
+            </p:cNvPr>
+            <p:cNvSpPr/>
+            <p:nvPr/>
+          </p:nvSpPr>
+          <p:spPr>
+            <a:xfrm>
+              <a:off x="4536625" y="1504643"/>
+              <a:ext cx="216024" cy="235156"/>
+            </a:xfrm>
+            <a:prstGeom prst="ellipse">
+              <a:avLst/>
+            </a:prstGeom>
+            <a:ln>
+              <a:noFill/>
+            </a:ln>
+          </p:spPr>
+          <p:style>
+            <a:lnRef idx="2">
+              <a:schemeClr val="accent1">
+                <a:shade val="50000"/>
+              </a:schemeClr>
+            </a:lnRef>
+            <a:fillRef idx="1">
+              <a:schemeClr val="accent1"/>
+            </a:fillRef>
+            <a:effectRef idx="0">
+              <a:schemeClr val="accent1"/>
+            </a:effectRef>
+            <a:fontRef idx="minor">
+              <a:schemeClr val="lt1"/>
+            </a:fontRef>
+          </p:style>
+          <p:txBody>
+            <a:bodyPr rtlCol="0" anchor="ctr"/>
+            <a:lstStyle/>
+            <a:p>
+              <a:pPr algn="ctr"/>
+              <a:endParaRPr lang="en-GB"/>
+            </a:p>
+          </p:txBody>
+        </p:sp>
+        <p:sp>
+          <p:nvSpPr>
+            <p:cNvPr id="11" name="Oval 10">
+              <a:extLst>
+                <a:ext uri="{FF2B5EF4-FFF2-40B4-BE49-F238E27FC236}">
+                  <a16:creationId xmlns:a16="http://schemas.microsoft.com/office/drawing/2014/main" id="{88B6E1CF-38F7-4349-A761-1CDCE7EFB73E}"/>
+                </a:ext>
+              </a:extLst>
+            </p:cNvPr>
+            <p:cNvSpPr/>
+            <p:nvPr/>
+          </p:nvSpPr>
+          <p:spPr>
+            <a:xfrm>
+              <a:off x="4523845" y="2169224"/>
+              <a:ext cx="216024" cy="235156"/>
+            </a:xfrm>
+            <a:prstGeom prst="ellipse">
+              <a:avLst/>
+            </a:prstGeom>
+            <a:ln>
+              <a:noFill/>
+            </a:ln>
+          </p:spPr>
+          <p:style>
+            <a:lnRef idx="2">
+              <a:schemeClr val="accent1">
+                <a:shade val="50000"/>
+              </a:schemeClr>
+            </a:lnRef>
+            <a:fillRef idx="1">
+              <a:schemeClr val="accent1"/>
+            </a:fillRef>
+            <a:effectRef idx="0">
+              <a:schemeClr val="accent1"/>
+            </a:effectRef>
+            <a:fontRef idx="minor">
+              <a:schemeClr val="lt1"/>
+            </a:fontRef>
+          </p:style>
+          <p:txBody>
+            <a:bodyPr rtlCol="0" anchor="ctr"/>
+            <a:lstStyle/>
+            <a:p>
+              <a:pPr algn="ctr"/>
+              <a:endParaRPr lang="en-GB"/>
+            </a:p>
+          </p:txBody>
+        </p:sp>
+      </p:grpSp>
+      <p:sp>
+        <p:nvSpPr>
+          <p:cNvPr id="12" name="TextBox 8">
+            <a:extLst>
+              <a:ext uri="{FF2B5EF4-FFF2-40B4-BE49-F238E27FC236}">
+                <a16:creationId xmlns:a16="http://schemas.microsoft.com/office/drawing/2014/main" id="{B14B2495-2396-4264-BA4D-14F93AE0FDB9}"/>
+              </a:ext>
+            </a:extLst>
+          </p:cNvPr>
+          <p:cNvSpPr txBox="1"/>
+          <p:nvPr/>
+        </p:nvSpPr>
+        <p:spPr>
+          <a:xfrm>
+            <a:off x="323528" y="662702"/>
+            <a:ext cx="8305800" cy="400110"/>
           </a:xfrm>
           <a:prstGeom prst="rect">
             <a:avLst/>
           </a:prstGeom>
           <a:noFill/>
-          <a:ln w="9525">
-            <a:noFill/>
-            <a:miter lim="800000"/>
-            <a:headEnd/>
-            <a:tailEnd/>
-          </a:ln>
-        </p:spPr>
-      </p:pic>
-      <p:sp>
-        <p:nvSpPr>
-          <p:cNvPr id="28" name="Rectangle 27">
-            <a:extLst>
-              <a:ext uri="{FF2B5EF4-FFF2-40B4-BE49-F238E27FC236}">
-                <a16:creationId xmlns:a16="http://schemas.microsoft.com/office/drawing/2014/main" id="{753FED5A-52FB-4B4F-9EAF-D2F13F95DC0A}"/>
-              </a:ext>
-            </a:extLst>
-          </p:cNvPr>
-          <p:cNvSpPr/>
-          <p:nvPr/>
-        </p:nvSpPr>
-        <p:spPr>
-          <a:xfrm>
-            <a:off x="5334000" y="2951005"/>
-            <a:ext cx="952500" cy="554567"/>
-          </a:xfrm>
-          <a:prstGeom prst="rect">
-            <a:avLst/>
-          </a:prstGeom>
-          <a:noFill/>
-          <a:ln>
-            <a:solidFill>
-              <a:srgbClr val="FF0000"/>
-            </a:solidFill>
-          </a:ln>
-        </p:spPr>
-        <p:style>
-          <a:lnRef idx="2">
-            <a:schemeClr val="accent1">
-              <a:shade val="50000"/>
-            </a:schemeClr>
-          </a:lnRef>
-          <a:fillRef idx="1">
-            <a:schemeClr val="accent1"/>
-          </a:fillRef>
-          <a:effectRef idx="0">
-            <a:schemeClr val="accent1"/>
-          </a:effectRef>
-          <a:fontRef idx="minor">
-            <a:schemeClr val="lt1"/>
-          </a:fontRef>
-        </p:style>
-        <p:txBody>
-          <a:bodyPr rtlCol="0" anchor="ctr"/>
-          <a:lstStyle/>
-          <a:p>
-            <a:pPr algn="ctr"/>
-            <a:endParaRPr lang="en-US" sz="1500"/>
-          </a:p>
-        </p:txBody>
-      </p:sp>
-      <p:sp>
-        <p:nvSpPr>
-          <p:cNvPr id="29" name="Rectangle 28">
-            <a:extLst>
-              <a:ext uri="{FF2B5EF4-FFF2-40B4-BE49-F238E27FC236}">
-                <a16:creationId xmlns:a16="http://schemas.microsoft.com/office/drawing/2014/main" id="{4497B984-7AF8-4DFB-9D1B-1C14983ED783}"/>
-              </a:ext>
-            </a:extLst>
-          </p:cNvPr>
-          <p:cNvSpPr/>
-          <p:nvPr/>
-        </p:nvSpPr>
-        <p:spPr>
-          <a:xfrm>
-            <a:off x="3043436" y="5293320"/>
-            <a:ext cx="952500" cy="444500"/>
-          </a:xfrm>
-          <a:prstGeom prst="rect">
-            <a:avLst/>
-          </a:prstGeom>
-          <a:noFill/>
-          <a:ln>
-            <a:solidFill>
-              <a:srgbClr val="FF0000"/>
-            </a:solidFill>
-          </a:ln>
-        </p:spPr>
-        <p:style>
-          <a:lnRef idx="2">
-            <a:schemeClr val="accent1">
-              <a:shade val="50000"/>
-            </a:schemeClr>
-          </a:lnRef>
-          <a:fillRef idx="1">
-            <a:schemeClr val="accent1"/>
-          </a:fillRef>
-          <a:effectRef idx="0">
-            <a:schemeClr val="accent1"/>
-          </a:effectRef>
-          <a:fontRef idx="minor">
-            <a:schemeClr val="lt1"/>
-          </a:fontRef>
-        </p:style>
-        <p:txBody>
-          <a:bodyPr rtlCol="0" anchor="ctr"/>
-          <a:lstStyle/>
-          <a:p>
-            <a:pPr algn="ctr"/>
-            <a:endParaRPr lang="en-US" sz="1500"/>
-          </a:p>
-        </p:txBody>
-      </p:sp>
-      <p:sp>
-        <p:nvSpPr>
-          <p:cNvPr id="30" name="Rectangle 29">
-            <a:extLst>
-              <a:ext uri="{FF2B5EF4-FFF2-40B4-BE49-F238E27FC236}">
-                <a16:creationId xmlns:a16="http://schemas.microsoft.com/office/drawing/2014/main" id="{842CE804-E645-4A7D-BF0D-59B413A6B2F0}"/>
-              </a:ext>
-            </a:extLst>
-          </p:cNvPr>
-          <p:cNvSpPr/>
-          <p:nvPr/>
-        </p:nvSpPr>
-        <p:spPr>
-          <a:xfrm>
-            <a:off x="2476500" y="2540000"/>
-            <a:ext cx="2413000" cy="317500"/>
-          </a:xfrm>
-          <a:prstGeom prst="rect">
-            <a:avLst/>
-          </a:prstGeom>
-          <a:solidFill>
-            <a:schemeClr val="bg1"/>
-          </a:solidFill>
-          <a:ln>
-            <a:noFill/>
-          </a:ln>
-        </p:spPr>
-        <p:style>
-          <a:lnRef idx="2">
-            <a:schemeClr val="accent1">
-              <a:shade val="50000"/>
-            </a:schemeClr>
-          </a:lnRef>
-          <a:fillRef idx="1">
-            <a:schemeClr val="accent1"/>
-          </a:fillRef>
-          <a:effectRef idx="0">
-            <a:schemeClr val="accent1"/>
-          </a:effectRef>
-          <a:fontRef idx="minor">
-            <a:schemeClr val="lt1"/>
-          </a:fontRef>
-        </p:style>
-        <p:txBody>
-          <a:bodyPr rtlCol="0" anchor="ctr"/>
-          <a:lstStyle/>
-          <a:p>
-            <a:pPr algn="ctr"/>
-            <a:endParaRPr lang="en-US" sz="1500"/>
-          </a:p>
-        </p:txBody>
-      </p:sp>
-      <p:pic>
-        <p:nvPicPr>
-          <p:cNvPr id="31" name="Picture 1">
-            <a:extLst>
-              <a:ext uri="{FF2B5EF4-FFF2-40B4-BE49-F238E27FC236}">
-                <a16:creationId xmlns:a16="http://schemas.microsoft.com/office/drawing/2014/main" id="{D19353D8-F1A5-4603-87B0-7FA8BF466788}"/>
-              </a:ext>
-            </a:extLst>
-          </p:cNvPr>
-          <p:cNvPicPr>
-            <a:picLocks noChangeAspect="1" noChangeArrowheads="1"/>
-          </p:cNvPicPr>
-          <p:nvPr/>
-        </p:nvPicPr>
-        <p:blipFill>
-          <a:blip r:embed="rId6" cstate="print"/>
-          <a:srcRect/>
-          <a:stretch>
-            <a:fillRect/>
-          </a:stretch>
-        </p:blipFill>
-        <p:spPr bwMode="auto">
-          <a:xfrm>
-            <a:off x="2680072" y="2209428"/>
-            <a:ext cx="2540000" cy="712519"/>
-          </a:xfrm>
-          <a:prstGeom prst="rect">
-            <a:avLst/>
-          </a:prstGeom>
-          <a:noFill/>
-          <a:ln w="9525">
-            <a:noFill/>
-            <a:miter lim="800000"/>
-            <a:headEnd/>
-            <a:tailEnd/>
-          </a:ln>
-        </p:spPr>
-      </p:pic>
+        </p:spPr>
+        <p:txBody>
+          <a:bodyPr wrap="square" rtlCol="0">
+            <a:spAutoFit/>
+          </a:bodyPr>
+          <a:lstStyle/>
+          <a:p>
+            <a:pPr>
+              <a:buFont typeface="Arial" pitchFamily="34" charset="0"/>
+              <a:buChar char="•"/>
+            </a:pPr>
+            <a:r>
+              <a:rPr lang="fr-FR" sz="2000" b="1" dirty="0" err="1">
+                <a:solidFill>
+                  <a:srgbClr val="FF0000"/>
+                </a:solidFill>
+              </a:rPr>
+              <a:t>We</a:t>
+            </a:r>
+            <a:r>
+              <a:rPr lang="fr-FR" sz="2000" b="1" dirty="0">
+                <a:solidFill>
+                  <a:srgbClr val="FF0000"/>
+                </a:solidFill>
+              </a:rPr>
+              <a:t> </a:t>
+            </a:r>
+            <a:r>
+              <a:rPr lang="fr-FR" sz="2000" b="1" dirty="0" err="1">
+                <a:solidFill>
+                  <a:srgbClr val="FF0000"/>
+                </a:solidFill>
+              </a:rPr>
+              <a:t>need</a:t>
+            </a:r>
+            <a:r>
+              <a:rPr lang="fr-FR" sz="2000" b="1" dirty="0">
+                <a:solidFill>
+                  <a:srgbClr val="FF0000"/>
+                </a:solidFill>
+              </a:rPr>
+              <a:t> </a:t>
+            </a:r>
+            <a:r>
+              <a:rPr lang="fr-FR" sz="2000" b="1" dirty="0" err="1">
+                <a:solidFill>
+                  <a:srgbClr val="FF0000"/>
+                </a:solidFill>
+              </a:rPr>
+              <a:t>at</a:t>
+            </a:r>
+            <a:r>
+              <a:rPr lang="fr-FR" sz="2000" b="1" dirty="0">
+                <a:solidFill>
+                  <a:srgbClr val="FF0000"/>
+                </a:solidFill>
+              </a:rPr>
+              <a:t> least </a:t>
+            </a:r>
+            <a:r>
+              <a:rPr lang="en-US" sz="2000" b="1" dirty="0">
+                <a:solidFill>
+                  <a:srgbClr val="FF0000"/>
+                </a:solidFill>
+              </a:rPr>
+              <a:t> TWO waves for defining coherence parameters</a:t>
+            </a:r>
+          </a:p>
+        </p:txBody>
+      </p:sp>
     </p:spTree>
     <p:extLst>
       <p:ext uri="{BB962C8B-B14F-4D97-AF65-F5344CB8AC3E}">
-        <p14:creationId xmlns:p14="http://schemas.microsoft.com/office/powerpoint/2010/main" val="2142326328"/>
+        <p14:creationId xmlns:p14="http://schemas.microsoft.com/office/powerpoint/2010/main" val="815594687"/>
       </p:ext>
     </p:extLst>
   </p:cSld>
@@ -4439,10 +8377,10 @@
       </p:grpSpPr>
       <p:sp>
         <p:nvSpPr>
-          <p:cNvPr id="53" name="Rectangle 52">
-            <a:extLst>
-              <a:ext uri="{FF2B5EF4-FFF2-40B4-BE49-F238E27FC236}">
-                <a16:creationId xmlns:a16="http://schemas.microsoft.com/office/drawing/2014/main" id="{EC12D542-85BF-44D0-A530-9ADFEA041979}"/>
+          <p:cNvPr id="52" name="Rectangle 51">
+            <a:extLst>
+              <a:ext uri="{FF2B5EF4-FFF2-40B4-BE49-F238E27FC236}">
+                <a16:creationId xmlns:a16="http://schemas.microsoft.com/office/drawing/2014/main" id="{C74C3436-5F15-4F16-B201-07D9ED808BD1}"/>
               </a:ext>
             </a:extLst>
           </p:cNvPr>
@@ -4451,8 +8389,8 @@
         </p:nvSpPr>
         <p:spPr>
           <a:xfrm>
-            <a:off x="1524000" y="4127500"/>
-            <a:ext cx="2730500" cy="1016000"/>
+            <a:off x="1524000" y="1968500"/>
+            <a:ext cx="2730500" cy="952500"/>
           </a:xfrm>
           <a:prstGeom prst="rect">
             <a:avLst/>
@@ -4491,6 +8429,58 @@
       </p:sp>
       <p:sp>
         <p:nvSpPr>
+          <p:cNvPr id="53" name="Rectangle 52">
+            <a:extLst>
+              <a:ext uri="{FF2B5EF4-FFF2-40B4-BE49-F238E27FC236}">
+                <a16:creationId xmlns:a16="http://schemas.microsoft.com/office/drawing/2014/main" id="{EC12D542-85BF-44D0-A530-9ADFEA041979}"/>
+              </a:ext>
+            </a:extLst>
+          </p:cNvPr>
+          <p:cNvSpPr/>
+          <p:nvPr/>
+        </p:nvSpPr>
+        <p:spPr>
+          <a:xfrm>
+            <a:off x="1524000" y="4127500"/>
+            <a:ext cx="2730500" cy="1016000"/>
+          </a:xfrm>
+          <a:prstGeom prst="rect">
+            <a:avLst/>
+          </a:prstGeom>
+          <a:solidFill>
+            <a:srgbClr val="3366FF">
+              <a:alpha val="9000"/>
+            </a:srgbClr>
+          </a:solidFill>
+          <a:ln>
+            <a:noFill/>
+          </a:ln>
+        </p:spPr>
+        <p:style>
+          <a:lnRef idx="1">
+            <a:schemeClr val="accent1"/>
+          </a:lnRef>
+          <a:fillRef idx="3">
+            <a:schemeClr val="accent1"/>
+          </a:fillRef>
+          <a:effectRef idx="2">
+            <a:schemeClr val="accent1"/>
+          </a:effectRef>
+          <a:fontRef idx="minor">
+            <a:schemeClr val="lt1"/>
+          </a:fontRef>
+        </p:style>
+        <p:txBody>
+          <a:bodyPr rtlCol="0" anchor="ctr"/>
+          <a:lstStyle/>
+          <a:p>
+            <a:pPr algn="ctr"/>
+            <a:endParaRPr lang="en-US" sz="1500"/>
+          </a:p>
+        </p:txBody>
+      </p:sp>
+      <p:sp>
+        <p:nvSpPr>
           <p:cNvPr id="2" name="Title 1"/>
           <p:cNvSpPr>
             <a:spLocks noGrp="1"/>
@@ -4556,9 +8546,10 @@
           <a:lstStyle/>
           <a:p>
             <a:r>
-              <a:rPr lang="en-US" noProof="0" dirty="0"/>
-              <a:t>OASYS-Power transport | HERCULES2022</a:t>
-            </a:r>
+              <a:rPr lang="en-US" noProof="0"/>
+              <a:t>OASYS-Coherence transport | HERCULES2022</a:t>
+            </a:r>
+            <a:endParaRPr lang="en-US" noProof="0" dirty="0"/>
           </a:p>
         </p:txBody>
       </p:sp>
@@ -4690,7 +8681,7 @@
         </p:nvCxnSpPr>
         <p:spPr>
           <a:xfrm>
-            <a:off x="3421063" y="1968500"/>
+            <a:off x="3421063" y="1993404"/>
             <a:ext cx="0" cy="825500"/>
           </a:xfrm>
           <a:prstGeom prst="straightConnector1">
@@ -4840,7 +8831,7 @@
         </p:nvCxnSpPr>
         <p:spPr>
           <a:xfrm>
-            <a:off x="3421063" y="4094411"/>
+            <a:off x="3421063" y="4225652"/>
             <a:ext cx="0" cy="825500"/>
           </a:xfrm>
           <a:prstGeom prst="straightConnector1">
@@ -5706,12 +9697,72 @@
           </a:p>
         </p:txBody>
       </p:sp>
-      <p:sp>
-        <p:nvSpPr>
-          <p:cNvPr id="52" name="Rectangle 51">
-            <a:extLst>
-              <a:ext uri="{FF2B5EF4-FFF2-40B4-BE49-F238E27FC236}">
-                <a16:creationId xmlns:a16="http://schemas.microsoft.com/office/drawing/2014/main" id="{C74C3436-5F15-4F16-B201-07D9ED808BD1}"/>
+      <p:pic>
+        <p:nvPicPr>
+          <p:cNvPr id="55" name="Picture 54">
+            <a:extLst>
+              <a:ext uri="{FF2B5EF4-FFF2-40B4-BE49-F238E27FC236}">
+                <a16:creationId xmlns:a16="http://schemas.microsoft.com/office/drawing/2014/main" id="{A126365D-7158-405E-8C45-730F73103D86}"/>
+              </a:ext>
+            </a:extLst>
+          </p:cNvPr>
+          <p:cNvPicPr>
+            <a:picLocks noChangeAspect="1"/>
+          </p:cNvPicPr>
+          <p:nvPr/>
+        </p:nvPicPr>
+        <p:blipFill>
+          <a:blip r:embed="rId4"/>
+          <a:stretch>
+            <a:fillRect/>
+          </a:stretch>
+        </p:blipFill>
+        <p:spPr>
+          <a:xfrm>
+            <a:off x="5016500" y="762000"/>
+            <a:ext cx="3237437" cy="2170931"/>
+          </a:xfrm>
+          <a:prstGeom prst="rect">
+            <a:avLst/>
+          </a:prstGeom>
+        </p:spPr>
+      </p:pic>
+      <p:pic>
+        <p:nvPicPr>
+          <p:cNvPr id="56" name="Picture 55">
+            <a:extLst>
+              <a:ext uri="{FF2B5EF4-FFF2-40B4-BE49-F238E27FC236}">
+                <a16:creationId xmlns:a16="http://schemas.microsoft.com/office/drawing/2014/main" id="{E6E6537E-5491-48FE-B163-1E00FC8070AA}"/>
+              </a:ext>
+            </a:extLst>
+          </p:cNvPr>
+          <p:cNvPicPr>
+            <a:picLocks noChangeAspect="1"/>
+          </p:cNvPicPr>
+          <p:nvPr/>
+        </p:nvPicPr>
+        <p:blipFill>
+          <a:blip r:embed="rId5"/>
+          <a:stretch>
+            <a:fillRect/>
+          </a:stretch>
+        </p:blipFill>
+        <p:spPr>
+          <a:xfrm>
+            <a:off x="5016500" y="2921001"/>
+            <a:ext cx="3145118" cy="2121449"/>
+          </a:xfrm>
+          <a:prstGeom prst="rect">
+            <a:avLst/>
+          </a:prstGeom>
+        </p:spPr>
+      </p:pic>
+      <p:sp>
+        <p:nvSpPr>
+          <p:cNvPr id="54" name="Rectangle 53">
+            <a:extLst>
+              <a:ext uri="{FF2B5EF4-FFF2-40B4-BE49-F238E27FC236}">
+                <a16:creationId xmlns:a16="http://schemas.microsoft.com/office/drawing/2014/main" id="{1A92677D-7268-411B-B269-8CD1821DB33B}"/>
               </a:ext>
             </a:extLst>
           </p:cNvPr>
@@ -5720,8 +9771,8 @@
         </p:nvSpPr>
         <p:spPr>
           <a:xfrm>
-            <a:off x="1524000" y="1968500"/>
-            <a:ext cx="2730500" cy="952500"/>
+            <a:off x="1524000" y="2984500"/>
+            <a:ext cx="2730500" cy="1016000"/>
           </a:xfrm>
           <a:prstGeom prst="rect">
             <a:avLst/>
@@ -5754,107 +9805,44 @@
           <a:lstStyle/>
           <a:p>
             <a:pPr algn="ctr"/>
-            <a:endParaRPr lang="en-US" sz="1500"/>
-          </a:p>
-        </p:txBody>
-      </p:sp>
-      <p:pic>
-        <p:nvPicPr>
-          <p:cNvPr id="55" name="Picture 54">
-            <a:extLst>
-              <a:ext uri="{FF2B5EF4-FFF2-40B4-BE49-F238E27FC236}">
-                <a16:creationId xmlns:a16="http://schemas.microsoft.com/office/drawing/2014/main" id="{A126365D-7158-405E-8C45-730F73103D86}"/>
-              </a:ext>
-            </a:extLst>
-          </p:cNvPr>
-          <p:cNvPicPr>
-            <a:picLocks noChangeAspect="1"/>
-          </p:cNvPicPr>
-          <p:nvPr/>
-        </p:nvPicPr>
-        <p:blipFill>
-          <a:blip r:embed="rId4"/>
-          <a:stretch>
-            <a:fillRect/>
-          </a:stretch>
-        </p:blipFill>
+            <a:endParaRPr lang="en-US" sz="1500" dirty="0"/>
+          </a:p>
+        </p:txBody>
+      </p:sp>
+      <p:sp>
+        <p:nvSpPr>
+          <p:cNvPr id="3" name="Rectangle 2">
+            <a:extLst>
+              <a:ext uri="{FF2B5EF4-FFF2-40B4-BE49-F238E27FC236}">
+                <a16:creationId xmlns:a16="http://schemas.microsoft.com/office/drawing/2014/main" id="{E734D24F-B6D4-4013-AFB8-12E062F3F3B6}"/>
+              </a:ext>
+            </a:extLst>
+          </p:cNvPr>
+          <p:cNvSpPr/>
+          <p:nvPr/>
+        </p:nvSpPr>
         <p:spPr>
           <a:xfrm>
-            <a:off x="5016500" y="762000"/>
-            <a:ext cx="3237437" cy="2170931"/>
+            <a:off x="3175047" y="898732"/>
+            <a:ext cx="638543" cy="72008"/>
           </a:xfrm>
           <a:prstGeom prst="rect">
             <a:avLst/>
           </a:prstGeom>
-        </p:spPr>
-      </p:pic>
-      <p:pic>
-        <p:nvPicPr>
-          <p:cNvPr id="56" name="Picture 55">
-            <a:extLst>
-              <a:ext uri="{FF2B5EF4-FFF2-40B4-BE49-F238E27FC236}">
-                <a16:creationId xmlns:a16="http://schemas.microsoft.com/office/drawing/2014/main" id="{E6E6537E-5491-48FE-B163-1E00FC8070AA}"/>
-              </a:ext>
-            </a:extLst>
-          </p:cNvPr>
-          <p:cNvPicPr>
-            <a:picLocks noChangeAspect="1"/>
-          </p:cNvPicPr>
-          <p:nvPr/>
-        </p:nvPicPr>
-        <p:blipFill>
-          <a:blip r:embed="rId5"/>
-          <a:stretch>
-            <a:fillRect/>
-          </a:stretch>
-        </p:blipFill>
-        <p:spPr>
-          <a:xfrm>
-            <a:off x="5016500" y="2921001"/>
-            <a:ext cx="3145118" cy="2121449"/>
-          </a:xfrm>
-          <a:prstGeom prst="rect">
-            <a:avLst/>
-          </a:prstGeom>
-        </p:spPr>
-      </p:pic>
-      <p:sp>
-        <p:nvSpPr>
-          <p:cNvPr id="54" name="Rectangle 53">
-            <a:extLst>
-              <a:ext uri="{FF2B5EF4-FFF2-40B4-BE49-F238E27FC236}">
-                <a16:creationId xmlns:a16="http://schemas.microsoft.com/office/drawing/2014/main" id="{1A92677D-7268-411B-B269-8CD1821DB33B}"/>
-              </a:ext>
-            </a:extLst>
-          </p:cNvPr>
-          <p:cNvSpPr/>
-          <p:nvPr/>
-        </p:nvSpPr>
-        <p:spPr>
-          <a:xfrm>
-            <a:off x="1524000" y="2984500"/>
-            <a:ext cx="2730500" cy="1016000"/>
-          </a:xfrm>
-          <a:prstGeom prst="rect">
-            <a:avLst/>
-          </a:prstGeom>
-          <a:solidFill>
-            <a:srgbClr val="3366FF">
-              <a:alpha val="9000"/>
-            </a:srgbClr>
-          </a:solidFill>
           <a:ln>
             <a:noFill/>
           </a:ln>
         </p:spPr>
         <p:style>
-          <a:lnRef idx="1">
-            <a:schemeClr val="accent1"/>
+          <a:lnRef idx="2">
+            <a:schemeClr val="accent1">
+              <a:shade val="50000"/>
+            </a:schemeClr>
           </a:lnRef>
-          <a:fillRef idx="3">
+          <a:fillRef idx="1">
             <a:schemeClr val="accent1"/>
           </a:fillRef>
-          <a:effectRef idx="2">
+          <a:effectRef idx="0">
             <a:schemeClr val="accent1"/>
           </a:effectRef>
           <a:fontRef idx="minor">
@@ -5866,7 +9854,848 @@
           <a:lstStyle/>
           <a:p>
             <a:pPr algn="ctr"/>
-            <a:endParaRPr lang="en-US" sz="1500" dirty="0"/>
+            <a:endParaRPr lang="en-GB"/>
+          </a:p>
+        </p:txBody>
+      </p:sp>
+      <p:sp>
+        <p:nvSpPr>
+          <p:cNvPr id="57" name="Rectangle 56">
+            <a:extLst>
+              <a:ext uri="{FF2B5EF4-FFF2-40B4-BE49-F238E27FC236}">
+                <a16:creationId xmlns:a16="http://schemas.microsoft.com/office/drawing/2014/main" id="{7DE020D2-4334-471A-92AF-43B896D19834}"/>
+              </a:ext>
+            </a:extLst>
+          </p:cNvPr>
+          <p:cNvSpPr/>
+          <p:nvPr/>
+        </p:nvSpPr>
+        <p:spPr>
+          <a:xfrm>
+            <a:off x="3203848" y="1849388"/>
+            <a:ext cx="638543" cy="72008"/>
+          </a:xfrm>
+          <a:prstGeom prst="rect">
+            <a:avLst/>
+          </a:prstGeom>
+          <a:ln>
+            <a:noFill/>
+          </a:ln>
+        </p:spPr>
+        <p:style>
+          <a:lnRef idx="2">
+            <a:schemeClr val="accent1">
+              <a:shade val="50000"/>
+            </a:schemeClr>
+          </a:lnRef>
+          <a:fillRef idx="1">
+            <a:schemeClr val="accent1"/>
+          </a:fillRef>
+          <a:effectRef idx="0">
+            <a:schemeClr val="accent1"/>
+          </a:effectRef>
+          <a:fontRef idx="minor">
+            <a:schemeClr val="lt1"/>
+          </a:fontRef>
+        </p:style>
+        <p:txBody>
+          <a:bodyPr rtlCol="0" anchor="ctr"/>
+          <a:lstStyle/>
+          <a:p>
+            <a:pPr algn="ctr"/>
+            <a:endParaRPr lang="en-GB"/>
+          </a:p>
+        </p:txBody>
+      </p:sp>
+      <p:sp>
+        <p:nvSpPr>
+          <p:cNvPr id="58" name="Rectangle 57">
+            <a:extLst>
+              <a:ext uri="{FF2B5EF4-FFF2-40B4-BE49-F238E27FC236}">
+                <a16:creationId xmlns:a16="http://schemas.microsoft.com/office/drawing/2014/main" id="{CC36AAF4-7A3E-4826-8CF0-F0449FF48DF1}"/>
+              </a:ext>
+            </a:extLst>
+          </p:cNvPr>
+          <p:cNvSpPr/>
+          <p:nvPr/>
+        </p:nvSpPr>
+        <p:spPr>
+          <a:xfrm>
+            <a:off x="3203848" y="1993404"/>
+            <a:ext cx="638543" cy="72008"/>
+          </a:xfrm>
+          <a:prstGeom prst="rect">
+            <a:avLst/>
+          </a:prstGeom>
+          <a:ln>
+            <a:noFill/>
+          </a:ln>
+        </p:spPr>
+        <p:style>
+          <a:lnRef idx="2">
+            <a:schemeClr val="accent1">
+              <a:shade val="50000"/>
+            </a:schemeClr>
+          </a:lnRef>
+          <a:fillRef idx="1">
+            <a:schemeClr val="accent1"/>
+          </a:fillRef>
+          <a:effectRef idx="0">
+            <a:schemeClr val="accent1"/>
+          </a:effectRef>
+          <a:fontRef idx="minor">
+            <a:schemeClr val="lt1"/>
+          </a:fontRef>
+        </p:style>
+        <p:txBody>
+          <a:bodyPr rtlCol="0" anchor="ctr"/>
+          <a:lstStyle/>
+          <a:p>
+            <a:pPr algn="ctr"/>
+            <a:endParaRPr lang="en-GB"/>
+          </a:p>
+        </p:txBody>
+      </p:sp>
+      <p:sp>
+        <p:nvSpPr>
+          <p:cNvPr id="59" name="Rectangle 58">
+            <a:extLst>
+              <a:ext uri="{FF2B5EF4-FFF2-40B4-BE49-F238E27FC236}">
+                <a16:creationId xmlns:a16="http://schemas.microsoft.com/office/drawing/2014/main" id="{BBDFB093-277B-44D2-BF9F-E0B81F62E80C}"/>
+              </a:ext>
+            </a:extLst>
+          </p:cNvPr>
+          <p:cNvSpPr/>
+          <p:nvPr/>
+        </p:nvSpPr>
+        <p:spPr>
+          <a:xfrm>
+            <a:off x="3203848" y="2857500"/>
+            <a:ext cx="638543" cy="72008"/>
+          </a:xfrm>
+          <a:prstGeom prst="rect">
+            <a:avLst/>
+          </a:prstGeom>
+          <a:ln>
+            <a:noFill/>
+          </a:ln>
+        </p:spPr>
+        <p:style>
+          <a:lnRef idx="2">
+            <a:schemeClr val="accent1">
+              <a:shade val="50000"/>
+            </a:schemeClr>
+          </a:lnRef>
+          <a:fillRef idx="1">
+            <a:schemeClr val="accent1"/>
+          </a:fillRef>
+          <a:effectRef idx="0">
+            <a:schemeClr val="accent1"/>
+          </a:effectRef>
+          <a:fontRef idx="minor">
+            <a:schemeClr val="lt1"/>
+          </a:fontRef>
+        </p:style>
+        <p:txBody>
+          <a:bodyPr rtlCol="0" anchor="ctr"/>
+          <a:lstStyle/>
+          <a:p>
+            <a:pPr algn="ctr"/>
+            <a:endParaRPr lang="en-GB"/>
+          </a:p>
+        </p:txBody>
+      </p:sp>
+      <p:sp>
+        <p:nvSpPr>
+          <p:cNvPr id="60" name="Rectangle 59">
+            <a:extLst>
+              <a:ext uri="{FF2B5EF4-FFF2-40B4-BE49-F238E27FC236}">
+                <a16:creationId xmlns:a16="http://schemas.microsoft.com/office/drawing/2014/main" id="{D1C0B8E5-465B-4F0C-B2A5-9A34D6CF5126}"/>
+              </a:ext>
+            </a:extLst>
+          </p:cNvPr>
+          <p:cNvSpPr/>
+          <p:nvPr/>
+        </p:nvSpPr>
+        <p:spPr>
+          <a:xfrm>
+            <a:off x="3203848" y="3017418"/>
+            <a:ext cx="638543" cy="72008"/>
+          </a:xfrm>
+          <a:prstGeom prst="rect">
+            <a:avLst/>
+          </a:prstGeom>
+          <a:ln>
+            <a:noFill/>
+          </a:ln>
+        </p:spPr>
+        <p:style>
+          <a:lnRef idx="2">
+            <a:schemeClr val="accent1">
+              <a:shade val="50000"/>
+            </a:schemeClr>
+          </a:lnRef>
+          <a:fillRef idx="1">
+            <a:schemeClr val="accent1"/>
+          </a:fillRef>
+          <a:effectRef idx="0">
+            <a:schemeClr val="accent1"/>
+          </a:effectRef>
+          <a:fontRef idx="minor">
+            <a:schemeClr val="lt1"/>
+          </a:fontRef>
+        </p:style>
+        <p:txBody>
+          <a:bodyPr rtlCol="0" anchor="ctr"/>
+          <a:lstStyle/>
+          <a:p>
+            <a:pPr algn="ctr"/>
+            <a:endParaRPr lang="en-GB"/>
+          </a:p>
+        </p:txBody>
+      </p:sp>
+      <p:sp>
+        <p:nvSpPr>
+          <p:cNvPr id="61" name="Rectangle 60">
+            <a:extLst>
+              <a:ext uri="{FF2B5EF4-FFF2-40B4-BE49-F238E27FC236}">
+                <a16:creationId xmlns:a16="http://schemas.microsoft.com/office/drawing/2014/main" id="{1D1BBE59-51F5-4880-9575-EFB6F48066B0}"/>
+              </a:ext>
+            </a:extLst>
+          </p:cNvPr>
+          <p:cNvSpPr/>
+          <p:nvPr/>
+        </p:nvSpPr>
+        <p:spPr>
+          <a:xfrm>
+            <a:off x="3213377" y="3937620"/>
+            <a:ext cx="638543" cy="72008"/>
+          </a:xfrm>
+          <a:prstGeom prst="rect">
+            <a:avLst/>
+          </a:prstGeom>
+          <a:ln>
+            <a:noFill/>
+          </a:ln>
+        </p:spPr>
+        <p:style>
+          <a:lnRef idx="2">
+            <a:schemeClr val="accent1">
+              <a:shade val="50000"/>
+            </a:schemeClr>
+          </a:lnRef>
+          <a:fillRef idx="1">
+            <a:schemeClr val="accent1"/>
+          </a:fillRef>
+          <a:effectRef idx="0">
+            <a:schemeClr val="accent1"/>
+          </a:effectRef>
+          <a:fontRef idx="minor">
+            <a:schemeClr val="lt1"/>
+          </a:fontRef>
+        </p:style>
+        <p:txBody>
+          <a:bodyPr rtlCol="0" anchor="ctr"/>
+          <a:lstStyle/>
+          <a:p>
+            <a:pPr algn="ctr"/>
+            <a:endParaRPr lang="en-GB"/>
+          </a:p>
+        </p:txBody>
+      </p:sp>
+      <p:sp>
+        <p:nvSpPr>
+          <p:cNvPr id="62" name="Rectangle 61">
+            <a:extLst>
+              <a:ext uri="{FF2B5EF4-FFF2-40B4-BE49-F238E27FC236}">
+                <a16:creationId xmlns:a16="http://schemas.microsoft.com/office/drawing/2014/main" id="{EC5687FE-6C78-428E-8FA2-BD4BFCB97B84}"/>
+              </a:ext>
+            </a:extLst>
+          </p:cNvPr>
+          <p:cNvSpPr/>
+          <p:nvPr/>
+        </p:nvSpPr>
+        <p:spPr>
+          <a:xfrm>
+            <a:off x="3356248" y="4153644"/>
+            <a:ext cx="638543" cy="72008"/>
+          </a:xfrm>
+          <a:prstGeom prst="rect">
+            <a:avLst/>
+          </a:prstGeom>
+          <a:ln>
+            <a:noFill/>
+          </a:ln>
+        </p:spPr>
+        <p:style>
+          <a:lnRef idx="2">
+            <a:schemeClr val="accent1">
+              <a:shade val="50000"/>
+            </a:schemeClr>
+          </a:lnRef>
+          <a:fillRef idx="1">
+            <a:schemeClr val="accent1"/>
+          </a:fillRef>
+          <a:effectRef idx="0">
+            <a:schemeClr val="accent1"/>
+          </a:effectRef>
+          <a:fontRef idx="minor">
+            <a:schemeClr val="lt1"/>
+          </a:fontRef>
+        </p:style>
+        <p:txBody>
+          <a:bodyPr rtlCol="0" anchor="ctr"/>
+          <a:lstStyle/>
+          <a:p>
+            <a:pPr algn="ctr"/>
+            <a:endParaRPr lang="en-GB"/>
+          </a:p>
+        </p:txBody>
+      </p:sp>
+      <p:sp>
+        <p:nvSpPr>
+          <p:cNvPr id="63" name="Rectangle 62">
+            <a:extLst>
+              <a:ext uri="{FF2B5EF4-FFF2-40B4-BE49-F238E27FC236}">
+                <a16:creationId xmlns:a16="http://schemas.microsoft.com/office/drawing/2014/main" id="{017B4FDF-968B-466A-94C0-AC3F4519618D}"/>
+              </a:ext>
+            </a:extLst>
+          </p:cNvPr>
+          <p:cNvSpPr/>
+          <p:nvPr/>
+        </p:nvSpPr>
+        <p:spPr>
+          <a:xfrm>
+            <a:off x="3356248" y="5049544"/>
+            <a:ext cx="638543" cy="72008"/>
+          </a:xfrm>
+          <a:prstGeom prst="rect">
+            <a:avLst/>
+          </a:prstGeom>
+          <a:ln>
+            <a:noFill/>
+          </a:ln>
+        </p:spPr>
+        <p:style>
+          <a:lnRef idx="2">
+            <a:schemeClr val="accent1">
+              <a:shade val="50000"/>
+            </a:schemeClr>
+          </a:lnRef>
+          <a:fillRef idx="1">
+            <a:schemeClr val="accent1"/>
+          </a:fillRef>
+          <a:effectRef idx="0">
+            <a:schemeClr val="accent1"/>
+          </a:effectRef>
+          <a:fontRef idx="minor">
+            <a:schemeClr val="lt1"/>
+          </a:fontRef>
+        </p:style>
+        <p:txBody>
+          <a:bodyPr rtlCol="0" anchor="ctr"/>
+          <a:lstStyle/>
+          <a:p>
+            <a:pPr algn="ctr"/>
+            <a:endParaRPr lang="en-GB"/>
+          </a:p>
+        </p:txBody>
+      </p:sp>
+      <mc:AlternateContent xmlns:mc="http://schemas.openxmlformats.org/markup-compatibility/2006">
+        <mc:Choice xmlns:a14="http://schemas.microsoft.com/office/drawing/2010/main" Requires="a14">
+          <p:sp>
+            <p:nvSpPr>
+              <p:cNvPr id="5" name="TextBox 4">
+                <a:extLst>
+                  <a:ext uri="{FF2B5EF4-FFF2-40B4-BE49-F238E27FC236}">
+                    <a16:creationId xmlns:a16="http://schemas.microsoft.com/office/drawing/2014/main" id="{9280095F-DF78-4ADB-A006-CC895F3699C0}"/>
+                  </a:ext>
+                </a:extLst>
+              </p:cNvPr>
+              <p:cNvSpPr txBox="1"/>
+              <p:nvPr/>
+            </p:nvSpPr>
+            <p:spPr>
+              <a:xfrm>
+                <a:off x="180096" y="2307471"/>
+                <a:ext cx="1198469" cy="518604"/>
+              </a:xfrm>
+              <a:prstGeom prst="rect">
+                <a:avLst/>
+              </a:prstGeom>
+              <a:noFill/>
+            </p:spPr>
+            <p:txBody>
+              <a:bodyPr wrap="none" lIns="0" tIns="0" rIns="0" bIns="0" rtlCol="0">
+                <a:spAutoFit/>
+              </a:bodyPr>
+              <a:lstStyle/>
+              <a:p>
+                <a14:m>
+                  <m:oMathPara xmlns:m="http://schemas.openxmlformats.org/officeDocument/2006/math">
+                    <m:oMathParaPr>
+                      <m:jc m:val="centerGroup"/>
+                    </m:oMathParaPr>
+                    <m:oMath xmlns:m="http://schemas.openxmlformats.org/officeDocument/2006/math">
+                      <m:f>
+                        <m:fPr>
+                          <m:ctrlPr>
+                            <a:rPr lang="en-GB" i="1" smtClean="0">
+                              <a:latin typeface="Cambria Math" panose="02040503050406030204" pitchFamily="18" charset="0"/>
+                            </a:rPr>
+                          </m:ctrlPr>
+                        </m:fPr>
+                        <m:num>
+                          <m:r>
+                            <a:rPr lang="en-US" b="0" i="1" smtClean="0">
+                              <a:latin typeface="Cambria Math" panose="02040503050406030204" pitchFamily="18" charset="0"/>
+                            </a:rPr>
+                            <m:t>1</m:t>
+                          </m:r>
+                        </m:num>
+                        <m:den>
+                          <m:r>
+                            <a:rPr lang="en-US" b="0" i="1" smtClean="0">
+                              <a:latin typeface="Cambria Math" panose="02040503050406030204" pitchFamily="18" charset="0"/>
+                            </a:rPr>
+                            <m:t>𝐹</m:t>
+                          </m:r>
+                        </m:den>
+                      </m:f>
+                      <m:r>
+                        <a:rPr lang="en-GB" i="1" smtClean="0">
+                          <a:latin typeface="Cambria Math" panose="02040503050406030204" pitchFamily="18" charset="0"/>
+                        </a:rPr>
+                        <m:t>=</m:t>
+                      </m:r>
+                      <m:f>
+                        <m:fPr>
+                          <m:ctrlPr>
+                            <a:rPr lang="en-GB" i="1">
+                              <a:latin typeface="Cambria Math" panose="02040503050406030204" pitchFamily="18" charset="0"/>
+                            </a:rPr>
+                          </m:ctrlPr>
+                        </m:fPr>
+                        <m:num>
+                          <m:r>
+                            <a:rPr lang="en-US" i="1">
+                              <a:latin typeface="Cambria Math" panose="02040503050406030204" pitchFamily="18" charset="0"/>
+                            </a:rPr>
+                            <m:t>1</m:t>
+                          </m:r>
+                        </m:num>
+                        <m:den>
+                          <m:r>
+                            <a:rPr lang="en-US" i="1" smtClean="0">
+                              <a:latin typeface="Cambria Math" panose="02040503050406030204" pitchFamily="18" charset="0"/>
+                              <a:ea typeface="Cambria Math" panose="02040503050406030204" pitchFamily="18" charset="0"/>
+                            </a:rPr>
+                            <m:t>∞</m:t>
+                          </m:r>
+                        </m:den>
+                      </m:f>
+                      <m:r>
+                        <a:rPr lang="en-US" b="0" i="1" smtClean="0">
+                          <a:latin typeface="Cambria Math" panose="02040503050406030204" pitchFamily="18" charset="0"/>
+                        </a:rPr>
+                        <m:t>+</m:t>
+                      </m:r>
+                      <m:f>
+                        <m:fPr>
+                          <m:ctrlPr>
+                            <a:rPr lang="en-GB" i="1">
+                              <a:latin typeface="Cambria Math" panose="02040503050406030204" pitchFamily="18" charset="0"/>
+                            </a:rPr>
+                          </m:ctrlPr>
+                        </m:fPr>
+                        <m:num>
+                          <m:r>
+                            <a:rPr lang="en-US" i="1">
+                              <a:latin typeface="Cambria Math" panose="02040503050406030204" pitchFamily="18" charset="0"/>
+                            </a:rPr>
+                            <m:t>1</m:t>
+                          </m:r>
+                        </m:num>
+                        <m:den>
+                          <m:r>
+                            <a:rPr lang="en-US" b="0" i="1" smtClean="0">
+                              <a:latin typeface="Cambria Math" panose="02040503050406030204" pitchFamily="18" charset="0"/>
+                            </a:rPr>
+                            <m:t>𝐷</m:t>
+                          </m:r>
+                        </m:den>
+                      </m:f>
+                    </m:oMath>
+                  </m:oMathPara>
+                </a14:m>
+                <a:endParaRPr lang="en-GB" dirty="0"/>
+              </a:p>
+            </p:txBody>
+          </p:sp>
+        </mc:Choice>
+        <mc:Fallback>
+          <p:sp>
+            <p:nvSpPr>
+              <p:cNvPr id="5" name="TextBox 4">
+                <a:extLst>
+                  <a:ext uri="{FF2B5EF4-FFF2-40B4-BE49-F238E27FC236}">
+                    <a16:creationId xmlns:a16="http://schemas.microsoft.com/office/drawing/2014/main" id="{9280095F-DF78-4ADB-A006-CC895F3699C0}"/>
+                  </a:ext>
+                </a:extLst>
+              </p:cNvPr>
+              <p:cNvSpPr txBox="1">
+                <a:spLocks noRot="1" noChangeAspect="1" noMove="1" noResize="1" noEditPoints="1" noAdjustHandles="1" noChangeArrowheads="1" noChangeShapeType="1" noTextEdit="1"/>
+              </p:cNvSpPr>
+              <p:nvPr/>
+            </p:nvSpPr>
+            <p:spPr>
+              <a:xfrm>
+                <a:off x="180096" y="2307471"/>
+                <a:ext cx="1198469" cy="518604"/>
+              </a:xfrm>
+              <a:prstGeom prst="rect">
+                <a:avLst/>
+              </a:prstGeom>
+              <a:blipFill>
+                <a:blip r:embed="rId6"/>
+                <a:stretch>
+                  <a:fillRect/>
+                </a:stretch>
+              </a:blipFill>
+            </p:spPr>
+            <p:txBody>
+              <a:bodyPr/>
+              <a:lstStyle/>
+              <a:p>
+                <a:r>
+                  <a:rPr lang="en-GB">
+                    <a:noFill/>
+                  </a:rPr>
+                  <a:t> </a:t>
+                </a:r>
+              </a:p>
+            </p:txBody>
+          </p:sp>
+        </mc:Fallback>
+      </mc:AlternateContent>
+      <mc:AlternateContent xmlns:mc="http://schemas.openxmlformats.org/markup-compatibility/2006">
+        <mc:Choice xmlns:a14="http://schemas.microsoft.com/office/drawing/2010/main" Requires="a14">
+          <p:sp>
+            <p:nvSpPr>
+              <p:cNvPr id="64" name="TextBox 63">
+                <a:extLst>
+                  <a:ext uri="{FF2B5EF4-FFF2-40B4-BE49-F238E27FC236}">
+                    <a16:creationId xmlns:a16="http://schemas.microsoft.com/office/drawing/2014/main" id="{58FB5D49-3F43-40DD-AD1E-D80F93397CF8}"/>
+                  </a:ext>
+                </a:extLst>
+              </p:cNvPr>
+              <p:cNvSpPr txBox="1"/>
+              <p:nvPr/>
+            </p:nvSpPr>
+            <p:spPr>
+              <a:xfrm>
+                <a:off x="179167" y="3262636"/>
+                <a:ext cx="1125372" cy="518604"/>
+              </a:xfrm>
+              <a:prstGeom prst="rect">
+                <a:avLst/>
+              </a:prstGeom>
+              <a:noFill/>
+            </p:spPr>
+            <p:txBody>
+              <a:bodyPr wrap="none" lIns="0" tIns="0" rIns="0" bIns="0" rtlCol="0">
+                <a:spAutoFit/>
+              </a:bodyPr>
+              <a:lstStyle/>
+              <a:p>
+                <a14:m>
+                  <m:oMathPara xmlns:m="http://schemas.openxmlformats.org/officeDocument/2006/math">
+                    <m:oMathParaPr>
+                      <m:jc m:val="centerGroup"/>
+                    </m:oMathParaPr>
+                    <m:oMath xmlns:m="http://schemas.openxmlformats.org/officeDocument/2006/math">
+                      <m:f>
+                        <m:fPr>
+                          <m:ctrlPr>
+                            <a:rPr lang="en-GB" i="1" smtClean="0">
+                              <a:latin typeface="Cambria Math" panose="02040503050406030204" pitchFamily="18" charset="0"/>
+                            </a:rPr>
+                          </m:ctrlPr>
+                        </m:fPr>
+                        <m:num>
+                          <m:r>
+                            <a:rPr lang="en-US" b="0" i="1" smtClean="0">
+                              <a:latin typeface="Cambria Math" panose="02040503050406030204" pitchFamily="18" charset="0"/>
+                            </a:rPr>
+                            <m:t>1</m:t>
+                          </m:r>
+                        </m:num>
+                        <m:den>
+                          <m:r>
+                            <a:rPr lang="en-US" b="0" i="1" smtClean="0">
+                              <a:latin typeface="Cambria Math" panose="02040503050406030204" pitchFamily="18" charset="0"/>
+                            </a:rPr>
+                            <m:t>𝐹</m:t>
+                          </m:r>
+                        </m:den>
+                      </m:f>
+                      <m:r>
+                        <a:rPr lang="en-GB" i="1" smtClean="0">
+                          <a:latin typeface="Cambria Math" panose="02040503050406030204" pitchFamily="18" charset="0"/>
+                        </a:rPr>
+                        <m:t>=</m:t>
+                      </m:r>
+                      <m:f>
+                        <m:fPr>
+                          <m:ctrlPr>
+                            <a:rPr lang="en-GB" i="1">
+                              <a:latin typeface="Cambria Math" panose="02040503050406030204" pitchFamily="18" charset="0"/>
+                            </a:rPr>
+                          </m:ctrlPr>
+                        </m:fPr>
+                        <m:num>
+                          <m:r>
+                            <a:rPr lang="en-US" i="1">
+                              <a:latin typeface="Cambria Math" panose="02040503050406030204" pitchFamily="18" charset="0"/>
+                            </a:rPr>
+                            <m:t>1</m:t>
+                          </m:r>
+                        </m:num>
+                        <m:den>
+                          <m:r>
+                            <a:rPr lang="en-US" b="0" i="1" smtClean="0">
+                              <a:latin typeface="Cambria Math" panose="02040503050406030204" pitchFamily="18" charset="0"/>
+                              <a:ea typeface="Cambria Math" panose="02040503050406030204" pitchFamily="18" charset="0"/>
+                            </a:rPr>
+                            <m:t>𝐷</m:t>
+                          </m:r>
+                        </m:den>
+                      </m:f>
+                      <m:r>
+                        <a:rPr lang="en-US" b="0" i="1" smtClean="0">
+                          <a:latin typeface="Cambria Math" panose="02040503050406030204" pitchFamily="18" charset="0"/>
+                        </a:rPr>
+                        <m:t>+</m:t>
+                      </m:r>
+                      <m:f>
+                        <m:fPr>
+                          <m:ctrlPr>
+                            <a:rPr lang="en-GB" i="1">
+                              <a:latin typeface="Cambria Math" panose="02040503050406030204" pitchFamily="18" charset="0"/>
+                            </a:rPr>
+                          </m:ctrlPr>
+                        </m:fPr>
+                        <m:num>
+                          <m:r>
+                            <a:rPr lang="en-US" i="1">
+                              <a:latin typeface="Cambria Math" panose="02040503050406030204" pitchFamily="18" charset="0"/>
+                            </a:rPr>
+                            <m:t>1</m:t>
+                          </m:r>
+                        </m:num>
+                        <m:den>
+                          <m:r>
+                            <a:rPr lang="en-US" b="0" i="1" smtClean="0">
+                              <a:latin typeface="Cambria Math" panose="02040503050406030204" pitchFamily="18" charset="0"/>
+                            </a:rPr>
+                            <m:t>𝐷</m:t>
+                          </m:r>
+                        </m:den>
+                      </m:f>
+                    </m:oMath>
+                  </m:oMathPara>
+                </a14:m>
+                <a:endParaRPr lang="en-GB" dirty="0"/>
+              </a:p>
+            </p:txBody>
+          </p:sp>
+        </mc:Choice>
+        <mc:Fallback>
+          <p:sp>
+            <p:nvSpPr>
+              <p:cNvPr id="64" name="TextBox 63">
+                <a:extLst>
+                  <a:ext uri="{FF2B5EF4-FFF2-40B4-BE49-F238E27FC236}">
+                    <a16:creationId xmlns:a16="http://schemas.microsoft.com/office/drawing/2014/main" id="{58FB5D49-3F43-40DD-AD1E-D80F93397CF8}"/>
+                  </a:ext>
+                </a:extLst>
+              </p:cNvPr>
+              <p:cNvSpPr txBox="1">
+                <a:spLocks noRot="1" noChangeAspect="1" noMove="1" noResize="1" noEditPoints="1" noAdjustHandles="1" noChangeArrowheads="1" noChangeShapeType="1" noTextEdit="1"/>
+              </p:cNvSpPr>
+              <p:nvPr/>
+            </p:nvSpPr>
+            <p:spPr>
+              <a:xfrm>
+                <a:off x="179167" y="3262636"/>
+                <a:ext cx="1125372" cy="518604"/>
+              </a:xfrm>
+              <a:prstGeom prst="rect">
+                <a:avLst/>
+              </a:prstGeom>
+              <a:blipFill>
+                <a:blip r:embed="rId7"/>
+                <a:stretch>
+                  <a:fillRect/>
+                </a:stretch>
+              </a:blipFill>
+            </p:spPr>
+            <p:txBody>
+              <a:bodyPr/>
+              <a:lstStyle/>
+              <a:p>
+                <a:r>
+                  <a:rPr lang="en-GB">
+                    <a:noFill/>
+                  </a:rPr>
+                  <a:t> </a:t>
+                </a:r>
+              </a:p>
+            </p:txBody>
+          </p:sp>
+        </mc:Fallback>
+      </mc:AlternateContent>
+      <p:sp>
+        <p:nvSpPr>
+          <p:cNvPr id="65" name="TextBox 64">
+            <a:extLst>
+              <a:ext uri="{FF2B5EF4-FFF2-40B4-BE49-F238E27FC236}">
+                <a16:creationId xmlns:a16="http://schemas.microsoft.com/office/drawing/2014/main" id="{0DEB83A8-2C94-4E75-AB1F-9C9659C1E857}"/>
+              </a:ext>
+            </a:extLst>
+          </p:cNvPr>
+          <p:cNvSpPr txBox="1"/>
+          <p:nvPr/>
+        </p:nvSpPr>
+        <p:spPr>
+          <a:xfrm>
+            <a:off x="1527835" y="941770"/>
+            <a:ext cx="920445" cy="261610"/>
+          </a:xfrm>
+          <a:prstGeom prst="rect">
+            <a:avLst/>
+          </a:prstGeom>
+          <a:noFill/>
+        </p:spPr>
+        <p:txBody>
+          <a:bodyPr wrap="none" rtlCol="0">
+            <a:spAutoFit/>
+          </a:bodyPr>
+          <a:lstStyle/>
+          <a:p>
+            <a:r>
+              <a:rPr lang="en-US" sz="1100" dirty="0"/>
+              <a:t>MODEL 2.1</a:t>
+            </a:r>
+            <a:endParaRPr lang="en-GB" sz="1100" dirty="0"/>
+          </a:p>
+        </p:txBody>
+      </p:sp>
+      <p:sp>
+        <p:nvSpPr>
+          <p:cNvPr id="66" name="TextBox 65">
+            <a:extLst>
+              <a:ext uri="{FF2B5EF4-FFF2-40B4-BE49-F238E27FC236}">
+                <a16:creationId xmlns:a16="http://schemas.microsoft.com/office/drawing/2014/main" id="{670DC727-602E-450A-AAB5-A502BAC0C867}"/>
+              </a:ext>
+            </a:extLst>
+          </p:cNvPr>
+          <p:cNvSpPr txBox="1"/>
+          <p:nvPr/>
+        </p:nvSpPr>
+        <p:spPr>
+          <a:xfrm>
+            <a:off x="1515976" y="1925822"/>
+            <a:ext cx="920445" cy="261610"/>
+          </a:xfrm>
+          <a:prstGeom prst="rect">
+            <a:avLst/>
+          </a:prstGeom>
+          <a:noFill/>
+        </p:spPr>
+        <p:txBody>
+          <a:bodyPr wrap="none" rtlCol="0">
+            <a:spAutoFit/>
+          </a:bodyPr>
+          <a:lstStyle/>
+          <a:p>
+            <a:r>
+              <a:rPr lang="en-US" sz="1100" dirty="0"/>
+              <a:t>MODEL 2.2</a:t>
+            </a:r>
+            <a:endParaRPr lang="en-GB" sz="1100" dirty="0"/>
+          </a:p>
+        </p:txBody>
+      </p:sp>
+      <p:sp>
+        <p:nvSpPr>
+          <p:cNvPr id="67" name="TextBox 66">
+            <a:extLst>
+              <a:ext uri="{FF2B5EF4-FFF2-40B4-BE49-F238E27FC236}">
+                <a16:creationId xmlns:a16="http://schemas.microsoft.com/office/drawing/2014/main" id="{3AA2B6BC-2F9E-4B4D-9DE7-F50AA7F79F7F}"/>
+              </a:ext>
+            </a:extLst>
+          </p:cNvPr>
+          <p:cNvSpPr txBox="1"/>
+          <p:nvPr/>
+        </p:nvSpPr>
+        <p:spPr>
+          <a:xfrm>
+            <a:off x="1539077" y="2974809"/>
+            <a:ext cx="920445" cy="261610"/>
+          </a:xfrm>
+          <a:prstGeom prst="rect">
+            <a:avLst/>
+          </a:prstGeom>
+          <a:noFill/>
+        </p:spPr>
+        <p:txBody>
+          <a:bodyPr wrap="none" rtlCol="0">
+            <a:spAutoFit/>
+          </a:bodyPr>
+          <a:lstStyle/>
+          <a:p>
+            <a:r>
+              <a:rPr lang="en-US" sz="1100" dirty="0"/>
+              <a:t>MODEL 2.3</a:t>
+            </a:r>
+            <a:endParaRPr lang="en-GB" sz="1100" dirty="0"/>
+          </a:p>
+        </p:txBody>
+      </p:sp>
+      <p:sp>
+        <p:nvSpPr>
+          <p:cNvPr id="68" name="TextBox 67">
+            <a:extLst>
+              <a:ext uri="{FF2B5EF4-FFF2-40B4-BE49-F238E27FC236}">
+                <a16:creationId xmlns:a16="http://schemas.microsoft.com/office/drawing/2014/main" id="{D62D7AC7-E126-40A3-80E0-6F3F706DBB3F}"/>
+              </a:ext>
+            </a:extLst>
+          </p:cNvPr>
+          <p:cNvSpPr txBox="1"/>
+          <p:nvPr/>
+        </p:nvSpPr>
+        <p:spPr>
+          <a:xfrm>
+            <a:off x="1492250" y="4094770"/>
+            <a:ext cx="920445" cy="261610"/>
+          </a:xfrm>
+          <a:prstGeom prst="rect">
+            <a:avLst/>
+          </a:prstGeom>
+          <a:noFill/>
+        </p:spPr>
+        <p:txBody>
+          <a:bodyPr wrap="none" rtlCol="0">
+            <a:spAutoFit/>
+          </a:bodyPr>
+          <a:lstStyle/>
+          <a:p>
+            <a:r>
+              <a:rPr lang="en-US" sz="1100" dirty="0"/>
+              <a:t>MODEL 2.4</a:t>
+            </a:r>
+            <a:endParaRPr lang="en-GB" sz="1100" dirty="0"/>
           </a:p>
         </p:txBody>
       </p:sp>
@@ -5967,9 +10796,10 @@
           <a:lstStyle/>
           <a:p>
             <a:r>
-              <a:rPr lang="en-US" noProof="0" dirty="0"/>
-              <a:t>OASYS-Power transport | HERCULES2022</a:t>
-            </a:r>
+              <a:rPr lang="en-US" noProof="0"/>
+              <a:t>OASYS-Coherence transport | HERCULES2022</a:t>
+            </a:r>
+            <a:endParaRPr lang="en-US" noProof="0" dirty="0"/>
           </a:p>
         </p:txBody>
       </p:sp>
@@ -5987,8 +10817,8 @@
         </p:nvSpPr>
         <p:spPr>
           <a:xfrm>
-            <a:off x="662956" y="640195"/>
-            <a:ext cx="7941492" cy="4089514"/>
+            <a:off x="493242" y="438808"/>
+            <a:ext cx="8157516" cy="4524315"/>
           </a:xfrm>
           <a:prstGeom prst="rect">
             <a:avLst/>
@@ -6018,7 +10848,7 @@
                   <a:srgbClr val="002692"/>
                 </a:solidFill>
               </a:rPr>
-              <a:t>CF Ratio of the good photons (coherent) over the total amount of photons</a:t>
+              <a:t>CF: Ratio of the good photons (coherent) over the total amount of photons</a:t>
             </a:r>
           </a:p>
           <a:p>
@@ -6046,7 +10876,49 @@
                   <a:srgbClr val="002692"/>
                 </a:solidFill>
               </a:rPr>
-              <a:t>Coherent beams are treated with “wave optics”, Incoherent beams with “ray tracing” and partially coherent beam with “coherent mode decomposition”</a:t>
+              <a:t>Beams are treated with:</a:t>
+            </a:r>
+          </a:p>
+          <a:p>
+            <a:pPr marL="742950" lvl="1" indent="-285750">
+              <a:buFont typeface="Wingdings" panose="05000000000000000000" pitchFamily="2" charset="2"/>
+              <a:buChar char="§"/>
+            </a:pPr>
+            <a:r>
+              <a:rPr lang="en-US" dirty="0">
+                <a:solidFill>
+                  <a:srgbClr val="002692"/>
+                </a:solidFill>
+              </a:rPr>
+              <a:t>“wave optics” if they are coherent</a:t>
+            </a:r>
+          </a:p>
+          <a:p>
+            <a:pPr marL="742950" lvl="1" indent="-285750">
+              <a:buFont typeface="Wingdings" panose="05000000000000000000" pitchFamily="2" charset="2"/>
+              <a:buChar char="§"/>
+            </a:pPr>
+            <a:r>
+              <a:rPr lang="en-US" dirty="0">
+                <a:solidFill>
+                  <a:srgbClr val="002692"/>
+                </a:solidFill>
+              </a:rPr>
+              <a:t>“ray tracing” if they are incoherent</a:t>
+            </a:r>
+          </a:p>
+          <a:p>
+            <a:pPr marL="742950" lvl="1" indent="-285750">
+              <a:buFont typeface="Wingdings" panose="05000000000000000000" pitchFamily="2" charset="2"/>
+              <a:buChar char="§"/>
+            </a:pPr>
+            <a:r>
+              <a:rPr lang="en-US" dirty="0">
+                <a:solidFill>
+                  <a:srgbClr val="002692"/>
+                </a:solidFill>
+              </a:rPr>
+              <a:t>“coherent mode decomposition”</a:t>
             </a:r>
             <a:r>
               <a:rPr lang="en-US" baseline="30000" dirty="0">
@@ -6054,25 +10926,19 @@
                   <a:srgbClr val="002692"/>
                 </a:solidFill>
               </a:rPr>
-              <a:t>1</a:t>
-            </a:r>
-          </a:p>
-          <a:p>
-            <a:pPr marL="285750" indent="-285750">
-              <a:buFont typeface="Wingdings" panose="05000000000000000000" pitchFamily="2" charset="2"/>
-              <a:buChar char="§"/>
-            </a:pPr>
+              <a:t>1 if they are </a:t>
+            </a:r>
             <a:r>
               <a:rPr lang="en-US" dirty="0">
                 <a:solidFill>
                   <a:srgbClr val="002692"/>
                 </a:solidFill>
               </a:rPr>
-              <a:t>Calculation for the source: </a:t>
-            </a:r>
-          </a:p>
-          <a:p>
-            <a:pPr marL="742950" lvl="1" indent="-285750">
+              <a:t>partially coherent </a:t>
+            </a:r>
+          </a:p>
+          <a:p>
+            <a:pPr marL="285750" indent="-285750">
               <a:buFont typeface="Wingdings" panose="05000000000000000000" pitchFamily="2" charset="2"/>
               <a:buChar char="§"/>
             </a:pPr>
@@ -6082,13 +10948,13 @@
                   <a:srgbClr val="002692"/>
                 </a:solidFill>
               </a:rPr>
-              <a:t>1) Ratio of the phase space: “coherent source” / “actual source”</a:t>
-            </a:r>
-          </a:p>
-          <a:p>
-            <a:pPr marL="742950" lvl="1" indent="-285750">
-              <a:buFont typeface="Wingdings" panose="05000000000000000000" pitchFamily="2" charset="2"/>
-              <a:buChar char="§"/>
+              <a:t>The CF can be calculated:</a:t>
+            </a:r>
+          </a:p>
+          <a:p>
+            <a:pPr marL="800100" lvl="1" indent="-342900">
+              <a:buFont typeface="+mj-lt"/>
+              <a:buAutoNum type="arabicPeriod"/>
             </a:pPr>
             <a:r>
               <a:rPr lang="en-US" dirty="0">
@@ -6096,7 +10962,21 @@
                   <a:srgbClr val="002692"/>
                 </a:solidFill>
               </a:rPr>
-              <a:t>2) Occupation of the first coherent mode </a:t>
+              <a:t>From the ratio of the phase space: “coherent source” / “actual source”</a:t>
+            </a:r>
+          </a:p>
+          <a:p>
+            <a:pPr marL="800100" lvl="1" indent="-342900">
+              <a:buFont typeface="+mj-lt"/>
+              <a:buAutoNum type="arabicPeriod"/>
+            </a:pPr>
+            <a:r>
+              <a:rPr lang="en-US" dirty="0">
+                <a:solidFill>
+                  <a:srgbClr val="002692"/>
+                </a:solidFill>
+              </a:rPr>
+              <a:t>Occupation of the first coherent mode </a:t>
             </a:r>
           </a:p>
           <a:p>
@@ -6138,11 +11018,11 @@
                   <a:srgbClr val="002692"/>
                 </a:solidFill>
               </a:rPr>
-              <a:t>CF decreases when photon energy increases</a:t>
-            </a:r>
-          </a:p>
-          <a:p>
-            <a:pPr marL="285750" indent="-285750">
+              <a:t>Small emittance implies better coherence</a:t>
+            </a:r>
+          </a:p>
+          <a:p>
+            <a:pPr marL="742950" lvl="1" indent="-285750">
               <a:buFont typeface="Wingdings" panose="05000000000000000000" pitchFamily="2" charset="2"/>
               <a:buChar char="§"/>
             </a:pPr>
@@ -6152,7 +11032,69 @@
                   <a:srgbClr val="002692"/>
                 </a:solidFill>
               </a:rPr>
-              <a:t>It was CF~10-3, 10-4 for ESRF1 and CF~10-2 FOR EBS</a:t>
+              <a:t>CF decreases when photon energy increases</a:t>
+            </a:r>
+          </a:p>
+          <a:p>
+            <a:pPr marL="285750" indent="-285750">
+              <a:buFont typeface="Wingdings" panose="05000000000000000000" pitchFamily="2" charset="2"/>
+              <a:buChar char="§"/>
+            </a:pPr>
+            <a:r>
+              <a:rPr lang="en-US" dirty="0">
+                <a:solidFill>
+                  <a:srgbClr val="002692"/>
+                </a:solidFill>
+              </a:rPr>
+              <a:t>It was CF~10</a:t>
+            </a:r>
+            <a:r>
+              <a:rPr lang="en-US" baseline="30000" dirty="0">
+                <a:solidFill>
+                  <a:srgbClr val="002692"/>
+                </a:solidFill>
+              </a:rPr>
+              <a:t>-3</a:t>
+            </a:r>
+            <a:r>
+              <a:rPr lang="en-US" dirty="0">
+                <a:solidFill>
+                  <a:srgbClr val="002692"/>
+                </a:solidFill>
+              </a:rPr>
+              <a:t>, 10</a:t>
+            </a:r>
+            <a:r>
+              <a:rPr lang="en-US" baseline="30000" dirty="0">
+                <a:solidFill>
+                  <a:srgbClr val="002692"/>
+                </a:solidFill>
+              </a:rPr>
+              <a:t>-4</a:t>
+            </a:r>
+            <a:r>
+              <a:rPr lang="en-US" dirty="0">
+                <a:solidFill>
+                  <a:srgbClr val="002692"/>
+                </a:solidFill>
+              </a:rPr>
+              <a:t> for ESRF1 and CF~10</a:t>
+            </a:r>
+            <a:r>
+              <a:rPr lang="en-US" baseline="30000" dirty="0">
+                <a:solidFill>
+                  <a:srgbClr val="002692"/>
+                </a:solidFill>
+              </a:rPr>
+              <a:t>-2</a:t>
+            </a:r>
+            <a:r>
+              <a:rPr lang="en-US" dirty="0">
+                <a:solidFill>
+                  <a:srgbClr val="002692"/>
+                </a:solidFill>
+              </a:rPr>
+              <a:t> FOR EBS</a:t>
             </a:r>
           </a:p>
         </p:txBody>
@@ -6171,7 +11113,7 @@
         </p:nvSpPr>
         <p:spPr>
           <a:xfrm>
-            <a:off x="2574265" y="4789250"/>
+            <a:off x="3563888" y="4975012"/>
             <a:ext cx="413559" cy="276999"/>
           </a:xfrm>
           <a:prstGeom prst="rect">
@@ -6223,7 +11165,7 @@
         </p:blipFill>
         <p:spPr>
           <a:xfrm>
-            <a:off x="2987824" y="4760687"/>
+            <a:off x="3812483" y="4919631"/>
             <a:ext cx="2970817" cy="819178"/>
           </a:xfrm>
           <a:prstGeom prst="rect">
@@ -6328,9 +11270,10 @@
           <a:lstStyle/>
           <a:p>
             <a:r>
-              <a:rPr lang="en-US" noProof="0" dirty="0"/>
-              <a:t>OASYS-Power transport | HERCULES2022</a:t>
-            </a:r>
+              <a:rPr lang="en-US" noProof="0"/>
+              <a:t>OASYS-Coherence transport | HERCULES2022</a:t>
+            </a:r>
+            <a:endParaRPr lang="en-US" noProof="0" dirty="0"/>
           </a:p>
         </p:txBody>
       </p:sp>
@@ -6476,7 +11419,7 @@
         </p:blipFill>
         <p:spPr>
           <a:xfrm>
-            <a:off x="1869891" y="4026004"/>
+            <a:off x="1869891" y="4144778"/>
             <a:ext cx="1026308" cy="1016978"/>
           </a:xfrm>
           <a:prstGeom prst="rect">
@@ -6506,7 +11449,7 @@
         </p:blipFill>
         <p:spPr>
           <a:xfrm>
-            <a:off x="3002402" y="4057289"/>
+            <a:off x="3002402" y="4176063"/>
             <a:ext cx="1449679" cy="985693"/>
           </a:xfrm>
           <a:prstGeom prst="rect">
@@ -6536,7 +11479,7 @@
         </p:blipFill>
         <p:spPr>
           <a:xfrm>
-            <a:off x="5650122" y="4320105"/>
+            <a:off x="5633631" y="4336956"/>
             <a:ext cx="3312368" cy="1308555"/>
           </a:xfrm>
           <a:prstGeom prst="rect">
@@ -6558,7 +11501,7 @@
         </p:nvSpPr>
         <p:spPr>
           <a:xfrm>
-            <a:off x="7668344" y="4535847"/>
+            <a:off x="7651853" y="4552698"/>
             <a:ext cx="1191352" cy="369332"/>
           </a:xfrm>
           <a:prstGeom prst="rect">
@@ -6598,7 +11541,7 @@
         </p:nvSpPr>
         <p:spPr>
           <a:xfrm>
-            <a:off x="3723069" y="4437724"/>
+            <a:off x="3723069" y="4556498"/>
             <a:ext cx="1191352" cy="369332"/>
           </a:xfrm>
           <a:prstGeom prst="rect">
@@ -7141,10 +12084,375 @@
           </a:p>
         </p:txBody>
       </p:sp>
+      <p:sp>
+        <p:nvSpPr>
+          <p:cNvPr id="12" name="TextBox 11">
+            <a:extLst>
+              <a:ext uri="{FF2B5EF4-FFF2-40B4-BE49-F238E27FC236}">
+                <a16:creationId xmlns:a16="http://schemas.microsoft.com/office/drawing/2014/main" id="{DE5C0138-F521-4B03-BFF0-617FD814A7D1}"/>
+              </a:ext>
+            </a:extLst>
+          </p:cNvPr>
+          <p:cNvSpPr txBox="1"/>
+          <p:nvPr/>
+        </p:nvSpPr>
+        <p:spPr>
+          <a:xfrm>
+            <a:off x="1898967" y="1025128"/>
+            <a:ext cx="2751074" cy="307777"/>
+          </a:xfrm>
+          <a:prstGeom prst="rect">
+            <a:avLst/>
+          </a:prstGeom>
+          <a:noFill/>
+        </p:spPr>
+        <p:txBody>
+          <a:bodyPr wrap="none" rtlCol="0">
+            <a:spAutoFit/>
+          </a:bodyPr>
+          <a:lstStyle/>
+          <a:p>
+            <a:r>
+              <a:rPr lang="en-US" sz="1400" dirty="0"/>
+              <a:t>Modes     Cumulated occupation</a:t>
+            </a:r>
+            <a:endParaRPr lang="en-GB" sz="1400" dirty="0"/>
+          </a:p>
+        </p:txBody>
+      </p:sp>
+      <p:sp>
+        <p:nvSpPr>
+          <p:cNvPr id="29" name="TextBox 28">
+            <a:extLst>
+              <a:ext uri="{FF2B5EF4-FFF2-40B4-BE49-F238E27FC236}">
+                <a16:creationId xmlns:a16="http://schemas.microsoft.com/office/drawing/2014/main" id="{BEBA27E0-88FA-4508-A63E-C0940CA1BDEB}"/>
+              </a:ext>
+            </a:extLst>
+          </p:cNvPr>
+          <p:cNvSpPr txBox="1"/>
+          <p:nvPr/>
+        </p:nvSpPr>
+        <p:spPr>
+          <a:xfrm>
+            <a:off x="1995441" y="3865612"/>
+            <a:ext cx="2751074" cy="307777"/>
+          </a:xfrm>
+          <a:prstGeom prst="rect">
+            <a:avLst/>
+          </a:prstGeom>
+          <a:noFill/>
+        </p:spPr>
+        <p:txBody>
+          <a:bodyPr wrap="none" rtlCol="0">
+            <a:spAutoFit/>
+          </a:bodyPr>
+          <a:lstStyle/>
+          <a:p>
+            <a:r>
+              <a:rPr lang="en-US" sz="1400" dirty="0"/>
+              <a:t>Modes     Cumulated occupation</a:t>
+            </a:r>
+            <a:endParaRPr lang="en-GB" sz="1400" dirty="0"/>
+          </a:p>
+        </p:txBody>
+      </p:sp>
+      <p:sp>
+        <p:nvSpPr>
+          <p:cNvPr id="31" name="TextBox 30">
+            <a:extLst>
+              <a:ext uri="{FF2B5EF4-FFF2-40B4-BE49-F238E27FC236}">
+                <a16:creationId xmlns:a16="http://schemas.microsoft.com/office/drawing/2014/main" id="{2D3F91C5-D3E5-4D0D-945B-84A57B3394A9}"/>
+              </a:ext>
+            </a:extLst>
+          </p:cNvPr>
+          <p:cNvSpPr txBox="1"/>
+          <p:nvPr/>
+        </p:nvSpPr>
+        <p:spPr>
+          <a:xfrm>
+            <a:off x="19575" y="4620685"/>
+            <a:ext cx="1587294" cy="738664"/>
+          </a:xfrm>
+          <a:prstGeom prst="rect">
+            <a:avLst/>
+          </a:prstGeom>
+          <a:noFill/>
+        </p:spPr>
+        <p:txBody>
+          <a:bodyPr wrap="none" rtlCol="0">
+            <a:spAutoFit/>
+          </a:bodyPr>
+          <a:lstStyle/>
+          <a:p>
+            <a:r>
+              <a:rPr lang="en-US" sz="1400" dirty="0">
+                <a:solidFill>
+                  <a:srgbClr val="FF0000"/>
+                </a:solidFill>
+              </a:rPr>
+              <a:t>CF= </a:t>
+            </a:r>
+            <a:r>
+              <a:rPr lang="en-US" sz="1400" dirty="0" err="1">
+                <a:solidFill>
+                  <a:srgbClr val="FF0000"/>
+                </a:solidFill>
+              </a:rPr>
+              <a:t>CFh</a:t>
+            </a:r>
+            <a:r>
+              <a:rPr lang="en-US" sz="1400" dirty="0">
+                <a:solidFill>
+                  <a:srgbClr val="FF0000"/>
+                </a:solidFill>
+              </a:rPr>
+              <a:t> x </a:t>
+            </a:r>
+            <a:r>
+              <a:rPr lang="en-US" sz="1400" dirty="0" err="1">
+                <a:solidFill>
+                  <a:srgbClr val="FF0000"/>
+                </a:solidFill>
+              </a:rPr>
+              <a:t>CFh</a:t>
+            </a:r>
+            <a:r>
+              <a:rPr lang="en-US" sz="1400" dirty="0">
+                <a:solidFill>
+                  <a:srgbClr val="FF0000"/>
+                </a:solidFill>
+              </a:rPr>
+              <a:t>:</a:t>
+            </a:r>
+          </a:p>
+          <a:p>
+            <a:pPr marL="285750" indent="-285750">
+              <a:buFont typeface="Arial" panose="020B0604020202020204" pitchFamily="34" charset="0"/>
+              <a:buChar char="•"/>
+            </a:pPr>
+            <a:r>
+              <a:rPr lang="en-US" sz="1400" dirty="0">
+                <a:solidFill>
+                  <a:srgbClr val="FF0000"/>
+                </a:solidFill>
+              </a:rPr>
+              <a:t>Source: 0.038</a:t>
+            </a:r>
+          </a:p>
+          <a:p>
+            <a:pPr marL="285750" indent="-285750">
+              <a:buFont typeface="Arial" panose="020B0604020202020204" pitchFamily="34" charset="0"/>
+              <a:buChar char="•"/>
+            </a:pPr>
+            <a:r>
+              <a:rPr lang="en-US" sz="1400" dirty="0">
+                <a:solidFill>
+                  <a:srgbClr val="FF0000"/>
+                </a:solidFill>
+              </a:rPr>
+              <a:t>Image: 0.51 </a:t>
+            </a:r>
+            <a:endParaRPr lang="en-GB" sz="1400" dirty="0">
+              <a:solidFill>
+                <a:srgbClr val="FF0000"/>
+              </a:solidFill>
+            </a:endParaRPr>
+          </a:p>
+        </p:txBody>
+      </p:sp>
+      <p:sp>
+        <p:nvSpPr>
+          <p:cNvPr id="35" name="TextBox 34">
+            <a:extLst>
+              <a:ext uri="{FF2B5EF4-FFF2-40B4-BE49-F238E27FC236}">
+                <a16:creationId xmlns:a16="http://schemas.microsoft.com/office/drawing/2014/main" id="{48CA8B2B-3BC6-48B7-AE26-6AFEF4BB7D68}"/>
+              </a:ext>
+            </a:extLst>
+          </p:cNvPr>
+          <p:cNvSpPr txBox="1"/>
+          <p:nvPr/>
+        </p:nvSpPr>
+        <p:spPr>
+          <a:xfrm>
+            <a:off x="315065" y="733030"/>
+            <a:ext cx="803425" cy="261610"/>
+          </a:xfrm>
+          <a:prstGeom prst="rect">
+            <a:avLst/>
+          </a:prstGeom>
+          <a:noFill/>
+        </p:spPr>
+        <p:txBody>
+          <a:bodyPr wrap="none" rtlCol="0">
+            <a:spAutoFit/>
+          </a:bodyPr>
+          <a:lstStyle/>
+          <a:p>
+            <a:r>
+              <a:rPr lang="en-US" sz="1100" dirty="0"/>
+              <a:t>MODEL 3</a:t>
+            </a:r>
+            <a:endParaRPr lang="en-GB" sz="1100" dirty="0"/>
+          </a:p>
+        </p:txBody>
+      </p:sp>
     </p:spTree>
     <p:extLst>
       <p:ext uri="{BB962C8B-B14F-4D97-AF65-F5344CB8AC3E}">
         <p14:creationId xmlns:p14="http://schemas.microsoft.com/office/powerpoint/2010/main" val="3417437361"/>
+      </p:ext>
+    </p:extLst>
+  </p:cSld>
+  <p:clrMapOvr>
+    <a:masterClrMapping/>
+  </p:clrMapOvr>
+</p:sld>
+</file>
+
+<file path=ppt/slides/slide9.xml><?xml version="1.0" encoding="utf-8"?>
+<p:sld xmlns:a="http://schemas.openxmlformats.org/drawingml/2006/main" xmlns:r="http://schemas.openxmlformats.org/officeDocument/2006/relationships" xmlns:p="http://schemas.openxmlformats.org/presentationml/2006/main">
+  <p:cSld>
+    <p:spTree>
+      <p:nvGrpSpPr>
+        <p:cNvPr id="1" name=""/>
+        <p:cNvGrpSpPr/>
+        <p:nvPr/>
+      </p:nvGrpSpPr>
+      <p:grpSpPr>
+        <a:xfrm>
+          <a:off x="0" y="0"/>
+          <a:ext cx="0" cy="0"/>
+          <a:chOff x="0" y="0"/>
+          <a:chExt cx="0" cy="0"/>
+        </a:xfrm>
+      </p:grpSpPr>
+      <p:sp>
+        <p:nvSpPr>
+          <p:cNvPr id="2" name="Title 1"/>
+          <p:cNvSpPr>
+            <a:spLocks noGrp="1"/>
+          </p:cNvSpPr>
+          <p:nvPr>
+            <p:ph type="title"/>
+          </p:nvPr>
+        </p:nvSpPr>
+        <p:spPr/>
+        <p:txBody>
+          <a:bodyPr/>
+          <a:lstStyle/>
+          <a:p>
+            <a:endParaRPr lang="en-GB" sz="2400" cap="none" dirty="0"/>
+          </a:p>
+        </p:txBody>
+      </p:sp>
+      <p:sp>
+        <p:nvSpPr>
+          <p:cNvPr id="6" name="Slide Number Placeholder 5"/>
+          <p:cNvSpPr>
+            <a:spLocks noGrp="1"/>
+          </p:cNvSpPr>
+          <p:nvPr>
+            <p:ph type="sldNum" sz="quarter" idx="15"/>
+          </p:nvPr>
+        </p:nvSpPr>
+        <p:spPr/>
+        <p:txBody>
+          <a:bodyPr/>
+          <a:lstStyle/>
+          <a:p>
+            <a:r>
+              <a:rPr lang="en-US" noProof="0"/>
+              <a:t>Page </a:t>
+            </a:r>
+            <a:fld id="{733122C9-A0B9-462F-8757-0847AD287B63}" type="slidenum">
+              <a:rPr lang="en-US" noProof="0" smtClean="0"/>
+              <a:pPr/>
+              <a:t>9</a:t>
+            </a:fld>
+            <a:endParaRPr lang="en-US" noProof="0"/>
+          </a:p>
+        </p:txBody>
+      </p:sp>
+      <p:sp>
+        <p:nvSpPr>
+          <p:cNvPr id="17" name="TextBox 16">
+            <a:extLst>
+              <a:ext uri="{FF2B5EF4-FFF2-40B4-BE49-F238E27FC236}">
+                <a16:creationId xmlns:a16="http://schemas.microsoft.com/office/drawing/2014/main" id="{1ADE9718-135A-43A5-A806-290EDF657BD2}"/>
+              </a:ext>
+            </a:extLst>
+          </p:cNvPr>
+          <p:cNvSpPr txBox="1"/>
+          <p:nvPr/>
+        </p:nvSpPr>
+        <p:spPr>
+          <a:xfrm>
+            <a:off x="7524328" y="836728"/>
+            <a:ext cx="1204176" cy="369332"/>
+          </a:xfrm>
+          <a:prstGeom prst="rect">
+            <a:avLst/>
+          </a:prstGeom>
+          <a:noFill/>
+        </p:spPr>
+        <p:txBody>
+          <a:bodyPr wrap="none" rtlCol="0">
+            <a:spAutoFit/>
+          </a:bodyPr>
+          <a:lstStyle/>
+          <a:p>
+            <a:r>
+              <a:rPr lang="en-US" dirty="0" err="1"/>
+              <a:t>CFh</a:t>
+            </a:r>
+            <a:r>
+              <a:rPr lang="en-US" dirty="0"/>
+              <a:t>=0.53</a:t>
+            </a:r>
+            <a:endParaRPr lang="en-GB" dirty="0"/>
+          </a:p>
+        </p:txBody>
+      </p:sp>
+      <p:sp>
+        <p:nvSpPr>
+          <p:cNvPr id="18" name="TextBox 17">
+            <a:extLst>
+              <a:ext uri="{FF2B5EF4-FFF2-40B4-BE49-F238E27FC236}">
+                <a16:creationId xmlns:a16="http://schemas.microsoft.com/office/drawing/2014/main" id="{BBAC4C97-F13C-4E21-99E0-C0A24A85019D}"/>
+              </a:ext>
+            </a:extLst>
+          </p:cNvPr>
+          <p:cNvSpPr txBox="1"/>
+          <p:nvPr/>
+        </p:nvSpPr>
+        <p:spPr>
+          <a:xfrm>
+            <a:off x="3347864" y="2569468"/>
+            <a:ext cx="1851789" cy="369332"/>
+          </a:xfrm>
+          <a:prstGeom prst="rect">
+            <a:avLst/>
+          </a:prstGeom>
+          <a:noFill/>
+        </p:spPr>
+        <p:txBody>
+          <a:bodyPr wrap="none" rtlCol="0">
+            <a:spAutoFit/>
+          </a:bodyPr>
+          <a:lstStyle/>
+          <a:p>
+            <a:r>
+              <a:rPr lang="en-US" dirty="0"/>
+              <a:t>Additional slides</a:t>
+            </a:r>
+            <a:endParaRPr lang="en-GB" dirty="0"/>
+          </a:p>
+        </p:txBody>
+      </p:sp>
+    </p:spTree>
+    <p:extLst>
+      <p:ext uri="{BB962C8B-B14F-4D97-AF65-F5344CB8AC3E}">
+        <p14:creationId xmlns:p14="http://schemas.microsoft.com/office/powerpoint/2010/main" val="230473379"/>
       </p:ext>
     </p:extLst>
   </p:cSld>

--- a/2022/hercules2022_D_coherence_transport.pptx
+++ b/2022/hercules2022_D_coherence_transport.pptx
@@ -5,7 +5,7 @@
     <p:sldMasterId id="2147483648" r:id="rId1"/>
   </p:sldMasterIdLst>
   <p:notesMasterIdLst>
-    <p:notesMasterId r:id="rId17"/>
+    <p:notesMasterId r:id="rId16"/>
   </p:notesMasterIdLst>
   <p:sldIdLst>
     <p:sldId id="262" r:id="rId2"/>
@@ -22,7 +22,6 @@
     <p:sldId id="540" r:id="rId13"/>
     <p:sldId id="541" r:id="rId14"/>
     <p:sldId id="542" r:id="rId15"/>
-    <p:sldId id="543" r:id="rId16"/>
   </p:sldIdLst>
   <p:sldSz cx="9144000" cy="5715000" type="screen16x10"/>
   <p:notesSz cx="6858000" cy="9144000"/>
@@ -2579,7 +2578,7 @@
         </p:nvSpPr>
         <p:spPr bwMode="auto">
           <a:xfrm>
-            <a:off x="889000" y="598264"/>
+            <a:off x="889001" y="565336"/>
             <a:ext cx="4635500" cy="4635500"/>
           </a:xfrm>
           <a:prstGeom prst="rect">
@@ -2781,6 +2780,15 @@
                 <a:spcPct val="20000"/>
               </a:spcBef>
             </a:pPr>
+            <a:r>
+              <a:rPr lang="en-US" sz="1000" b="1" dirty="0">
+                <a:solidFill>
+                  <a:srgbClr val="008000"/>
+                </a:solidFill>
+                <a:latin typeface="Helvetica" charset="0"/>
+              </a:rPr>
+              <a:t/>
+            </a:r>
             <a:br>
               <a:rPr lang="en-US" sz="1000" b="1" dirty="0">
                 <a:solidFill>
@@ -2967,7 +2975,7 @@
         </p:blipFill>
         <p:spPr bwMode="auto">
           <a:xfrm>
-            <a:off x="1960405" y="4831928"/>
+            <a:off x="2550583" y="4691108"/>
             <a:ext cx="3259667" cy="977900"/>
           </a:xfrm>
           <a:prstGeom prst="rect">
@@ -3126,7 +3134,7 @@
         </p:nvSpPr>
         <p:spPr>
           <a:xfrm>
-            <a:off x="3043436" y="5293320"/>
+            <a:off x="3660332" y="5180541"/>
             <a:ext cx="952500" cy="444500"/>
           </a:xfrm>
           <a:prstGeom prst="rect">
@@ -3642,6 +3650,10 @@
             <a:r>
               <a:rPr lang="en-US" dirty="0" err="1"/>
               <a:t>Å</a:t>
+            </a:r>
+            <a:r>
+              <a:rPr lang="en-US" dirty="0"/>
+              <a:t/>
             </a:r>
             <a:br>
               <a:rPr lang="en-US" dirty="0"/>
@@ -5945,162 +5957,6 @@
 </p:sld>
 </file>
 
-<file path=ppt/slides/slide15.xml><?xml version="1.0" encoding="utf-8"?>
-<p:sld xmlns:a="http://schemas.openxmlformats.org/drawingml/2006/main" xmlns:r="http://schemas.openxmlformats.org/officeDocument/2006/relationships" xmlns:p="http://schemas.openxmlformats.org/presentationml/2006/main">
-  <p:cSld>
-    <p:spTree>
-      <p:nvGrpSpPr>
-        <p:cNvPr id="1" name=""/>
-        <p:cNvGrpSpPr/>
-        <p:nvPr/>
-      </p:nvGrpSpPr>
-      <p:grpSpPr>
-        <a:xfrm>
-          <a:off x="0" y="0"/>
-          <a:ext cx="0" cy="0"/>
-          <a:chOff x="0" y="0"/>
-          <a:chExt cx="0" cy="0"/>
-        </a:xfrm>
-      </p:grpSpPr>
-      <p:sp>
-        <p:nvSpPr>
-          <p:cNvPr id="2" name="Title 1"/>
-          <p:cNvSpPr>
-            <a:spLocks noGrp="1"/>
-          </p:cNvSpPr>
-          <p:nvPr>
-            <p:ph type="title"/>
-          </p:nvPr>
-        </p:nvSpPr>
-        <p:spPr/>
-        <p:txBody>
-          <a:bodyPr/>
-          <a:lstStyle/>
-          <a:p>
-            <a:r>
-              <a:rPr lang="en-US" sz="1800" dirty="0"/>
-              <a:t>TITLE</a:t>
-            </a:r>
-            <a:endParaRPr lang="en-GB" sz="1800" cap="none" dirty="0"/>
-          </a:p>
-        </p:txBody>
-      </p:sp>
-      <p:sp>
-        <p:nvSpPr>
-          <p:cNvPr id="6" name="Slide Number Placeholder 5"/>
-          <p:cNvSpPr>
-            <a:spLocks noGrp="1"/>
-          </p:cNvSpPr>
-          <p:nvPr>
-            <p:ph type="sldNum" sz="quarter" idx="15"/>
-          </p:nvPr>
-        </p:nvSpPr>
-        <p:spPr/>
-        <p:txBody>
-          <a:bodyPr/>
-          <a:lstStyle/>
-          <a:p>
-            <a:r>
-              <a:rPr lang="en-US" noProof="0"/>
-              <a:t>Page </a:t>
-            </a:r>
-            <a:fld id="{733122C9-A0B9-462F-8757-0847AD287B63}" type="slidenum">
-              <a:rPr lang="en-US" noProof="0" smtClean="0"/>
-              <a:pPr/>
-              <a:t>15</a:t>
-            </a:fld>
-            <a:endParaRPr lang="en-US" noProof="0"/>
-          </a:p>
-        </p:txBody>
-      </p:sp>
-      <p:sp>
-        <p:nvSpPr>
-          <p:cNvPr id="7" name="Footer Placeholder 6"/>
-          <p:cNvSpPr>
-            <a:spLocks noGrp="1"/>
-          </p:cNvSpPr>
-          <p:nvPr>
-            <p:ph type="ftr" sz="quarter" idx="16"/>
-          </p:nvPr>
-        </p:nvSpPr>
-        <p:spPr/>
-        <p:txBody>
-          <a:bodyPr/>
-          <a:lstStyle/>
-          <a:p>
-            <a:r>
-              <a:rPr lang="en-US" noProof="0"/>
-              <a:t>OASYS-Coherence transport | HERCULES2022</a:t>
-            </a:r>
-            <a:endParaRPr lang="en-US" noProof="0" dirty="0"/>
-          </a:p>
-        </p:txBody>
-      </p:sp>
-      <p:sp>
-        <p:nvSpPr>
-          <p:cNvPr id="22" name="Rectangle 21">
-            <a:extLst>
-              <a:ext uri="{FF2B5EF4-FFF2-40B4-BE49-F238E27FC236}">
-                <a16:creationId xmlns:a16="http://schemas.microsoft.com/office/drawing/2014/main" id="{9659CA31-3DD9-4093-BE32-2245845A459D}"/>
-              </a:ext>
-            </a:extLst>
-          </p:cNvPr>
-          <p:cNvSpPr/>
-          <p:nvPr/>
-        </p:nvSpPr>
-        <p:spPr>
-          <a:xfrm>
-            <a:off x="762000" y="2032000"/>
-            <a:ext cx="1079500" cy="1778000"/>
-          </a:xfrm>
-          <a:prstGeom prst="rect">
-            <a:avLst/>
-          </a:prstGeom>
-          <a:solidFill>
-            <a:schemeClr val="bg1"/>
-          </a:solidFill>
-          <a:ln>
-            <a:noFill/>
-          </a:ln>
-        </p:spPr>
-        <p:style>
-          <a:lnRef idx="2">
-            <a:schemeClr val="accent1">
-              <a:shade val="50000"/>
-            </a:schemeClr>
-          </a:lnRef>
-          <a:fillRef idx="1">
-            <a:schemeClr val="accent1"/>
-          </a:fillRef>
-          <a:effectRef idx="0">
-            <a:schemeClr val="accent1"/>
-          </a:effectRef>
-          <a:fontRef idx="minor">
-            <a:schemeClr val="lt1"/>
-          </a:fontRef>
-        </p:style>
-        <p:txBody>
-          <a:bodyPr rtlCol="0" anchor="ctr"/>
-          <a:lstStyle/>
-          <a:p>
-            <a:pPr algn="ctr"/>
-            <a:endParaRPr lang="en-US" sz="1500"/>
-          </a:p>
-        </p:txBody>
-      </p:sp>
-    </p:spTree>
-    <p:extLst>
-      <p:ext uri="{BB962C8B-B14F-4D97-AF65-F5344CB8AC3E}">
-        <p14:creationId xmlns:p14="http://schemas.microsoft.com/office/powerpoint/2010/main" val="4209754338"/>
-      </p:ext>
-    </p:extLst>
-  </p:cSld>
-  <p:clrMapOvr>
-    <a:masterClrMapping/>
-  </p:clrMapOvr>
-</p:sld>
-</file>
-
 <file path=ppt/slides/slide2.xml><?xml version="1.0" encoding="utf-8"?>
 <p:sld xmlns:a="http://schemas.openxmlformats.org/drawingml/2006/main" xmlns:r="http://schemas.openxmlformats.org/officeDocument/2006/relationships" xmlns:p="http://schemas.openxmlformats.org/presentationml/2006/main">
   <p:cSld>
@@ -6450,7 +6306,7 @@
               <a:r>
                 <a:rPr lang="en-US" sz="2400" b="1" dirty="0">
                   <a:solidFill>
-                    <a:srgbClr val="F9D09B"/>
+                    <a:srgbClr val="ADA8A8"/>
                   </a:solidFill>
                 </a:rPr>
                 <a:t>WOFRY</a:t>
@@ -6477,7 +6333,7 @@
             <a:noFill/>
             <a:ln w="57150">
               <a:solidFill>
-                <a:srgbClr val="FDD4A4"/>
+                <a:srgbClr val="ADA8A8"/>
               </a:solidFill>
             </a:ln>
           </p:spPr>
@@ -6784,10 +6640,10 @@
       </p:sp>
       <p:grpSp>
         <p:nvGrpSpPr>
-          <p:cNvPr id="10" name="Group 9">
-            <a:extLst>
-              <a:ext uri="{FF2B5EF4-FFF2-40B4-BE49-F238E27FC236}">
-                <a16:creationId xmlns:a16="http://schemas.microsoft.com/office/drawing/2014/main" id="{1EE19124-8716-4D0A-BCD3-EE8B899232E9}"/>
+          <p:cNvPr id="12" name="Group 11">
+            <a:extLst>
+              <a:ext uri="{FF2B5EF4-FFF2-40B4-BE49-F238E27FC236}">
+                <a16:creationId xmlns:a16="http://schemas.microsoft.com/office/drawing/2014/main" id="{1F191F09-0D2A-4444-8EF8-E2C39072D562}"/>
               </a:ext>
             </a:extLst>
           </p:cNvPr>
@@ -6796,7 +6652,7 @@
         </p:nvGrpSpPr>
         <p:grpSpPr>
           <a:xfrm>
-            <a:off x="6876256" y="2281436"/>
+            <a:off x="6800401" y="2296045"/>
             <a:ext cx="1944216" cy="1589390"/>
             <a:chOff x="6926088" y="3035932"/>
             <a:chExt cx="1944216" cy="1589390"/>
@@ -6804,13 +6660,7 @@
         </p:grpSpPr>
         <p:sp>
           <p:nvSpPr>
-            <p:cNvPr id="11" name="TextBox 10">
-              <a:extLst>
-                <a:ext uri="{FF2B5EF4-FFF2-40B4-BE49-F238E27FC236}">
-                  <a16:creationId xmlns:a16="http://schemas.microsoft.com/office/drawing/2014/main" id="{FEC5F88D-37EF-4135-8CC9-2F1EC6B4ED4D}"/>
-                </a:ext>
-              </a:extLst>
-            </p:cNvPr>
+            <p:cNvPr id="13" name="TextBox 12"/>
             <p:cNvSpPr txBox="1"/>
             <p:nvPr/>
           </p:nvSpPr>
@@ -6837,7 +6687,7 @@
               <a:r>
                 <a:rPr lang="en-US" sz="2400" b="1" dirty="0">
                   <a:solidFill>
-                    <a:srgbClr val="F9D09B"/>
+                    <a:srgbClr val="ADA8A8"/>
                   </a:solidFill>
                 </a:rPr>
                 <a:t>WOFRY</a:t>
@@ -6847,13 +6697,7 @@
         </p:sp>
         <p:sp>
           <p:nvSpPr>
-            <p:cNvPr id="16" name="Rounded Rectangle 9">
-              <a:extLst>
-                <a:ext uri="{FF2B5EF4-FFF2-40B4-BE49-F238E27FC236}">
-                  <a16:creationId xmlns:a16="http://schemas.microsoft.com/office/drawing/2014/main" id="{DD79D57A-C3FA-40D9-B463-D0AE7389BB55}"/>
-                </a:ext>
-              </a:extLst>
-            </p:cNvPr>
+            <p:cNvPr id="14" name="Rounded Rectangle 13"/>
             <p:cNvSpPr/>
             <p:nvPr/>
           </p:nvSpPr>
@@ -6870,7 +6714,7 @@
             <a:noFill/>
             <a:ln w="57150">
               <a:solidFill>
-                <a:srgbClr val="FDD4A4"/>
+                <a:srgbClr val="ADA8A8"/>
               </a:solidFill>
             </a:ln>
           </p:spPr>
@@ -6901,10 +6745,10 @@
         </p:sp>
         <p:pic>
           <p:nvPicPr>
-            <p:cNvPr id="17" name="Picture 16">
+            <p:cNvPr id="15" name="Picture 14">
               <a:extLst>
                 <a:ext uri="{FF2B5EF4-FFF2-40B4-BE49-F238E27FC236}">
-                  <a16:creationId xmlns:a16="http://schemas.microsoft.com/office/drawing/2014/main" id="{BD96F2B2-A0DA-4AB9-80BB-65AA0CD79A0F}"/>
+                  <a16:creationId xmlns:a16="http://schemas.microsoft.com/office/drawing/2014/main" id="{EF74E414-B89F-4B0A-A87B-2D79DA20109B}"/>
                 </a:ext>
               </a:extLst>
             </p:cNvPr>
@@ -10201,8 +10045,8 @@
           </a:p>
         </p:txBody>
       </p:sp>
-      <mc:AlternateContent xmlns:mc="http://schemas.openxmlformats.org/markup-compatibility/2006">
-        <mc:Choice xmlns:a14="http://schemas.microsoft.com/office/drawing/2010/main" Requires="a14">
+      <mc:AlternateContent xmlns:mc="http://schemas.openxmlformats.org/markup-compatibility/2006" xmlns:a14="http://schemas.microsoft.com/office/drawing/2010/main">
+        <mc:Choice Requires="a14">
           <p:sp>
             <p:nvSpPr>
               <p:cNvPr id="5" name="TextBox 4">
@@ -10231,6 +10075,7 @@
               </a:bodyPr>
               <a:lstStyle/>
               <a:p>
+                <a:pPr/>
                 <a14:m>
                   <m:oMathPara xmlns:m="http://schemas.openxmlformats.org/officeDocument/2006/math">
                     <m:oMathParaPr>
@@ -10333,7 +10178,7 @@
             </p:txBody>
           </p:sp>
         </mc:Choice>
-        <mc:Fallback>
+        <mc:Fallback xmlns="">
           <p:sp>
             <p:nvSpPr>
               <p:cNvPr id="5" name="TextBox 4">
@@ -10378,8 +10223,8 @@
           </p:sp>
         </mc:Fallback>
       </mc:AlternateContent>
-      <mc:AlternateContent xmlns:mc="http://schemas.openxmlformats.org/markup-compatibility/2006">
-        <mc:Choice xmlns:a14="http://schemas.microsoft.com/office/drawing/2010/main" Requires="a14">
+      <mc:AlternateContent xmlns:mc="http://schemas.openxmlformats.org/markup-compatibility/2006" xmlns:a14="http://schemas.microsoft.com/office/drawing/2010/main">
+        <mc:Choice Requires="a14">
           <p:sp>
             <p:nvSpPr>
               <p:cNvPr id="64" name="TextBox 63">
@@ -10408,6 +10253,7 @@
               </a:bodyPr>
               <a:lstStyle/>
               <a:p>
+                <a:pPr/>
                 <a14:m>
                   <m:oMathPara xmlns:m="http://schemas.openxmlformats.org/officeDocument/2006/math">
                     <m:oMathParaPr>
@@ -10510,7 +10356,7 @@
             </p:txBody>
           </p:sp>
         </mc:Choice>
-        <mc:Fallback>
+        <mc:Fallback xmlns="">
           <p:sp>
             <p:nvSpPr>
               <p:cNvPr id="64" name="TextBox 63">

--- a/2022/hercules2022_D_coherence_transport.pptx
+++ b/2022/hercules2022_D_coherence_transport.pptx
@@ -247,7 +247,7 @@
             <a:fld id="{D680E798-53FF-4C51-A981-953463752515}" type="datetimeFigureOut">
               <a:rPr lang="fr-FR" smtClean="0"/>
               <a:pPr/>
-              <a:t>10/03/2022</a:t>
+              <a:t>17/03/2022</a:t>
             </a:fld>
             <a:endParaRPr lang="fr-FR"/>
           </a:p>
@@ -10772,7 +10772,7 @@
                   <a:srgbClr val="002692"/>
                 </a:solidFill>
               </a:rPr>
-              <a:t>1 if they are </a:t>
+              <a:t>1 </a:t>
             </a:r>
             <a:r>
               <a:rPr lang="en-US" dirty="0">
@@ -10780,7 +10780,7 @@
                   <a:srgbClr val="002692"/>
                 </a:solidFill>
               </a:rPr>
-              <a:t>partially coherent </a:t>
+              <a:t>if they are partially coherent </a:t>
             </a:r>
           </a:p>
           <a:p>
@@ -11387,7 +11387,7 @@
         </p:nvSpPr>
         <p:spPr>
           <a:xfrm>
-            <a:off x="3723069" y="4556498"/>
+            <a:off x="3287440" y="4721985"/>
             <a:ext cx="1191352" cy="369332"/>
           </a:xfrm>
           <a:prstGeom prst="rect">
@@ -11467,7 +11467,7 @@
         </p:nvSpPr>
         <p:spPr>
           <a:xfrm>
-            <a:off x="3593226" y="1708703"/>
+            <a:off x="3190445" y="1812115"/>
             <a:ext cx="1204176" cy="369332"/>
           </a:xfrm>
           <a:prstGeom prst="rect">
@@ -11701,8 +11701,8 @@
         </p:nvCxnSpPr>
         <p:spPr>
           <a:xfrm flipH="1">
-            <a:off x="3002402" y="3813039"/>
-            <a:ext cx="201446" cy="244250"/>
+            <a:off x="3043239" y="3815458"/>
+            <a:ext cx="160609" cy="166818"/>
           </a:xfrm>
           <a:prstGeom prst="straightConnector1">
             <a:avLst/>
@@ -11980,7 +11980,7 @@
         </p:nvSpPr>
         <p:spPr>
           <a:xfrm>
-            <a:off x="1995441" y="3865612"/>
+            <a:off x="2099740" y="3912979"/>
             <a:ext cx="2751074" cy="307777"/>
           </a:xfrm>
           <a:prstGeom prst="rect">
@@ -12055,21 +12055,26 @@
               <a:t> x </a:t>
             </a:r>
             <a:r>
-              <a:rPr lang="en-US" sz="1400" dirty="0" err="1">
+              <a:rPr lang="en-US" sz="1400" dirty="0" err="1" smtClean="0">
                 <a:solidFill>
                   <a:srgbClr val="FF0000"/>
                 </a:solidFill>
               </a:rPr>
-              <a:t>CFh</a:t>
-            </a:r>
-            <a:r>
-              <a:rPr lang="en-US" sz="1400" dirty="0">
+              <a:t>CFv</a:t>
+            </a:r>
+            <a:r>
+              <a:rPr lang="en-US" sz="1400" dirty="0" smtClean="0">
                 <a:solidFill>
                   <a:srgbClr val="FF0000"/>
                 </a:solidFill>
               </a:rPr>
               <a:t>:</a:t>
             </a:r>
+            <a:endParaRPr lang="en-US" sz="1400" dirty="0">
+              <a:solidFill>
+                <a:srgbClr val="FF0000"/>
+              </a:solidFill>
+            </a:endParaRPr>
           </a:p>
           <a:p>
             <a:pPr marL="285750" indent="-285750">
